--- a/ВКР_Мансуров_РР_01.04.04.pptx
+++ b/ВКР_Мансуров_РР_01.04.04.pptx
@@ -234,7 +234,7 @@
             <a:fld id="{8A2956D5-2046-4B16-B158-28749009537F}" type="datetimeFigureOut">
               <a:rPr lang="ru-RU" smtClean="0"/>
               <a:pPr/>
-              <a:t>21.06.2023</a:t>
+              <a:t>22.06.2023</a:t>
             </a:fld>
             <a:endParaRPr lang="ru-RU"/>
           </a:p>
@@ -725,7 +725,7 @@
             <a:fld id="{668F77C6-B837-4C28-B069-E60D1A7F8F4C}" type="datetime1">
               <a:rPr lang="ru-RU" smtClean="0"/>
               <a:pPr/>
-              <a:t>21.06.2023</a:t>
+              <a:t>22.06.2023</a:t>
             </a:fld>
             <a:endParaRPr lang="ru-RU"/>
           </a:p>
@@ -897,7 +897,7 @@
             <a:fld id="{E15233C2-C826-421D-8751-732F81C941BB}" type="datetime1">
               <a:rPr lang="ru-RU" smtClean="0"/>
               <a:pPr/>
-              <a:t>21.06.2023</a:t>
+              <a:t>22.06.2023</a:t>
             </a:fld>
             <a:endParaRPr lang="ru-RU"/>
           </a:p>
@@ -1079,7 +1079,7 @@
             <a:fld id="{F047989F-906F-40DE-BA90-D14E94A416BA}" type="datetime1">
               <a:rPr lang="ru-RU" smtClean="0"/>
               <a:pPr/>
-              <a:t>21.06.2023</a:t>
+              <a:t>22.06.2023</a:t>
             </a:fld>
             <a:endParaRPr lang="ru-RU"/>
           </a:p>
@@ -1251,7 +1251,7 @@
             <a:fld id="{D56CFF60-0E50-453A-81B9-424AB7DE66CD}" type="datetime1">
               <a:rPr lang="ru-RU" smtClean="0"/>
               <a:pPr/>
-              <a:t>21.06.2023</a:t>
+              <a:t>22.06.2023</a:t>
             </a:fld>
             <a:endParaRPr lang="ru-RU"/>
           </a:p>
@@ -1503,7 +1503,7 @@
             <a:fld id="{1EADCEAB-127F-4906-8280-7B6697A13E33}" type="datetime1">
               <a:rPr lang="ru-RU" smtClean="0"/>
               <a:pPr/>
-              <a:t>21.06.2023</a:t>
+              <a:t>22.06.2023</a:t>
             </a:fld>
             <a:endParaRPr lang="ru-RU"/>
           </a:p>
@@ -1737,7 +1737,7 @@
             <a:fld id="{772B70F3-DD83-40E6-8787-116CC1402285}" type="datetime1">
               <a:rPr lang="ru-RU" smtClean="0"/>
               <a:pPr/>
-              <a:t>21.06.2023</a:t>
+              <a:t>22.06.2023</a:t>
             </a:fld>
             <a:endParaRPr lang="ru-RU"/>
           </a:p>
@@ -2106,7 +2106,7 @@
             <a:fld id="{EFBC4BE1-28D4-4D8B-A423-5A2E1BA6934C}" type="datetime1">
               <a:rPr lang="ru-RU" smtClean="0"/>
               <a:pPr/>
-              <a:t>21.06.2023</a:t>
+              <a:t>22.06.2023</a:t>
             </a:fld>
             <a:endParaRPr lang="ru-RU"/>
           </a:p>
@@ -2226,7 +2226,7 @@
             <a:fld id="{6B7A375C-D316-441C-BBA4-36702FCEB310}" type="datetime1">
               <a:rPr lang="ru-RU" smtClean="0"/>
               <a:pPr/>
-              <a:t>21.06.2023</a:t>
+              <a:t>22.06.2023</a:t>
             </a:fld>
             <a:endParaRPr lang="ru-RU"/>
           </a:p>
@@ -2323,7 +2323,7 @@
             <a:fld id="{3EE6ABA4-7B05-4C08-9A73-CF8D6885218A}" type="datetime1">
               <a:rPr lang="ru-RU" smtClean="0"/>
               <a:pPr/>
-              <a:t>21.06.2023</a:t>
+              <a:t>22.06.2023</a:t>
             </a:fld>
             <a:endParaRPr lang="ru-RU"/>
           </a:p>
@@ -2602,7 +2602,7 @@
             <a:fld id="{F7A499FF-A70C-4AC7-8F4A-A5151C1A7370}" type="datetime1">
               <a:rPr lang="ru-RU" smtClean="0"/>
               <a:pPr/>
-              <a:t>21.06.2023</a:t>
+              <a:t>22.06.2023</a:t>
             </a:fld>
             <a:endParaRPr lang="ru-RU"/>
           </a:p>
@@ -2857,7 +2857,7 @@
             <a:fld id="{52FB4F09-8D8A-4907-99B4-463641EA0A07}" type="datetime1">
               <a:rPr lang="ru-RU" smtClean="0"/>
               <a:pPr/>
-              <a:t>21.06.2023</a:t>
+              <a:t>22.06.2023</a:t>
             </a:fld>
             <a:endParaRPr lang="ru-RU"/>
           </a:p>
@@ -3072,7 +3072,7 @@
             <a:fld id="{96489DF9-334F-4539-8237-D412EE1173F0}" type="datetime1">
               <a:rPr lang="ru-RU" smtClean="0"/>
               <a:pPr/>
-              <a:t>21.06.2023</a:t>
+              <a:t>22.06.2023</a:t>
             </a:fld>
             <a:endParaRPr lang="ru-RU"/>
           </a:p>
@@ -3484,7 +3484,7 @@
           <p:cNvPr id="18" name="Подзаголовок 6">
             <a:extLst>
               <a:ext uri="{FF2B5EF4-FFF2-40B4-BE49-F238E27FC236}">
-                <a16:creationId xmlns="" xmlns:a16="http://schemas.microsoft.com/office/drawing/2014/main" id="{6F08C3E7-B433-41C9-883D-917A98689EE1}"/>
+                <a16:creationId xmlns:a16="http://schemas.microsoft.com/office/drawing/2014/main" id="{6F08C3E7-B433-41C9-883D-917A98689EE1}"/>
               </a:ext>
             </a:extLst>
           </p:cNvPr>
@@ -3526,14 +3526,7 @@
                 <a:latin typeface="Bookman Old Style" panose="02050604050505020204" pitchFamily="18" charset="0"/>
                 <a:ea typeface="Times New Roman" panose="02020603050405020304" pitchFamily="18" charset="0"/>
               </a:rPr>
-              <a:t>д.т.н., профессор каф. </a:t>
-            </a:r>
-            <a:r>
-              <a:rPr lang="ru-RU" sz="1200" dirty="0">
-                <a:latin typeface="Bookman Old Style" panose="02050604050505020204" pitchFamily="18" charset="0"/>
-                <a:ea typeface="Times New Roman" panose="02020603050405020304" pitchFamily="18" charset="0"/>
-              </a:rPr>
-              <a:t>ПМиИТ</a:t>
+              <a:t>д.т.н., профессор каф. ПМиИТ</a:t>
             </a:r>
             <a:r>
               <a:rPr lang="ru-RU" sz="1200" dirty="0">
@@ -3712,7 +3705,7 @@
           <p:cNvPr id="17" name="Заголовок 16">
             <a:extLst>
               <a:ext uri="{FF2B5EF4-FFF2-40B4-BE49-F238E27FC236}">
-                <a16:creationId xmlns="" xmlns:a16="http://schemas.microsoft.com/office/drawing/2014/main" id="{D630362D-1F09-46B4-9DE4-AEA483AC82FD}"/>
+                <a16:creationId xmlns:a16="http://schemas.microsoft.com/office/drawing/2014/main" id="{D630362D-1F09-46B4-9DE4-AEA483AC82FD}"/>
               </a:ext>
             </a:extLst>
           </p:cNvPr>
@@ -3758,7 +3751,7 @@
           <p:cNvPr id="6" name="Заголовок 16">
             <a:extLst>
               <a:ext uri="{FF2B5EF4-FFF2-40B4-BE49-F238E27FC236}">
-                <a16:creationId xmlns="" xmlns:a16="http://schemas.microsoft.com/office/drawing/2014/main" id="{85FFDCB6-DCBF-4F9C-90C4-2AB70E81D8A0}"/>
+                <a16:creationId xmlns:a16="http://schemas.microsoft.com/office/drawing/2014/main" id="{85FFDCB6-DCBF-4F9C-90C4-2AB70E81D8A0}"/>
               </a:ext>
             </a:extLst>
           </p:cNvPr>
@@ -3847,7 +3840,7 @@
           <p:cNvPr id="8" name="TextBox 7">
             <a:extLst>
               <a:ext uri="{FF2B5EF4-FFF2-40B4-BE49-F238E27FC236}">
-                <a16:creationId xmlns="" xmlns:a16="http://schemas.microsoft.com/office/drawing/2014/main" id="{1F6B3733-B982-4B73-A9F3-38F9C71CC6EA}"/>
+                <a16:creationId xmlns:a16="http://schemas.microsoft.com/office/drawing/2014/main" id="{1F6B3733-B982-4B73-A9F3-38F9C71CC6EA}"/>
               </a:ext>
             </a:extLst>
           </p:cNvPr>
@@ -3960,7 +3953,7 @@
           <p:cNvPr id="9" name="TextBox 8">
             <a:extLst>
               <a:ext uri="{FF2B5EF4-FFF2-40B4-BE49-F238E27FC236}">
-                <a16:creationId xmlns="" xmlns:a16="http://schemas.microsoft.com/office/drawing/2014/main" id="{769CF103-AC91-48FF-AA34-D8B9DB5E2763}"/>
+                <a16:creationId xmlns:a16="http://schemas.microsoft.com/office/drawing/2014/main" id="{769CF103-AC91-48FF-AA34-D8B9DB5E2763}"/>
               </a:ext>
             </a:extLst>
           </p:cNvPr>
@@ -4067,6 +4060,13 @@
   <p:clrMapOvr>
     <a:masterClrMapping/>
   </p:clrMapOvr>
+  <p:timing>
+    <p:tnLst>
+      <p:par>
+        <p:cTn id="1" dur="indefinite" restart="never" nodeType="tmRoot"/>
+      </p:par>
+    </p:tnLst>
+  </p:timing>
 </p:sld>
 </file>
 
@@ -4873,7 +4873,7 @@
         </p:nvSpPr>
         <p:spPr>
           <a:xfrm>
-            <a:off x="8377335" y="4894257"/>
+            <a:off x="8377335" y="4891170"/>
             <a:ext cx="766665" cy="249243"/>
           </a:xfrm>
           <a:ln w="9525">
@@ -5527,7 +5527,7 @@
           <a:graphicData uri="http://schemas.openxmlformats.org/presentationml/2006/ole">
             <mc:AlternateContent xmlns:mc="http://schemas.openxmlformats.org/markup-compatibility/2006">
               <mc:Choice xmlns:v="urn:schemas-microsoft-com:vml" Requires="v">
-                <p:oleObj spid="_x0000_s54283" name="Формула" r:id="rId4" imgW="1688760" imgH="228600" progId="Equation.3">
+                <p:oleObj spid="_x0000_s54328" name="Формула" r:id="rId4" imgW="1688760" imgH="228600" progId="Equation.3">
                   <p:embed/>
                 </p:oleObj>
               </mc:Choice>
@@ -5701,7 +5701,7 @@
           <p:nvPr>
             <p:extLst>
               <p:ext uri="{D42A27DB-BD31-4B8C-83A1-F6EECF244321}">
-                <p14:modId xmlns:p14="http://schemas.microsoft.com/office/powerpoint/2010/main" val="2870480185"/>
+                <p14:modId xmlns:p14="http://schemas.microsoft.com/office/powerpoint/2010/main" val="2541145239"/>
               </p:ext>
             </p:extLst>
           </p:nvPr>
@@ -5720,28 +5720,28 @@
                 <a:gridCol w="957353">
                   <a:extLst>
                     <a:ext uri="{9D8B030D-6E8A-4147-A177-3AD203B41FA5}">
-                      <a16:colId xmlns:a16="http://schemas.microsoft.com/office/drawing/2014/main" xmlns="" val="1044631594"/>
+                      <a16:colId xmlns:a16="http://schemas.microsoft.com/office/drawing/2014/main" val="1044631594"/>
                     </a:ext>
                   </a:extLst>
                 </a:gridCol>
                 <a:gridCol w="957353">
                   <a:extLst>
                     <a:ext uri="{9D8B030D-6E8A-4147-A177-3AD203B41FA5}">
-                      <a16:colId xmlns:a16="http://schemas.microsoft.com/office/drawing/2014/main" xmlns="" val="2558395021"/>
+                      <a16:colId xmlns:a16="http://schemas.microsoft.com/office/drawing/2014/main" val="2558395021"/>
                     </a:ext>
                   </a:extLst>
                 </a:gridCol>
                 <a:gridCol w="957353">
                   <a:extLst>
                     <a:ext uri="{9D8B030D-6E8A-4147-A177-3AD203B41FA5}">
-                      <a16:colId xmlns:a16="http://schemas.microsoft.com/office/drawing/2014/main" xmlns="" val="2212677439"/>
+                      <a16:colId xmlns:a16="http://schemas.microsoft.com/office/drawing/2014/main" val="2212677439"/>
                     </a:ext>
                   </a:extLst>
                 </a:gridCol>
                 <a:gridCol w="957353">
                   <a:extLst>
                     <a:ext uri="{9D8B030D-6E8A-4147-A177-3AD203B41FA5}">
-                      <a16:colId xmlns:a16="http://schemas.microsoft.com/office/drawing/2014/main" xmlns="" val="851063209"/>
+                      <a16:colId xmlns:a16="http://schemas.microsoft.com/office/drawing/2014/main" val="851063209"/>
                     </a:ext>
                   </a:extLst>
                 </a:gridCol>
@@ -5805,7 +5805,7 @@
                 </a:tc>
                 <a:extLst>
                   <a:ext uri="{0D108BD9-81ED-4DB2-BD59-A6C34878D82A}">
-                    <a16:rowId xmlns:a16="http://schemas.microsoft.com/office/drawing/2014/main" xmlns="" val="1185514864"/>
+                    <a16:rowId xmlns:a16="http://schemas.microsoft.com/office/drawing/2014/main" val="1185514864"/>
                   </a:ext>
                 </a:extLst>
               </a:tr>
@@ -5958,7 +5958,7 @@
                 </a:tc>
                 <a:extLst>
                   <a:ext uri="{0D108BD9-81ED-4DB2-BD59-A6C34878D82A}">
-                    <a16:rowId xmlns:a16="http://schemas.microsoft.com/office/drawing/2014/main" xmlns="" val="10001"/>
+                    <a16:rowId xmlns:a16="http://schemas.microsoft.com/office/drawing/2014/main" val="10001"/>
                   </a:ext>
                 </a:extLst>
               </a:tr>
@@ -6248,7 +6248,7 @@
                 </a:tc>
                 <a:extLst>
                   <a:ext uri="{0D108BD9-81ED-4DB2-BD59-A6C34878D82A}">
-                    <a16:rowId xmlns:a16="http://schemas.microsoft.com/office/drawing/2014/main" xmlns="" val="627226478"/>
+                    <a16:rowId xmlns:a16="http://schemas.microsoft.com/office/drawing/2014/main" val="627226478"/>
                   </a:ext>
                 </a:extLst>
               </a:tr>
@@ -6336,7 +6336,17 @@
                           <a:latin typeface="Times New Roman" panose="02020603050405020304" pitchFamily="18" charset="0"/>
                           <a:cs typeface="Times New Roman" panose="02020603050405020304" pitchFamily="18" charset="0"/>
                         </a:rPr>
-                        <a:t>66,6</a:t>
+                        <a:t>66,</a:t>
+                      </a:r>
+                      <a:r>
+                        <a:rPr lang="en-US" sz="1000" dirty="0" smtClean="0">
+                          <a:solidFill>
+                            <a:schemeClr val="tx1"/>
+                          </a:solidFill>
+                          <a:latin typeface="Times New Roman" panose="02020603050405020304" pitchFamily="18" charset="0"/>
+                          <a:cs typeface="Times New Roman" panose="02020603050405020304" pitchFamily="18" charset="0"/>
+                        </a:rPr>
+                        <a:t>7</a:t>
                       </a:r>
                       <a:endParaRPr lang="ru-RU" sz="1000" dirty="0">
                         <a:solidFill>
@@ -6418,7 +6428,7 @@
                 </a:tc>
                 <a:extLst>
                   <a:ext uri="{0D108BD9-81ED-4DB2-BD59-A6C34878D82A}">
-                    <a16:rowId xmlns:a16="http://schemas.microsoft.com/office/drawing/2014/main" xmlns="" val="10003"/>
+                    <a16:rowId xmlns:a16="http://schemas.microsoft.com/office/drawing/2014/main" val="10003"/>
                   </a:ext>
                 </a:extLst>
               </a:tr>
@@ -6448,7 +6458,7 @@
           <a:graphicData uri="http://schemas.openxmlformats.org/presentationml/2006/ole">
             <mc:AlternateContent xmlns:mc="http://schemas.openxmlformats.org/markup-compatibility/2006">
               <mc:Choice xmlns:v="urn:schemas-microsoft-com:vml" Requires="v">
-                <p:oleObj spid="_x0000_s54284" name="Уравнение" r:id="rId6" imgW="406080" imgH="190440" progId="Equation.3">
+                <p:oleObj spid="_x0000_s54329" name="Уравнение" r:id="rId6" imgW="406080" imgH="190440" progId="Equation.3">
                   <p:embed/>
                 </p:oleObj>
               </mc:Choice>
@@ -6518,7 +6528,7 @@
           <a:graphicData uri="http://schemas.openxmlformats.org/presentationml/2006/ole">
             <mc:AlternateContent xmlns:mc="http://schemas.openxmlformats.org/markup-compatibility/2006">
               <mc:Choice xmlns:v="urn:schemas-microsoft-com:vml" Requires="v">
-                <p:oleObj spid="_x0000_s54285" name="Уравнение" r:id="rId8" imgW="419040" imgH="215640" progId="Equation.3">
+                <p:oleObj spid="_x0000_s54330" name="Уравнение" r:id="rId8" imgW="419040" imgH="215640" progId="Equation.3">
                   <p:embed/>
                 </p:oleObj>
               </mc:Choice>
@@ -6588,7 +6598,7 @@
           <a:graphicData uri="http://schemas.openxmlformats.org/presentationml/2006/ole">
             <mc:AlternateContent xmlns:mc="http://schemas.openxmlformats.org/markup-compatibility/2006">
               <mc:Choice xmlns:v="urn:schemas-microsoft-com:vml" Requires="v">
-                <p:oleObj spid="_x0000_s54286" name="Формула" r:id="rId10" imgW="419040" imgH="215640" progId="Equation.3">
+                <p:oleObj spid="_x0000_s54331" name="Формула" r:id="rId10" imgW="419040" imgH="215640" progId="Equation.3">
                   <p:embed/>
                 </p:oleObj>
               </mc:Choice>
@@ -6658,7 +6668,7 @@
           <a:graphicData uri="http://schemas.openxmlformats.org/presentationml/2006/ole">
             <mc:AlternateContent xmlns:mc="http://schemas.openxmlformats.org/markup-compatibility/2006">
               <mc:Choice xmlns:v="urn:schemas-microsoft-com:vml" Requires="v">
-                <p:oleObj spid="_x0000_s54287" name="Формула" r:id="rId12" imgW="304560" imgH="215640" progId="Equation.3">
+                <p:oleObj spid="_x0000_s54332" name="Формула" r:id="rId12" imgW="304560" imgH="215640" progId="Equation.3">
                   <p:embed/>
                 </p:oleObj>
               </mc:Choice>
@@ -6819,7 +6829,7 @@
           <a:graphicData uri="http://schemas.openxmlformats.org/presentationml/2006/ole">
             <mc:AlternateContent xmlns:mc="http://schemas.openxmlformats.org/markup-compatibility/2006">
               <mc:Choice xmlns:v="urn:schemas-microsoft-com:vml" Requires="v">
-                <p:oleObj spid="_x0000_s54288" name="Формула" r:id="rId14" imgW="799920" imgH="228600" progId="Equation.3">
+                <p:oleObj spid="_x0000_s54333" name="Формула" r:id="rId14" imgW="799920" imgH="228600" progId="Equation.3">
                   <p:embed/>
                 </p:oleObj>
               </mc:Choice>
@@ -6876,7 +6886,7 @@
           <a:graphicData uri="http://schemas.openxmlformats.org/presentationml/2006/ole">
             <mc:AlternateContent xmlns:mc="http://schemas.openxmlformats.org/markup-compatibility/2006">
               <mc:Choice xmlns:v="urn:schemas-microsoft-com:vml" Requires="v">
-                <p:oleObj spid="_x0000_s54289" name="Equation" r:id="rId16" imgW="838080" imgH="215640" progId="Equation.3">
+                <p:oleObj spid="_x0000_s54334" name="Equation" r:id="rId16" imgW="838080" imgH="215640" progId="Equation.3">
                   <p:embed/>
                 </p:oleObj>
               </mc:Choice>
@@ -6920,9 +6930,9 @@
         <p:grpSpPr>
           <a:xfrm>
             <a:off x="4853341" y="852359"/>
-            <a:ext cx="4211979" cy="1317435"/>
+            <a:ext cx="4211979" cy="1282191"/>
             <a:chOff x="4756125" y="464806"/>
-            <a:chExt cx="4211979" cy="1317435"/>
+            <a:chExt cx="4211979" cy="1282191"/>
           </a:xfrm>
         </p:grpSpPr>
         <p:grpSp>
@@ -6934,9 +6944,9 @@
           <p:grpSpPr>
             <a:xfrm>
               <a:off x="4756125" y="464806"/>
-              <a:ext cx="4211979" cy="1317435"/>
+              <a:ext cx="4211979" cy="1282191"/>
               <a:chOff x="4972369" y="495697"/>
-              <a:chExt cx="4211979" cy="1317435"/>
+              <a:chExt cx="4211979" cy="1282191"/>
             </a:xfrm>
           </p:grpSpPr>
           <p:graphicFrame>
@@ -6961,7 +6971,7 @@
               <a:graphicData uri="http://schemas.openxmlformats.org/presentationml/2006/ole">
                 <mc:AlternateContent xmlns:mc="http://schemas.openxmlformats.org/markup-compatibility/2006">
                   <mc:Choice xmlns:v="urn:schemas-microsoft-com:vml" Requires="v">
-                    <p:oleObj spid="_x0000_s54290" name="Уравнение" r:id="rId18" imgW="228600" imgH="228600" progId="Equation.3">
+                    <p:oleObj spid="_x0000_s54335" name="Уравнение" r:id="rId18" imgW="228600" imgH="228600" progId="Equation.3">
                       <p:embed/>
                     </p:oleObj>
                   </mc:Choice>
@@ -7031,7 +7041,7 @@
               <a:graphicData uri="http://schemas.openxmlformats.org/presentationml/2006/ole">
                 <mc:AlternateContent xmlns:mc="http://schemas.openxmlformats.org/markup-compatibility/2006">
                   <mc:Choice xmlns:v="urn:schemas-microsoft-com:vml" Requires="v">
-                    <p:oleObj spid="_x0000_s54291" name="Формула" r:id="rId20" imgW="164885" imgH="164885" progId="Equation.3">
+                    <p:oleObj spid="_x0000_s54336" name="Формула" r:id="rId20" imgW="164885" imgH="164885" progId="Equation.3">
                       <p:embed/>
                     </p:oleObj>
                   </mc:Choice>
@@ -7094,9 +7104,9 @@
             <p:grpSpPr>
               <a:xfrm>
                 <a:off x="4972369" y="495697"/>
-                <a:ext cx="4211979" cy="1317435"/>
+                <a:ext cx="4211979" cy="1282191"/>
                 <a:chOff x="4972369" y="495697"/>
-                <a:chExt cx="4211979" cy="1317435"/>
+                <a:chExt cx="4211979" cy="1282191"/>
               </a:xfrm>
             </p:grpSpPr>
             <p:cxnSp>
@@ -7141,9 +7151,9 @@
               <p:grpSpPr>
                 <a:xfrm>
                   <a:off x="4972369" y="495697"/>
-                  <a:ext cx="4211979" cy="1317435"/>
+                  <a:ext cx="4211979" cy="1282191"/>
                   <a:chOff x="4972369" y="495697"/>
-                  <a:chExt cx="4211979" cy="1317435"/>
+                  <a:chExt cx="4211979" cy="1282191"/>
                 </a:xfrm>
               </p:grpSpPr>
               <p:cxnSp>
@@ -7191,9 +7201,9 @@
                 <p:grpSpPr>
                   <a:xfrm>
                     <a:off x="4972369" y="495697"/>
-                    <a:ext cx="4211979" cy="1317435"/>
+                    <a:ext cx="4211979" cy="1282191"/>
                     <a:chOff x="4972369" y="495697"/>
-                    <a:chExt cx="4211979" cy="1317435"/>
+                    <a:chExt cx="4211979" cy="1282191"/>
                   </a:xfrm>
                 </p:grpSpPr>
                 <p:graphicFrame>
@@ -7205,25 +7215,25 @@
                     <p:nvPr>
                       <p:extLst>
                         <p:ext uri="{D42A27DB-BD31-4B8C-83A1-F6EECF244321}">
-                          <p14:modId xmlns:p14="http://schemas.microsoft.com/office/powerpoint/2010/main" val="3972388004"/>
+                          <p14:modId xmlns:p14="http://schemas.microsoft.com/office/powerpoint/2010/main" val="1776285449"/>
                         </p:ext>
                       </p:extLst>
                     </p:nvPr>
                   </p:nvGraphicFramePr>
                   <p:xfrm>
-                    <a:off x="7601403" y="1513094"/>
-                    <a:ext cx="177800" cy="300038"/>
+                    <a:off x="7603510" y="1464758"/>
+                    <a:ext cx="190500" cy="300038"/>
                   </p:xfrm>
                   <a:graphic>
                     <a:graphicData uri="http://schemas.openxmlformats.org/presentationml/2006/ole">
                       <mc:AlternateContent xmlns:mc="http://schemas.openxmlformats.org/markup-compatibility/2006">
                         <mc:Choice xmlns:v="urn:schemas-microsoft-com:vml" Requires="v">
-                          <p:oleObj spid="_x0000_s54292" name="Уравнение" r:id="rId22" imgW="164880" imgH="228600" progId="Equation.3">
+                          <p:oleObj spid="_x0000_s54337" name="Уравнение" r:id="rId22" imgW="177480" imgH="228600" progId="Equation.3">
                             <p:embed/>
                           </p:oleObj>
                         </mc:Choice>
                         <mc:Fallback>
-                          <p:oleObj name="Уравнение" r:id="rId22" imgW="164880" imgH="228600" progId="Equation.3">
+                          <p:oleObj name="Уравнение" r:id="rId22" imgW="177480" imgH="228600" progId="Equation.3">
                             <p:embed/>
                             <p:pic>
                               <p:nvPicPr>
@@ -7242,8 +7252,8 @@
                               </p:blipFill>
                               <p:spPr bwMode="auto">
                                 <a:xfrm>
-                                  <a:off x="7601403" y="1513094"/>
-                                  <a:ext cx="177800" cy="300038"/>
+                                  <a:off x="7603510" y="1464758"/>
+                                  <a:ext cx="190500" cy="300038"/>
                                 </a:xfrm>
                                 <a:prstGeom prst="rect">
                                   <a:avLst/>
@@ -7288,7 +7298,7 @@
                     <a:graphicData uri="http://schemas.openxmlformats.org/presentationml/2006/ole">
                       <mc:AlternateContent xmlns:mc="http://schemas.openxmlformats.org/markup-compatibility/2006">
                         <mc:Choice xmlns:v="urn:schemas-microsoft-com:vml" Requires="v">
-                          <p:oleObj spid="_x0000_s54293" name="Equation" r:id="rId24" imgW="228600" imgH="228600" progId="Equation.3">
+                          <p:oleObj spid="_x0000_s54338" name="Equation" r:id="rId24" imgW="228600" imgH="228600" progId="Equation.3">
                             <p:embed/>
                           </p:oleObj>
                         </mc:Choice>
@@ -7358,7 +7368,7 @@
                     <a:graphicData uri="http://schemas.openxmlformats.org/presentationml/2006/ole">
                       <mc:AlternateContent xmlns:mc="http://schemas.openxmlformats.org/markup-compatibility/2006">
                         <mc:Choice xmlns:v="urn:schemas-microsoft-com:vml" Requires="v">
-                          <p:oleObj spid="_x0000_s54294" name="Equation" r:id="rId26" imgW="215640" imgH="228600" progId="Equation.3">
+                          <p:oleObj spid="_x0000_s54339" name="Equation" r:id="rId26" imgW="215640" imgH="228600" progId="Equation.3">
                             <p:embed/>
                           </p:oleObj>
                         </mc:Choice>
@@ -7949,7 +7959,7 @@
                       <a:graphicData uri="http://schemas.openxmlformats.org/presentationml/2006/ole">
                         <mc:AlternateContent xmlns:mc="http://schemas.openxmlformats.org/markup-compatibility/2006">
                           <mc:Choice xmlns:v="urn:schemas-microsoft-com:vml" Requires="v">
-                            <p:oleObj spid="_x0000_s54295" name="Уравнение" r:id="rId28" imgW="203040" imgH="215640" progId="Equation.3">
+                            <p:oleObj spid="_x0000_s54340" name="Уравнение" r:id="rId28" imgW="203040" imgH="215640" progId="Equation.3">
                               <p:embed/>
                             </p:oleObj>
                           </mc:Choice>
@@ -8371,7 +8381,7 @@
           <a:graphicData uri="http://schemas.openxmlformats.org/presentationml/2006/ole">
             <mc:AlternateContent xmlns:mc="http://schemas.openxmlformats.org/markup-compatibility/2006">
               <mc:Choice xmlns:v="urn:schemas-microsoft-com:vml" Requires="v">
-                <p:oleObj spid="_x0000_s54296" name="Формула" r:id="rId30" imgW="1091880" imgH="228600" progId="Equation.3">
+                <p:oleObj spid="_x0000_s54341" name="Формула" r:id="rId30" imgW="1091880" imgH="228600" progId="Equation.3">
                   <p:embed/>
                 </p:oleObj>
               </mc:Choice>
@@ -8428,7 +8438,7 @@
           <p:nvPr>
             <p:extLst>
               <p:ext uri="{D42A27DB-BD31-4B8C-83A1-F6EECF244321}">
-                <p14:modId xmlns:p14="http://schemas.microsoft.com/office/powerpoint/2010/main" val="834478557"/>
+                <p14:modId xmlns:p14="http://schemas.microsoft.com/office/powerpoint/2010/main" val="2321108189"/>
               </p:ext>
             </p:extLst>
           </p:nvPr>
@@ -8441,7 +8451,7 @@
           <a:graphicData uri="http://schemas.openxmlformats.org/presentationml/2006/ole">
             <mc:AlternateContent xmlns:mc="http://schemas.openxmlformats.org/markup-compatibility/2006">
               <mc:Choice xmlns:v="urn:schemas-microsoft-com:vml" Requires="v">
-                <p:oleObj spid="_x0000_s54297" name="Уравнение" r:id="rId32" imgW="1904760" imgH="228600" progId="Equation.3">
+                <p:oleObj spid="_x0000_s54342" name="Уравнение" r:id="rId32" imgW="1904760" imgH="228600" progId="Equation.3">
                   <p:embed/>
                 </p:oleObj>
               </mc:Choice>
@@ -8489,8 +8499,8 @@
           </a:graphicData>
         </a:graphic>
       </p:graphicFrame>
-      <mc:AlternateContent xmlns:mc="http://schemas.openxmlformats.org/markup-compatibility/2006" xmlns:a14="http://schemas.microsoft.com/office/drawing/2010/main">
-        <mc:Choice Requires="a14">
+      <mc:AlternateContent xmlns:mc="http://schemas.openxmlformats.org/markup-compatibility/2006">
+        <mc:Choice xmlns:a14="http://schemas.microsoft.com/office/drawing/2010/main" Requires="a14">
           <p:sp>
             <p:nvSpPr>
               <p:cNvPr id="89" name="Прямоугольник 88"/>
@@ -8637,56 +8647,56 @@
                     <a:spcPct val="125000"/>
                   </a:lnSpc>
                 </a:pPr>
+                <a:r>
+                  <a:rPr lang="en-US" sz="1100" i="1" dirty="0" smtClean="0">
+                    <a:latin typeface="Times New Roman" panose="02020603050405020304" pitchFamily="18" charset="0"/>
+                    <a:ea typeface="Cambria Math"/>
+                    <a:cs typeface="Times New Roman" panose="02020603050405020304" pitchFamily="18" charset="0"/>
+                  </a:rPr>
+                  <a:t>v</a:t>
+                </a:r>
                 <a14:m>
                   <m:oMath xmlns:m="http://schemas.openxmlformats.org/officeDocument/2006/math">
-                    <m:sSub>
-                      <m:sSubPr>
-                        <m:ctrlPr>
-                          <a:rPr lang="en-US" sz="1100" i="1">
-                            <a:latin typeface="Cambria Math" panose="02040503050406030204" pitchFamily="18" charset="0"/>
-                            <a:ea typeface="Cambria Math"/>
-                            <a:cs typeface="Times New Roman" pitchFamily="18" charset="0"/>
-                          </a:rPr>
-                        </m:ctrlPr>
-                      </m:sSubPr>
-                      <m:e>
-                        <m:r>
-                          <a:rPr lang="en-US" sz="1100" b="0" i="1" smtClean="0">
-                            <a:latin typeface="Cambria Math" panose="02040503050406030204" pitchFamily="18" charset="0"/>
-                            <a:ea typeface="Cambria Math"/>
-                            <a:cs typeface="Times New Roman" pitchFamily="18" charset="0"/>
-                          </a:rPr>
-                          <m:t>𝑉</m:t>
-                        </m:r>
-                      </m:e>
-                      <m:sub>
-                        <m:r>
-                          <a:rPr lang="en-US" sz="1100" i="1">
-                            <a:latin typeface="Cambria Math" panose="02040503050406030204" pitchFamily="18" charset="0"/>
-                            <a:ea typeface="Cambria Math"/>
-                            <a:cs typeface="Times New Roman" pitchFamily="18" charset="0"/>
-                          </a:rPr>
-                          <m:t>0</m:t>
-                        </m:r>
-                      </m:sub>
-                    </m:sSub>
                     <m:r>
-                      <a:rPr lang="ru-RU" sz="1100" i="1">
+                      <a:rPr lang="ru-RU" sz="1100" i="1" baseline="-25000">
                         <a:latin typeface="Cambria Math" panose="02040503050406030204" pitchFamily="18" charset="0"/>
                         <a:ea typeface="Cambria Math"/>
                         <a:cs typeface="Times New Roman" pitchFamily="18" charset="0"/>
                       </a:rPr>
-                      <m:t> −</m:t>
+                      <m:t>д</m:t>
+                    </m:r>
+                    <m:r>
+                      <a:rPr lang="ru-RU" sz="1100" b="0" i="1" baseline="-25000" smtClean="0">
+                        <a:latin typeface="Cambria Math" panose="02040503050406030204" pitchFamily="18" charset="0"/>
+                        <a:ea typeface="Cambria Math"/>
+                        <a:cs typeface="Times New Roman" pitchFamily="18" charset="0"/>
+                      </a:rPr>
+                      <m:t> </m:t>
                     </m:r>
                   </m:oMath>
                 </a14:m>
+                <a:r>
+                  <a:rPr lang="en-US" sz="1100" dirty="0">
+                    <a:latin typeface="Times New Roman" pitchFamily="18" charset="0"/>
+                    <a:cs typeface="Times New Roman" pitchFamily="18" charset="0"/>
+                  </a:rPr>
+                  <a:t>− </a:t>
+                </a:r>
                 <a:r>
                   <a:rPr lang="ru-RU" sz="1100" dirty="0" smtClean="0">
                     <a:latin typeface="Times New Roman" pitchFamily="18" charset="0"/>
                     <a:ea typeface="Cambria Math"/>
                     <a:cs typeface="Times New Roman" pitchFamily="18" charset="0"/>
                   </a:rPr>
-                  <a:t> дульная скорость снаряда; </a:t>
+                  <a:t>дульная </a:t>
+                </a:r>
+                <a:r>
+                  <a:rPr lang="ru-RU" sz="1100" dirty="0" smtClean="0">
+                    <a:latin typeface="Times New Roman" pitchFamily="18" charset="0"/>
+                    <a:ea typeface="Cambria Math"/>
+                    <a:cs typeface="Times New Roman" pitchFamily="18" charset="0"/>
+                  </a:rPr>
+                  <a:t>скорость снаряда; </a:t>
                 </a:r>
                 <a14:m>
                   <m:oMath xmlns:m="http://schemas.openxmlformats.org/officeDocument/2006/math">
@@ -8819,7 +8829,23 @@
                     <a:ea typeface="Cambria Math"/>
                     <a:cs typeface="Times New Roman" pitchFamily="18" charset="0"/>
                   </a:rPr>
-                  <a:t>время старта Р.Д.;</a:t>
+                  <a:t>время старта </a:t>
+                </a:r>
+                <a:r>
+                  <a:rPr lang="ru-RU" sz="1100" dirty="0" smtClean="0">
+                    <a:latin typeface="Times New Roman" pitchFamily="18" charset="0"/>
+                    <a:ea typeface="Cambria Math"/>
+                    <a:cs typeface="Times New Roman" pitchFamily="18" charset="0"/>
+                  </a:rPr>
+                  <a:t>РД</a:t>
+                </a:r>
+                <a:r>
+                  <a:rPr lang="ru-RU" sz="1100" dirty="0" smtClean="0">
+                    <a:latin typeface="Times New Roman" pitchFamily="18" charset="0"/>
+                    <a:ea typeface="Cambria Math"/>
+                    <a:cs typeface="Times New Roman" pitchFamily="18" charset="0"/>
+                  </a:rPr>
+                  <a:t>.;</a:t>
                 </a:r>
                 <a:r>
                   <a:rPr lang="en-US" sz="1100" dirty="0" smtClean="0">
@@ -8880,7 +8906,7 @@
             </p:txBody>
           </p:sp>
         </mc:Choice>
-        <mc:Fallback xmlns="">
+        <mc:Fallback>
           <p:sp>
             <p:nvSpPr>
               <p:cNvPr id="89" name="Прямоугольник 88"/>
@@ -9671,7 +9697,7 @@
         </p:nvSpPr>
         <p:spPr>
           <a:xfrm>
-            <a:off x="8377335" y="4894257"/>
+            <a:off x="8377335" y="4891170"/>
             <a:ext cx="766665" cy="249243"/>
           </a:xfrm>
           <a:ln w="9525">
@@ -9812,28 +9838,28 @@
                 <a:gridCol w="1371600">
                   <a:extLst>
                     <a:ext uri="{9D8B030D-6E8A-4147-A177-3AD203B41FA5}">
-                      <a16:colId xmlns:a16="http://schemas.microsoft.com/office/drawing/2014/main" xmlns="" val="20000"/>
+                      <a16:colId xmlns:a16="http://schemas.microsoft.com/office/drawing/2014/main" val="20000"/>
                     </a:ext>
                   </a:extLst>
                 </a:gridCol>
                 <a:gridCol w="1003082">
                   <a:extLst>
                     <a:ext uri="{9D8B030D-6E8A-4147-A177-3AD203B41FA5}">
-                      <a16:colId xmlns:a16="http://schemas.microsoft.com/office/drawing/2014/main" xmlns="" val="20001"/>
+                      <a16:colId xmlns:a16="http://schemas.microsoft.com/office/drawing/2014/main" val="20001"/>
                     </a:ext>
                   </a:extLst>
                 </a:gridCol>
                 <a:gridCol w="1187341">
                   <a:extLst>
                     <a:ext uri="{9D8B030D-6E8A-4147-A177-3AD203B41FA5}">
-                      <a16:colId xmlns:a16="http://schemas.microsoft.com/office/drawing/2014/main" xmlns="" val="20002"/>
+                      <a16:colId xmlns:a16="http://schemas.microsoft.com/office/drawing/2014/main" val="20002"/>
                     </a:ext>
                   </a:extLst>
                 </a:gridCol>
                 <a:gridCol w="1187341">
                   <a:extLst>
                     <a:ext uri="{9D8B030D-6E8A-4147-A177-3AD203B41FA5}">
-                      <a16:colId xmlns:a16="http://schemas.microsoft.com/office/drawing/2014/main" xmlns="" val="20003"/>
+                      <a16:colId xmlns:a16="http://schemas.microsoft.com/office/drawing/2014/main" val="20003"/>
                     </a:ext>
                   </a:extLst>
                 </a:gridCol>
@@ -9981,7 +10007,7 @@
                 </a:tc>
                 <a:extLst>
                   <a:ext uri="{0D108BD9-81ED-4DB2-BD59-A6C34878D82A}">
-                    <a16:rowId xmlns:a16="http://schemas.microsoft.com/office/drawing/2014/main" xmlns="" val="10000"/>
+                    <a16:rowId xmlns:a16="http://schemas.microsoft.com/office/drawing/2014/main" val="10000"/>
                   </a:ext>
                 </a:extLst>
               </a:tr>
@@ -10138,7 +10164,7 @@
                 </a:tc>
                 <a:extLst>
                   <a:ext uri="{0D108BD9-81ED-4DB2-BD59-A6C34878D82A}">
-                    <a16:rowId xmlns:a16="http://schemas.microsoft.com/office/drawing/2014/main" xmlns="" val="10001"/>
+                    <a16:rowId xmlns:a16="http://schemas.microsoft.com/office/drawing/2014/main" val="10001"/>
                   </a:ext>
                 </a:extLst>
               </a:tr>
@@ -10270,7 +10296,7 @@
                 </a:tc>
                 <a:extLst>
                   <a:ext uri="{0D108BD9-81ED-4DB2-BD59-A6C34878D82A}">
-                    <a16:rowId xmlns:a16="http://schemas.microsoft.com/office/drawing/2014/main" xmlns="" val="10002"/>
+                    <a16:rowId xmlns:a16="http://schemas.microsoft.com/office/drawing/2014/main" val="10002"/>
                   </a:ext>
                 </a:extLst>
               </a:tr>
@@ -10409,7 +10435,7 @@
                 </a:tc>
                 <a:extLst>
                   <a:ext uri="{0D108BD9-81ED-4DB2-BD59-A6C34878D82A}">
-                    <a16:rowId xmlns:a16="http://schemas.microsoft.com/office/drawing/2014/main" xmlns="" val="10003"/>
+                    <a16:rowId xmlns:a16="http://schemas.microsoft.com/office/drawing/2014/main" val="10003"/>
                   </a:ext>
                 </a:extLst>
               </a:tr>
@@ -10538,7 +10564,7 @@
                 </a:tc>
                 <a:extLst>
                   <a:ext uri="{0D108BD9-81ED-4DB2-BD59-A6C34878D82A}">
-                    <a16:rowId xmlns:a16="http://schemas.microsoft.com/office/drawing/2014/main" xmlns="" val="10004"/>
+                    <a16:rowId xmlns:a16="http://schemas.microsoft.com/office/drawing/2014/main" val="10004"/>
                   </a:ext>
                 </a:extLst>
               </a:tr>
@@ -10670,7 +10696,7 @@
                 </a:tc>
                 <a:extLst>
                   <a:ext uri="{0D108BD9-81ED-4DB2-BD59-A6C34878D82A}">
-                    <a16:rowId xmlns:a16="http://schemas.microsoft.com/office/drawing/2014/main" xmlns="" val="10005"/>
+                    <a16:rowId xmlns:a16="http://schemas.microsoft.com/office/drawing/2014/main" val="10005"/>
                   </a:ext>
                 </a:extLst>
               </a:tr>
@@ -10794,7 +10820,7 @@
                 </a:tc>
                 <a:extLst>
                   <a:ext uri="{0D108BD9-81ED-4DB2-BD59-A6C34878D82A}">
-                    <a16:rowId xmlns:a16="http://schemas.microsoft.com/office/drawing/2014/main" xmlns="" val="10006"/>
+                    <a16:rowId xmlns:a16="http://schemas.microsoft.com/office/drawing/2014/main" val="10006"/>
                   </a:ext>
                 </a:extLst>
               </a:tr>
@@ -10934,7 +10960,7 @@
                 </a:tc>
                 <a:extLst>
                   <a:ext uri="{0D108BD9-81ED-4DB2-BD59-A6C34878D82A}">
-                    <a16:rowId xmlns:a16="http://schemas.microsoft.com/office/drawing/2014/main" xmlns="" val="10007"/>
+                    <a16:rowId xmlns:a16="http://schemas.microsoft.com/office/drawing/2014/main" val="10007"/>
                   </a:ext>
                 </a:extLst>
               </a:tr>
@@ -11074,7 +11100,7 @@
                 </a:tc>
                 <a:extLst>
                   <a:ext uri="{0D108BD9-81ED-4DB2-BD59-A6C34878D82A}">
-                    <a16:rowId xmlns:a16="http://schemas.microsoft.com/office/drawing/2014/main" xmlns="" val="10008"/>
+                    <a16:rowId xmlns:a16="http://schemas.microsoft.com/office/drawing/2014/main" val="10008"/>
                   </a:ext>
                 </a:extLst>
               </a:tr>
@@ -11159,28 +11185,28 @@
                 <a:gridCol w="1072141">
                   <a:extLst>
                     <a:ext uri="{9D8B030D-6E8A-4147-A177-3AD203B41FA5}">
-                      <a16:colId xmlns:a16="http://schemas.microsoft.com/office/drawing/2014/main" xmlns="" val="20000"/>
+                      <a16:colId xmlns:a16="http://schemas.microsoft.com/office/drawing/2014/main" val="20000"/>
                     </a:ext>
                   </a:extLst>
                 </a:gridCol>
                 <a:gridCol w="933277">
                   <a:extLst>
                     <a:ext uri="{9D8B030D-6E8A-4147-A177-3AD203B41FA5}">
-                      <a16:colId xmlns:a16="http://schemas.microsoft.com/office/drawing/2014/main" xmlns="" val="20001"/>
+                      <a16:colId xmlns:a16="http://schemas.microsoft.com/office/drawing/2014/main" val="20001"/>
                     </a:ext>
                   </a:extLst>
                 </a:gridCol>
                 <a:gridCol w="1002709">
                   <a:extLst>
                     <a:ext uri="{9D8B030D-6E8A-4147-A177-3AD203B41FA5}">
-                      <a16:colId xmlns:a16="http://schemas.microsoft.com/office/drawing/2014/main" xmlns="" val="20002"/>
+                      <a16:colId xmlns:a16="http://schemas.microsoft.com/office/drawing/2014/main" val="20002"/>
                     </a:ext>
                   </a:extLst>
                 </a:gridCol>
                 <a:gridCol w="1002709">
                   <a:extLst>
                     <a:ext uri="{9D8B030D-6E8A-4147-A177-3AD203B41FA5}">
-                      <a16:colId xmlns:a16="http://schemas.microsoft.com/office/drawing/2014/main" xmlns="" val="20003"/>
+                      <a16:colId xmlns:a16="http://schemas.microsoft.com/office/drawing/2014/main" val="20003"/>
                     </a:ext>
                   </a:extLst>
                 </a:gridCol>
@@ -11328,7 +11354,7 @@
                 </a:tc>
                 <a:extLst>
                   <a:ext uri="{0D108BD9-81ED-4DB2-BD59-A6C34878D82A}">
-                    <a16:rowId xmlns:a16="http://schemas.microsoft.com/office/drawing/2014/main" xmlns="" val="10000"/>
+                    <a16:rowId xmlns:a16="http://schemas.microsoft.com/office/drawing/2014/main" val="10000"/>
                   </a:ext>
                 </a:extLst>
               </a:tr>
@@ -11469,7 +11495,7 @@
                 </a:tc>
                 <a:extLst>
                   <a:ext uri="{0D108BD9-81ED-4DB2-BD59-A6C34878D82A}">
-                    <a16:rowId xmlns:a16="http://schemas.microsoft.com/office/drawing/2014/main" xmlns="" val="10001"/>
+                    <a16:rowId xmlns:a16="http://schemas.microsoft.com/office/drawing/2014/main" val="10001"/>
                   </a:ext>
                 </a:extLst>
               </a:tr>
@@ -11610,7 +11636,7 @@
                 </a:tc>
                 <a:extLst>
                   <a:ext uri="{0D108BD9-81ED-4DB2-BD59-A6C34878D82A}">
-                    <a16:rowId xmlns:a16="http://schemas.microsoft.com/office/drawing/2014/main" xmlns="" val="10002"/>
+                    <a16:rowId xmlns:a16="http://schemas.microsoft.com/office/drawing/2014/main" val="10002"/>
                   </a:ext>
                 </a:extLst>
               </a:tr>
@@ -11753,7 +11779,7 @@
                 </a:tc>
                 <a:extLst>
                   <a:ext uri="{0D108BD9-81ED-4DB2-BD59-A6C34878D82A}">
-                    <a16:rowId xmlns:a16="http://schemas.microsoft.com/office/drawing/2014/main" xmlns="" val="10004"/>
+                    <a16:rowId xmlns:a16="http://schemas.microsoft.com/office/drawing/2014/main" val="10004"/>
                   </a:ext>
                 </a:extLst>
               </a:tr>
@@ -12617,7 +12643,7 @@
         </p:nvSpPr>
         <p:spPr>
           <a:xfrm>
-            <a:off x="8377335" y="4894257"/>
+            <a:off x="8377335" y="4891170"/>
             <a:ext cx="766665" cy="249243"/>
           </a:xfrm>
           <a:ln w="9525">
@@ -12746,7 +12772,7 @@
         </p:nvGraphicFramePr>
         <p:xfrm>
           <a:off x="4673737" y="3665254"/>
-          <a:ext cx="4010836" cy="1188720"/>
+          <a:ext cx="4010836" cy="1090041"/>
         </p:xfrm>
         <a:graphic>
           <a:graphicData uri="http://schemas.openxmlformats.org/drawingml/2006/table">
@@ -12758,28 +12784,28 @@
                 <a:gridCol w="1002709">
                   <a:extLst>
                     <a:ext uri="{9D8B030D-6E8A-4147-A177-3AD203B41FA5}">
-                      <a16:colId xmlns:a16="http://schemas.microsoft.com/office/drawing/2014/main" xmlns="" val="20000"/>
+                      <a16:colId xmlns:a16="http://schemas.microsoft.com/office/drawing/2014/main" val="20000"/>
                     </a:ext>
                   </a:extLst>
                 </a:gridCol>
                 <a:gridCol w="1002709">
                   <a:extLst>
                     <a:ext uri="{9D8B030D-6E8A-4147-A177-3AD203B41FA5}">
-                      <a16:colId xmlns:a16="http://schemas.microsoft.com/office/drawing/2014/main" xmlns="" val="20001"/>
+                      <a16:colId xmlns:a16="http://schemas.microsoft.com/office/drawing/2014/main" val="20001"/>
                     </a:ext>
                   </a:extLst>
                 </a:gridCol>
                 <a:gridCol w="1002709">
                   <a:extLst>
                     <a:ext uri="{9D8B030D-6E8A-4147-A177-3AD203B41FA5}">
-                      <a16:colId xmlns:a16="http://schemas.microsoft.com/office/drawing/2014/main" xmlns="" val="20002"/>
+                      <a16:colId xmlns:a16="http://schemas.microsoft.com/office/drawing/2014/main" val="20002"/>
                     </a:ext>
                   </a:extLst>
                 </a:gridCol>
                 <a:gridCol w="1002709">
                   <a:extLst>
                     <a:ext uri="{9D8B030D-6E8A-4147-A177-3AD203B41FA5}">
-                      <a16:colId xmlns:a16="http://schemas.microsoft.com/office/drawing/2014/main" xmlns="" val="20003"/>
+                      <a16:colId xmlns:a16="http://schemas.microsoft.com/office/drawing/2014/main" val="20003"/>
                     </a:ext>
                   </a:extLst>
                 </a:gridCol>
@@ -12927,7 +12953,7 @@
                 </a:tc>
                 <a:extLst>
                   <a:ext uri="{0D108BD9-81ED-4DB2-BD59-A6C34878D82A}">
-                    <a16:rowId xmlns:a16="http://schemas.microsoft.com/office/drawing/2014/main" xmlns="" val="10000"/>
+                    <a16:rowId xmlns:a16="http://schemas.microsoft.com/office/drawing/2014/main" val="10000"/>
                   </a:ext>
                 </a:extLst>
               </a:tr>
@@ -13066,7 +13092,7 @@
                 </a:tc>
                 <a:extLst>
                   <a:ext uri="{0D108BD9-81ED-4DB2-BD59-A6C34878D82A}">
-                    <a16:rowId xmlns:a16="http://schemas.microsoft.com/office/drawing/2014/main" xmlns="" val="10001"/>
+                    <a16:rowId xmlns:a16="http://schemas.microsoft.com/office/drawing/2014/main" val="10001"/>
                   </a:ext>
                 </a:extLst>
               </a:tr>
@@ -13205,7 +13231,7 @@
                 </a:tc>
                 <a:extLst>
                   <a:ext uri="{0D108BD9-81ED-4DB2-BD59-A6C34878D82A}">
-                    <a16:rowId xmlns:a16="http://schemas.microsoft.com/office/drawing/2014/main" xmlns="" val="10002"/>
+                    <a16:rowId xmlns:a16="http://schemas.microsoft.com/office/drawing/2014/main" val="10002"/>
                   </a:ext>
                 </a:extLst>
               </a:tr>
@@ -13349,7 +13375,7 @@
                 </a:tc>
                 <a:extLst>
                   <a:ext uri="{0D108BD9-81ED-4DB2-BD59-A6C34878D82A}">
-                    <a16:rowId xmlns:a16="http://schemas.microsoft.com/office/drawing/2014/main" xmlns="" val="10004"/>
+                    <a16:rowId xmlns:a16="http://schemas.microsoft.com/office/drawing/2014/main" val="10004"/>
                   </a:ext>
                 </a:extLst>
               </a:tr>
@@ -13422,7 +13448,7 @@
         </p:nvGraphicFramePr>
         <p:xfrm>
           <a:off x="161188" y="641857"/>
-          <a:ext cx="4010836" cy="1188720"/>
+          <a:ext cx="4010836" cy="1090041"/>
         </p:xfrm>
         <a:graphic>
           <a:graphicData uri="http://schemas.openxmlformats.org/drawingml/2006/table">
@@ -13434,28 +13460,28 @@
                 <a:gridCol w="1002709">
                   <a:extLst>
                     <a:ext uri="{9D8B030D-6E8A-4147-A177-3AD203B41FA5}">
-                      <a16:colId xmlns:a16="http://schemas.microsoft.com/office/drawing/2014/main" xmlns="" val="20000"/>
+                      <a16:colId xmlns:a16="http://schemas.microsoft.com/office/drawing/2014/main" val="20000"/>
                     </a:ext>
                   </a:extLst>
                 </a:gridCol>
                 <a:gridCol w="1002709">
                   <a:extLst>
                     <a:ext uri="{9D8B030D-6E8A-4147-A177-3AD203B41FA5}">
-                      <a16:colId xmlns:a16="http://schemas.microsoft.com/office/drawing/2014/main" xmlns="" val="20001"/>
+                      <a16:colId xmlns:a16="http://schemas.microsoft.com/office/drawing/2014/main" val="20001"/>
                     </a:ext>
                   </a:extLst>
                 </a:gridCol>
                 <a:gridCol w="1002709">
                   <a:extLst>
                     <a:ext uri="{9D8B030D-6E8A-4147-A177-3AD203B41FA5}">
-                      <a16:colId xmlns:a16="http://schemas.microsoft.com/office/drawing/2014/main" xmlns="" val="20002"/>
+                      <a16:colId xmlns:a16="http://schemas.microsoft.com/office/drawing/2014/main" val="20002"/>
                     </a:ext>
                   </a:extLst>
                 </a:gridCol>
                 <a:gridCol w="1002709">
                   <a:extLst>
                     <a:ext uri="{9D8B030D-6E8A-4147-A177-3AD203B41FA5}">
-                      <a16:colId xmlns:a16="http://schemas.microsoft.com/office/drawing/2014/main" xmlns="" val="20003"/>
+                      <a16:colId xmlns:a16="http://schemas.microsoft.com/office/drawing/2014/main" val="20003"/>
                     </a:ext>
                   </a:extLst>
                 </a:gridCol>
@@ -13603,7 +13629,7 @@
                 </a:tc>
                 <a:extLst>
                   <a:ext uri="{0D108BD9-81ED-4DB2-BD59-A6C34878D82A}">
-                    <a16:rowId xmlns:a16="http://schemas.microsoft.com/office/drawing/2014/main" xmlns="" val="10000"/>
+                    <a16:rowId xmlns:a16="http://schemas.microsoft.com/office/drawing/2014/main" val="10000"/>
                   </a:ext>
                 </a:extLst>
               </a:tr>
@@ -13742,7 +13768,7 @@
                 </a:tc>
                 <a:extLst>
                   <a:ext uri="{0D108BD9-81ED-4DB2-BD59-A6C34878D82A}">
-                    <a16:rowId xmlns:a16="http://schemas.microsoft.com/office/drawing/2014/main" xmlns="" val="10001"/>
+                    <a16:rowId xmlns:a16="http://schemas.microsoft.com/office/drawing/2014/main" val="10001"/>
                   </a:ext>
                 </a:extLst>
               </a:tr>
@@ -13881,7 +13907,7 @@
                 </a:tc>
                 <a:extLst>
                   <a:ext uri="{0D108BD9-81ED-4DB2-BD59-A6C34878D82A}">
-                    <a16:rowId xmlns:a16="http://schemas.microsoft.com/office/drawing/2014/main" xmlns="" val="10002"/>
+                    <a16:rowId xmlns:a16="http://schemas.microsoft.com/office/drawing/2014/main" val="10002"/>
                   </a:ext>
                 </a:extLst>
               </a:tr>
@@ -14024,7 +14050,7 @@
                 </a:tc>
                 <a:extLst>
                   <a:ext uri="{0D108BD9-81ED-4DB2-BD59-A6C34878D82A}">
-                    <a16:rowId xmlns:a16="http://schemas.microsoft.com/office/drawing/2014/main" xmlns="" val="10004"/>
+                    <a16:rowId xmlns:a16="http://schemas.microsoft.com/office/drawing/2014/main" val="10004"/>
                   </a:ext>
                 </a:extLst>
               </a:tr>
@@ -14205,291 +14231,6 @@
           <a:chExt cx="0" cy="0"/>
         </a:xfrm>
       </p:grpSpPr>
-      <p:sp>
-        <p:nvSpPr>
-          <p:cNvPr id="5" name="Rectangle 9"/>
-          <p:cNvSpPr>
-            <a:spLocks noChangeArrowheads="1"/>
-          </p:cNvSpPr>
-          <p:nvPr/>
-        </p:nvSpPr>
-        <p:spPr bwMode="auto">
-          <a:xfrm>
-            <a:off x="8377336" y="4892920"/>
-            <a:ext cx="766664" cy="249242"/>
-          </a:xfrm>
-          <a:prstGeom prst="rect">
-            <a:avLst/>
-          </a:prstGeom>
-          <a:solidFill>
-            <a:srgbClr val="FFFFFF"/>
-          </a:solidFill>
-          <a:ln w="9398">
-            <a:solidFill>
-              <a:schemeClr val="tx1"/>
-            </a:solidFill>
-            <a:miter lim="800000"/>
-            <a:headEnd/>
-            <a:tailEnd/>
-          </a:ln>
-        </p:spPr>
-        <p:txBody>
-          <a:bodyPr wrap="none" lIns="67500" tIns="35100" rIns="67500" bIns="35100" anchor="ctr"/>
-          <a:lstStyle>
-            <a:lvl1pPr defTabSz="449263" eaLnBrk="0" hangingPunct="0">
-              <a:tabLst>
-                <a:tab pos="0" algn="l"/>
-                <a:tab pos="914400" algn="l"/>
-                <a:tab pos="1828800" algn="l"/>
-                <a:tab pos="2743200" algn="l"/>
-                <a:tab pos="3657600" algn="l"/>
-                <a:tab pos="4572000" algn="l"/>
-                <a:tab pos="5486400" algn="l"/>
-                <a:tab pos="6400800" algn="l"/>
-                <a:tab pos="7315200" algn="l"/>
-                <a:tab pos="8229600" algn="l"/>
-                <a:tab pos="9144000" algn="l"/>
-                <a:tab pos="10058400" algn="l"/>
-              </a:tabLst>
-              <a:defRPr sz="2100">
-                <a:solidFill>
-                  <a:srgbClr val="993300"/>
-                </a:solidFill>
-                <a:latin typeface="Agency FB" pitchFamily="34" charset="0"/>
-              </a:defRPr>
-            </a:lvl1pPr>
-            <a:lvl2pPr marL="742950" indent="-285750" defTabSz="449263" eaLnBrk="0" hangingPunct="0">
-              <a:tabLst>
-                <a:tab pos="0" algn="l"/>
-                <a:tab pos="914400" algn="l"/>
-                <a:tab pos="1828800" algn="l"/>
-                <a:tab pos="2743200" algn="l"/>
-                <a:tab pos="3657600" algn="l"/>
-                <a:tab pos="4572000" algn="l"/>
-                <a:tab pos="5486400" algn="l"/>
-                <a:tab pos="6400800" algn="l"/>
-                <a:tab pos="7315200" algn="l"/>
-                <a:tab pos="8229600" algn="l"/>
-                <a:tab pos="9144000" algn="l"/>
-                <a:tab pos="10058400" algn="l"/>
-              </a:tabLst>
-              <a:defRPr sz="2100">
-                <a:solidFill>
-                  <a:srgbClr val="993300"/>
-                </a:solidFill>
-                <a:latin typeface="Agency FB" pitchFamily="34" charset="0"/>
-              </a:defRPr>
-            </a:lvl2pPr>
-            <a:lvl3pPr marL="1143000" indent="-228600" defTabSz="449263" eaLnBrk="0" hangingPunct="0">
-              <a:tabLst>
-                <a:tab pos="0" algn="l"/>
-                <a:tab pos="914400" algn="l"/>
-                <a:tab pos="1828800" algn="l"/>
-                <a:tab pos="2743200" algn="l"/>
-                <a:tab pos="3657600" algn="l"/>
-                <a:tab pos="4572000" algn="l"/>
-                <a:tab pos="5486400" algn="l"/>
-                <a:tab pos="6400800" algn="l"/>
-                <a:tab pos="7315200" algn="l"/>
-                <a:tab pos="8229600" algn="l"/>
-                <a:tab pos="9144000" algn="l"/>
-                <a:tab pos="10058400" algn="l"/>
-              </a:tabLst>
-              <a:defRPr sz="2100">
-                <a:solidFill>
-                  <a:srgbClr val="993300"/>
-                </a:solidFill>
-                <a:latin typeface="Agency FB" pitchFamily="34" charset="0"/>
-              </a:defRPr>
-            </a:lvl3pPr>
-            <a:lvl4pPr marL="1600200" indent="-228600" defTabSz="449263" eaLnBrk="0" hangingPunct="0">
-              <a:tabLst>
-                <a:tab pos="0" algn="l"/>
-                <a:tab pos="914400" algn="l"/>
-                <a:tab pos="1828800" algn="l"/>
-                <a:tab pos="2743200" algn="l"/>
-                <a:tab pos="3657600" algn="l"/>
-                <a:tab pos="4572000" algn="l"/>
-                <a:tab pos="5486400" algn="l"/>
-                <a:tab pos="6400800" algn="l"/>
-                <a:tab pos="7315200" algn="l"/>
-                <a:tab pos="8229600" algn="l"/>
-                <a:tab pos="9144000" algn="l"/>
-                <a:tab pos="10058400" algn="l"/>
-              </a:tabLst>
-              <a:defRPr sz="2100">
-                <a:solidFill>
-                  <a:srgbClr val="993300"/>
-                </a:solidFill>
-                <a:latin typeface="Agency FB" pitchFamily="34" charset="0"/>
-              </a:defRPr>
-            </a:lvl4pPr>
-            <a:lvl5pPr marL="2057400" indent="-228600" defTabSz="449263" eaLnBrk="0" hangingPunct="0">
-              <a:tabLst>
-                <a:tab pos="0" algn="l"/>
-                <a:tab pos="914400" algn="l"/>
-                <a:tab pos="1828800" algn="l"/>
-                <a:tab pos="2743200" algn="l"/>
-                <a:tab pos="3657600" algn="l"/>
-                <a:tab pos="4572000" algn="l"/>
-                <a:tab pos="5486400" algn="l"/>
-                <a:tab pos="6400800" algn="l"/>
-                <a:tab pos="7315200" algn="l"/>
-                <a:tab pos="8229600" algn="l"/>
-                <a:tab pos="9144000" algn="l"/>
-                <a:tab pos="10058400" algn="l"/>
-              </a:tabLst>
-              <a:defRPr sz="2100">
-                <a:solidFill>
-                  <a:srgbClr val="993300"/>
-                </a:solidFill>
-                <a:latin typeface="Agency FB" pitchFamily="34" charset="0"/>
-              </a:defRPr>
-            </a:lvl5pPr>
-            <a:lvl6pPr marL="2514600" indent="-228600" defTabSz="449263" eaLnBrk="0" fontAlgn="base" hangingPunct="0">
-              <a:spcBef>
-                <a:spcPct val="0"/>
-              </a:spcBef>
-              <a:spcAft>
-                <a:spcPct val="0"/>
-              </a:spcAft>
-              <a:tabLst>
-                <a:tab pos="0" algn="l"/>
-                <a:tab pos="914400" algn="l"/>
-                <a:tab pos="1828800" algn="l"/>
-                <a:tab pos="2743200" algn="l"/>
-                <a:tab pos="3657600" algn="l"/>
-                <a:tab pos="4572000" algn="l"/>
-                <a:tab pos="5486400" algn="l"/>
-                <a:tab pos="6400800" algn="l"/>
-                <a:tab pos="7315200" algn="l"/>
-                <a:tab pos="8229600" algn="l"/>
-                <a:tab pos="9144000" algn="l"/>
-                <a:tab pos="10058400" algn="l"/>
-              </a:tabLst>
-              <a:defRPr sz="2100">
-                <a:solidFill>
-                  <a:srgbClr val="993300"/>
-                </a:solidFill>
-                <a:latin typeface="Agency FB" pitchFamily="34" charset="0"/>
-              </a:defRPr>
-            </a:lvl6pPr>
-            <a:lvl7pPr marL="2971800" indent="-228600" defTabSz="449263" eaLnBrk="0" fontAlgn="base" hangingPunct="0">
-              <a:spcBef>
-                <a:spcPct val="0"/>
-              </a:spcBef>
-              <a:spcAft>
-                <a:spcPct val="0"/>
-              </a:spcAft>
-              <a:tabLst>
-                <a:tab pos="0" algn="l"/>
-                <a:tab pos="914400" algn="l"/>
-                <a:tab pos="1828800" algn="l"/>
-                <a:tab pos="2743200" algn="l"/>
-                <a:tab pos="3657600" algn="l"/>
-                <a:tab pos="4572000" algn="l"/>
-                <a:tab pos="5486400" algn="l"/>
-                <a:tab pos="6400800" algn="l"/>
-                <a:tab pos="7315200" algn="l"/>
-                <a:tab pos="8229600" algn="l"/>
-                <a:tab pos="9144000" algn="l"/>
-                <a:tab pos="10058400" algn="l"/>
-              </a:tabLst>
-              <a:defRPr sz="2100">
-                <a:solidFill>
-                  <a:srgbClr val="993300"/>
-                </a:solidFill>
-                <a:latin typeface="Agency FB" pitchFamily="34" charset="0"/>
-              </a:defRPr>
-            </a:lvl7pPr>
-            <a:lvl8pPr marL="3429000" indent="-228600" defTabSz="449263" eaLnBrk="0" fontAlgn="base" hangingPunct="0">
-              <a:spcBef>
-                <a:spcPct val="0"/>
-              </a:spcBef>
-              <a:spcAft>
-                <a:spcPct val="0"/>
-              </a:spcAft>
-              <a:tabLst>
-                <a:tab pos="0" algn="l"/>
-                <a:tab pos="914400" algn="l"/>
-                <a:tab pos="1828800" algn="l"/>
-                <a:tab pos="2743200" algn="l"/>
-                <a:tab pos="3657600" algn="l"/>
-                <a:tab pos="4572000" algn="l"/>
-                <a:tab pos="5486400" algn="l"/>
-                <a:tab pos="6400800" algn="l"/>
-                <a:tab pos="7315200" algn="l"/>
-                <a:tab pos="8229600" algn="l"/>
-                <a:tab pos="9144000" algn="l"/>
-                <a:tab pos="10058400" algn="l"/>
-              </a:tabLst>
-              <a:defRPr sz="2100">
-                <a:solidFill>
-                  <a:srgbClr val="993300"/>
-                </a:solidFill>
-                <a:latin typeface="Agency FB" pitchFamily="34" charset="0"/>
-              </a:defRPr>
-            </a:lvl8pPr>
-            <a:lvl9pPr marL="3886200" indent="-228600" defTabSz="449263" eaLnBrk="0" fontAlgn="base" hangingPunct="0">
-              <a:spcBef>
-                <a:spcPct val="0"/>
-              </a:spcBef>
-              <a:spcAft>
-                <a:spcPct val="0"/>
-              </a:spcAft>
-              <a:tabLst>
-                <a:tab pos="0" algn="l"/>
-                <a:tab pos="914400" algn="l"/>
-                <a:tab pos="1828800" algn="l"/>
-                <a:tab pos="2743200" algn="l"/>
-                <a:tab pos="3657600" algn="l"/>
-                <a:tab pos="4572000" algn="l"/>
-                <a:tab pos="5486400" algn="l"/>
-                <a:tab pos="6400800" algn="l"/>
-                <a:tab pos="7315200" algn="l"/>
-                <a:tab pos="8229600" algn="l"/>
-                <a:tab pos="9144000" algn="l"/>
-                <a:tab pos="10058400" algn="l"/>
-              </a:tabLst>
-              <a:defRPr sz="2100">
-                <a:solidFill>
-                  <a:srgbClr val="993300"/>
-                </a:solidFill>
-                <a:latin typeface="Agency FB" pitchFamily="34" charset="0"/>
-              </a:defRPr>
-            </a:lvl9pPr>
-          </a:lstStyle>
-          <a:p>
-            <a:pPr algn="ctr" defTabSz="336947" eaLnBrk="1" hangingPunct="1">
-              <a:buClr>
-                <a:srgbClr val="000000"/>
-              </a:buClr>
-              <a:buSzPct val="100000"/>
-              <a:tabLst>
-                <a:tab pos="0" algn="l"/>
-                <a:tab pos="685800" algn="l"/>
-                <a:tab pos="1371600" algn="l"/>
-                <a:tab pos="2057400" algn="l"/>
-                <a:tab pos="2743200" algn="l"/>
-                <a:tab pos="3429000" algn="l"/>
-                <a:tab pos="4114800" algn="l"/>
-                <a:tab pos="4800600" algn="l"/>
-                <a:tab pos="5486400" algn="l"/>
-                <a:tab pos="6172200" algn="l"/>
-                <a:tab pos="6858000" algn="l"/>
-                <a:tab pos="7543800" algn="l"/>
-              </a:tabLst>
-              <a:defRPr/>
-            </a:pPr>
-            <a:endParaRPr lang="en-GB" altLang="ru-RU" sz="1200" dirty="0">
-              <a:solidFill>
-                <a:srgbClr val="000000"/>
-              </a:solidFill>
-              <a:latin typeface="Bookman Old Style" pitchFamily="18" charset="0"/>
-            </a:endParaRPr>
-          </a:p>
-        </p:txBody>
-      </p:sp>
       <p:sp>
         <p:nvSpPr>
           <p:cNvPr id="6" name="Rectangle 7"/>
@@ -14991,7 +14732,7 @@
         </p:nvSpPr>
         <p:spPr>
           <a:xfrm>
-            <a:off x="8377335" y="4894257"/>
+            <a:off x="8395130" y="4891170"/>
             <a:ext cx="766665" cy="249243"/>
           </a:xfrm>
           <a:ln w="9525">
@@ -15118,7 +14859,7 @@
           <a:graphicData uri="http://schemas.openxmlformats.org/presentationml/2006/ole">
             <mc:AlternateContent xmlns:mc="http://schemas.openxmlformats.org/markup-compatibility/2006">
               <mc:Choice xmlns:v="urn:schemas-microsoft-com:vml" Requires="v">
-                <p:oleObj spid="_x0000_s42421" name="Уравнение" r:id="rId3" imgW="812520" imgH="482400" progId="Equation.3">
+                <p:oleObj spid="_x0000_s42429" name="Уравнение" r:id="rId3" imgW="812520" imgH="482400" progId="Equation.3">
                   <p:embed/>
                 </p:oleObj>
               </mc:Choice>
@@ -15174,7 +14915,7 @@
         </p:nvSpPr>
         <p:spPr>
           <a:xfrm>
-            <a:off x="4642365" y="3391677"/>
+            <a:off x="4616449" y="2915726"/>
             <a:ext cx="4512549" cy="430887"/>
           </a:xfrm>
           <a:prstGeom prst="rect">
@@ -15194,7 +14935,21 @@
                 <a:latin typeface="Times New Roman" pitchFamily="18" charset="0"/>
                 <a:cs typeface="Times New Roman" pitchFamily="18" charset="0"/>
               </a:rPr>
-              <a:t>Рисунок 16 – Изменение условия устойчивости при раскручивающимся двигателе</a:t>
+              <a:t>Рисунок 16 – Изменение условия устойчивости </a:t>
+            </a:r>
+            <a:r>
+              <a:rPr lang="ru-RU" sz="1100" dirty="0" smtClean="0">
+                <a:latin typeface="Times New Roman" pitchFamily="18" charset="0"/>
+                <a:cs typeface="Times New Roman" pitchFamily="18" charset="0"/>
+              </a:rPr>
+              <a:t>при </a:t>
+            </a:r>
+            <a:r>
+              <a:rPr lang="ru-RU" sz="1100" dirty="0" smtClean="0">
+                <a:latin typeface="Times New Roman" pitchFamily="18" charset="0"/>
+                <a:cs typeface="Times New Roman" pitchFamily="18" charset="0"/>
+              </a:rPr>
+              <a:t>раскручивающимся двигателе</a:t>
             </a:r>
             <a:endParaRPr lang="ru-RU" sz="1100" dirty="0"/>
           </a:p>
@@ -15208,7 +14963,7 @@
         </p:nvSpPr>
         <p:spPr>
           <a:xfrm>
-            <a:off x="102526" y="4558812"/>
+            <a:off x="0" y="4561625"/>
             <a:ext cx="4819994" cy="261610"/>
           </a:xfrm>
           <a:prstGeom prst="rect">
@@ -15298,7 +15053,7 @@
           <a:graphicData uri="http://schemas.openxmlformats.org/presentationml/2006/ole">
             <mc:AlternateContent xmlns:mc="http://schemas.openxmlformats.org/markup-compatibility/2006">
               <mc:Choice xmlns:v="urn:schemas-microsoft-com:vml" Requires="v">
-                <p:oleObj spid="_x0000_s42422" name="Уравнение" r:id="rId5" imgW="787320" imgH="507960" progId="Equation.3">
+                <p:oleObj spid="_x0000_s42430" name="Уравнение" r:id="rId5" imgW="787320" imgH="507960" progId="Equation.3">
                   <p:embed/>
                 </p:oleObj>
               </mc:Choice>
@@ -15355,7 +15110,7 @@
           <a:graphicData uri="http://schemas.openxmlformats.org/presentationml/2006/ole">
             <mc:AlternateContent xmlns:mc="http://schemas.openxmlformats.org/markup-compatibility/2006">
               <mc:Choice xmlns:v="urn:schemas-microsoft-com:vml" Requires="v">
-                <p:oleObj spid="_x0000_s42423" name="Уравнение" r:id="rId7" imgW="977760" imgH="520560" progId="Equation.3">
+                <p:oleObj spid="_x0000_s42431" name="Уравнение" r:id="rId7" imgW="977760" imgH="520560" progId="Equation.3">
                   <p:embed/>
                 </p:oleObj>
               </mc:Choice>
@@ -15542,7 +15297,7 @@
           <a:graphicData uri="http://schemas.openxmlformats.org/presentationml/2006/ole">
             <mc:AlternateContent xmlns:mc="http://schemas.openxmlformats.org/markup-compatibility/2006">
               <mc:Choice xmlns:v="urn:schemas-microsoft-com:vml" Requires="v">
-                <p:oleObj spid="_x0000_s42424" name="Уравнение" r:id="rId9" imgW="812520" imgH="203040" progId="Equation.3">
+                <p:oleObj spid="_x0000_s42432" name="Уравнение" r:id="rId9" imgW="812520" imgH="203040" progId="Equation.3">
                   <p:embed/>
                 </p:oleObj>
               </mc:Choice>
@@ -15593,7 +15348,7 @@
         </p:blipFill>
         <p:spPr>
           <a:xfrm>
-            <a:off x="154929" y="2353218"/>
+            <a:off x="155452" y="2352501"/>
             <a:ext cx="4461520" cy="2215762"/>
           </a:xfrm>
           <a:prstGeom prst="rect">
@@ -15617,7 +15372,7 @@
         </p:blipFill>
         <p:spPr>
           <a:xfrm>
-            <a:off x="4614862" y="990461"/>
+            <a:off x="4479186" y="574606"/>
             <a:ext cx="4649812" cy="2309276"/>
           </a:xfrm>
           <a:prstGeom prst="rect">
@@ -15789,8 +15544,8 @@
         </p:nvSpPr>
         <p:spPr bwMode="auto">
           <a:xfrm>
-            <a:off x="8377336" y="4892920"/>
-            <a:ext cx="766664" cy="249242"/>
+            <a:off x="8395130" y="4891170"/>
+            <a:ext cx="748870" cy="249242"/>
           </a:xfrm>
           <a:prstGeom prst="rect">
             <a:avLst/>
@@ -16402,8 +16157,8 @@
         </p:nvSpPr>
         <p:spPr bwMode="auto">
           <a:xfrm>
-            <a:off x="4873739" y="4516642"/>
-            <a:ext cx="3713204" cy="261610"/>
+            <a:off x="4709013" y="4426945"/>
+            <a:ext cx="4051654" cy="430887"/>
           </a:xfrm>
           <a:prstGeom prst="rect">
             <a:avLst/>
@@ -16515,9 +16270,145 @@
                 <a:ea typeface="Calibri" pitchFamily="34" charset="0"/>
                 <a:cs typeface="Times New Roman" pitchFamily="18" charset="0"/>
               </a:rPr>
-              <a:t>ть дальности от массы топлива</a:t>
-            </a:r>
-            <a:endParaRPr kumimoji="0" lang="ru-RU" sz="1600" b="0" i="0" u="none" strike="noStrike" cap="none" normalizeH="0" baseline="0" dirty="0" smtClean="0">
+              <a:t>ть дальности от массы </a:t>
+            </a:r>
+            <a:r>
+              <a:rPr kumimoji="0" lang="ru-RU" sz="1100" b="0" i="0" u="none" strike="noStrike" cap="none" normalizeH="0" baseline="0" dirty="0" smtClean="0">
+                <a:ln>
+                  <a:noFill/>
+                </a:ln>
+                <a:solidFill>
+                  <a:schemeClr val="tx1"/>
+                </a:solidFill>
+                <a:effectLst/>
+                <a:latin typeface="Times New Roman" pitchFamily="18" charset="0"/>
+                <a:ea typeface="Calibri" pitchFamily="34" charset="0"/>
+                <a:cs typeface="Times New Roman" pitchFamily="18" charset="0"/>
+              </a:rPr>
+              <a:t>топлива</a:t>
+            </a:r>
+          </a:p>
+          <a:p>
+            <a:pPr lvl="0" algn="ctr" defTabSz="914400" fontAlgn="base">
+              <a:spcBef>
+                <a:spcPct val="0"/>
+              </a:spcBef>
+              <a:spcAft>
+                <a:spcPct val="0"/>
+              </a:spcAft>
+            </a:pPr>
+            <a:r>
+              <a:rPr lang="ru-RU" sz="1100" dirty="0">
+                <a:latin typeface="Times New Roman" pitchFamily="18" charset="0"/>
+                <a:cs typeface="Times New Roman" pitchFamily="18" charset="0"/>
+              </a:rPr>
+              <a:t>1 </a:t>
+            </a:r>
+            <a:r>
+              <a:rPr lang="ru-RU" sz="1100" dirty="0" smtClean="0">
+                <a:latin typeface="Times New Roman" pitchFamily="18" charset="0"/>
+                <a:cs typeface="Times New Roman" pitchFamily="18" charset="0"/>
+              </a:rPr>
+              <a:t>– </a:t>
+            </a:r>
+            <a:r>
+              <a:rPr lang="en-US" sz="1100" i="1" dirty="0">
+                <a:latin typeface="Times New Roman" pitchFamily="18" charset="0"/>
+                <a:ea typeface="Times New Roman"/>
+                <a:cs typeface="Times New Roman" pitchFamily="18" charset="0"/>
+              </a:rPr>
+              <a:t>m</a:t>
+            </a:r>
+            <a:r>
+              <a:rPr lang="ru-RU" sz="1100" baseline="-25000" dirty="0">
+                <a:latin typeface="Times New Roman" pitchFamily="18" charset="0"/>
+                <a:ea typeface="Times New Roman"/>
+                <a:cs typeface="Times New Roman" pitchFamily="18" charset="0"/>
+              </a:rPr>
+              <a:t>Т</a:t>
+            </a:r>
+            <a:r>
+              <a:rPr lang="ru-RU" sz="1100" dirty="0" smtClean="0">
+                <a:latin typeface="Times New Roman" pitchFamily="18" charset="0"/>
+                <a:cs typeface="Times New Roman" pitchFamily="18" charset="0"/>
+              </a:rPr>
+              <a:t>  = 0 кг, </a:t>
+            </a:r>
+            <a:r>
+              <a:rPr lang="ru-RU" sz="1100" dirty="0">
+                <a:latin typeface="Times New Roman" pitchFamily="18" charset="0"/>
+                <a:cs typeface="Times New Roman" pitchFamily="18" charset="0"/>
+              </a:rPr>
+              <a:t>2 – </a:t>
+            </a:r>
+            <a:r>
+              <a:rPr lang="en-US" sz="1100" i="1" dirty="0">
+                <a:latin typeface="Times New Roman" pitchFamily="18" charset="0"/>
+                <a:ea typeface="Times New Roman"/>
+                <a:cs typeface="Times New Roman" pitchFamily="18" charset="0"/>
+              </a:rPr>
+              <a:t>m</a:t>
+            </a:r>
+            <a:r>
+              <a:rPr lang="ru-RU" sz="1100" baseline="-25000" dirty="0">
+                <a:latin typeface="Times New Roman" pitchFamily="18" charset="0"/>
+                <a:ea typeface="Times New Roman"/>
+                <a:cs typeface="Times New Roman" pitchFamily="18" charset="0"/>
+              </a:rPr>
+              <a:t>Т</a:t>
+            </a:r>
+            <a:r>
+              <a:rPr lang="ru-RU" sz="1100" dirty="0">
+                <a:latin typeface="Times New Roman" pitchFamily="18" charset="0"/>
+                <a:cs typeface="Times New Roman" pitchFamily="18" charset="0"/>
+              </a:rPr>
+              <a:t>  </a:t>
+            </a:r>
+            <a:r>
+              <a:rPr lang="ru-RU" sz="1100" dirty="0" smtClean="0">
+                <a:latin typeface="Times New Roman" pitchFamily="18" charset="0"/>
+                <a:cs typeface="Times New Roman" pitchFamily="18" charset="0"/>
+              </a:rPr>
+              <a:t>= 5 кг, 3 - </a:t>
+            </a:r>
+            <a:r>
+              <a:rPr lang="en-US" sz="1100" i="1" dirty="0">
+                <a:latin typeface="Times New Roman" pitchFamily="18" charset="0"/>
+                <a:ea typeface="Times New Roman"/>
+                <a:cs typeface="Times New Roman" pitchFamily="18" charset="0"/>
+              </a:rPr>
+              <a:t>m</a:t>
+            </a:r>
+            <a:r>
+              <a:rPr lang="ru-RU" sz="1100" baseline="-25000" dirty="0">
+                <a:latin typeface="Times New Roman" pitchFamily="18" charset="0"/>
+                <a:ea typeface="Times New Roman"/>
+                <a:cs typeface="Times New Roman" pitchFamily="18" charset="0"/>
+              </a:rPr>
+              <a:t>Т</a:t>
+            </a:r>
+            <a:r>
+              <a:rPr lang="ru-RU" sz="1100" dirty="0">
+                <a:latin typeface="Times New Roman" pitchFamily="18" charset="0"/>
+                <a:cs typeface="Times New Roman" pitchFamily="18" charset="0"/>
+              </a:rPr>
+              <a:t>  = </a:t>
+            </a:r>
+            <a:r>
+              <a:rPr lang="ru-RU" sz="1100" dirty="0" smtClean="0">
+                <a:latin typeface="Times New Roman" pitchFamily="18" charset="0"/>
+                <a:cs typeface="Times New Roman" pitchFamily="18" charset="0"/>
+              </a:rPr>
+              <a:t>10 </a:t>
+            </a:r>
+            <a:r>
+              <a:rPr lang="ru-RU" sz="1100" dirty="0">
+                <a:latin typeface="Times New Roman" pitchFamily="18" charset="0"/>
+                <a:cs typeface="Times New Roman" pitchFamily="18" charset="0"/>
+              </a:rPr>
+              <a:t>кг</a:t>
+            </a:r>
+            <a:endParaRPr kumimoji="0" lang="ru-RU" sz="1100" b="0" i="0" u="none" strike="noStrike" cap="none" normalizeH="0" baseline="0" dirty="0" smtClean="0">
               <a:ln>
                 <a:noFill/>
               </a:ln>
@@ -16574,7 +16465,15 @@
                 <a:ea typeface="Times New Roman" pitchFamily="18" charset="0"/>
                 <a:cs typeface="Times New Roman" pitchFamily="18" charset="0"/>
               </a:rPr>
-              <a:t>. Изменение начальной скорости в зависимости от массы</a:t>
+              <a:t>. </a:t>
+            </a:r>
+            <a:r>
+              <a:rPr lang="ru-RU" sz="1100" dirty="0" smtClean="0">
+                <a:latin typeface="Times New Roman" pitchFamily="18" charset="0"/>
+                <a:ea typeface="Times New Roman" pitchFamily="18" charset="0"/>
+                <a:cs typeface="Times New Roman" pitchFamily="18" charset="0"/>
+              </a:rPr>
+              <a:t>Зависимость начальной скорости от массы снаряда</a:t>
             </a:r>
             <a:endParaRPr lang="ru-RU" sz="1100" dirty="0"/>
           </a:p>
@@ -16589,7 +16488,7 @@
           <p:nvPr>
             <p:extLst>
               <p:ext uri="{D42A27DB-BD31-4B8C-83A1-F6EECF244321}">
-                <p14:modId xmlns:p14="http://schemas.microsoft.com/office/powerpoint/2010/main" val="751643371"/>
+                <p14:modId xmlns:p14="http://schemas.microsoft.com/office/powerpoint/2010/main" val="1626120794"/>
               </p:ext>
             </p:extLst>
           </p:nvPr>
@@ -16608,28 +16507,28 @@
                 <a:gridCol w="875899">
                   <a:extLst>
                     <a:ext uri="{9D8B030D-6E8A-4147-A177-3AD203B41FA5}">
-                      <a16:colId xmlns:a16="http://schemas.microsoft.com/office/drawing/2014/main" xmlns="" val="20000"/>
+                      <a16:colId xmlns:a16="http://schemas.microsoft.com/office/drawing/2014/main" val="20000"/>
                     </a:ext>
                   </a:extLst>
                 </a:gridCol>
                 <a:gridCol w="875899">
                   <a:extLst>
                     <a:ext uri="{9D8B030D-6E8A-4147-A177-3AD203B41FA5}">
-                      <a16:colId xmlns:a16="http://schemas.microsoft.com/office/drawing/2014/main" xmlns="" val="20001"/>
+                      <a16:colId xmlns:a16="http://schemas.microsoft.com/office/drawing/2014/main" val="20001"/>
                     </a:ext>
                   </a:extLst>
                 </a:gridCol>
                 <a:gridCol w="875899">
                   <a:extLst>
                     <a:ext uri="{9D8B030D-6E8A-4147-A177-3AD203B41FA5}">
-                      <a16:colId xmlns:a16="http://schemas.microsoft.com/office/drawing/2014/main" xmlns="" val="20002"/>
+                      <a16:colId xmlns:a16="http://schemas.microsoft.com/office/drawing/2014/main" val="20002"/>
                     </a:ext>
                   </a:extLst>
                 </a:gridCol>
                 <a:gridCol w="875899">
                   <a:extLst>
                     <a:ext uri="{9D8B030D-6E8A-4147-A177-3AD203B41FA5}">
-                      <a16:colId xmlns:a16="http://schemas.microsoft.com/office/drawing/2014/main" xmlns="" val="20003"/>
+                      <a16:colId xmlns:a16="http://schemas.microsoft.com/office/drawing/2014/main" val="20003"/>
                     </a:ext>
                   </a:extLst>
                 </a:gridCol>
@@ -16654,12 +16553,12 @@
                         <a:t>m</a:t>
                       </a:r>
                       <a:r>
-                        <a:rPr lang="el-GR" sz="1200" b="0" i="0" baseline="-25000" dirty="0" smtClean="0">
+                        <a:rPr lang="ru-RU" sz="1200" b="0" i="0" baseline="-25000" dirty="0" smtClean="0">
                           <a:latin typeface="Times New Roman" pitchFamily="18" charset="0"/>
                           <a:ea typeface="Times New Roman"/>
                           <a:cs typeface="Times New Roman" pitchFamily="18" charset="0"/>
                         </a:rPr>
-                        <a:t>Σ</a:t>
+                        <a:t>Т</a:t>
                       </a:r>
                       <a:r>
                         <a:rPr lang="ru-RU" sz="1200" b="0" dirty="0" smtClean="0">
@@ -16667,7 +16566,15 @@
                           <a:ea typeface="Times New Roman"/>
                           <a:cs typeface="Times New Roman" pitchFamily="18" charset="0"/>
                         </a:rPr>
-                        <a:t>, кг</a:t>
+                        <a:t>, </a:t>
+                      </a:r>
+                      <a:r>
+                        <a:rPr lang="ru-RU" sz="1200" b="0" dirty="0" smtClean="0">
+                          <a:latin typeface="Times New Roman" pitchFamily="18" charset="0"/>
+                          <a:ea typeface="Times New Roman"/>
+                          <a:cs typeface="Times New Roman" pitchFamily="18" charset="0"/>
+                        </a:rPr>
+                        <a:t>кг</a:t>
                       </a:r>
                       <a:endParaRPr lang="ru-RU" sz="1200" b="0" dirty="0">
                         <a:latin typeface="Times New Roman" pitchFamily="18" charset="0"/>
@@ -16927,7 +16834,7 @@
                 </a:tc>
                 <a:extLst>
                   <a:ext uri="{0D108BD9-81ED-4DB2-BD59-A6C34878D82A}">
-                    <a16:rowId xmlns:a16="http://schemas.microsoft.com/office/drawing/2014/main" xmlns="" val="10000"/>
+                    <a16:rowId xmlns:a16="http://schemas.microsoft.com/office/drawing/2014/main" val="10000"/>
                   </a:ext>
                 </a:extLst>
               </a:tr>
@@ -17211,7 +17118,7 @@
                 </a:tc>
                 <a:extLst>
                   <a:ext uri="{0D108BD9-81ED-4DB2-BD59-A6C34878D82A}">
-                    <a16:rowId xmlns:a16="http://schemas.microsoft.com/office/drawing/2014/main" xmlns="" val="10001"/>
+                    <a16:rowId xmlns:a16="http://schemas.microsoft.com/office/drawing/2014/main" val="10001"/>
                   </a:ext>
                 </a:extLst>
               </a:tr>
@@ -17502,7 +17409,7 @@
                 </a:tc>
                 <a:extLst>
                   <a:ext uri="{0D108BD9-81ED-4DB2-BD59-A6C34878D82A}">
-                    <a16:rowId xmlns:a16="http://schemas.microsoft.com/office/drawing/2014/main" xmlns="" val="63189236"/>
+                    <a16:rowId xmlns:a16="http://schemas.microsoft.com/office/drawing/2014/main" val="63189236"/>
                   </a:ext>
                 </a:extLst>
               </a:tr>
@@ -17568,7 +17475,7 @@
           <p:nvPr>
             <p:extLst>
               <p:ext uri="{D42A27DB-BD31-4B8C-83A1-F6EECF244321}">
-                <p14:modId xmlns:p14="http://schemas.microsoft.com/office/powerpoint/2010/main" val="440214636"/>
+                <p14:modId xmlns:p14="http://schemas.microsoft.com/office/powerpoint/2010/main" val="2098894746"/>
               </p:ext>
             </p:extLst>
           </p:nvPr>
@@ -17587,28 +17494,28 @@
                 <a:gridCol w="875899">
                   <a:extLst>
                     <a:ext uri="{9D8B030D-6E8A-4147-A177-3AD203B41FA5}">
-                      <a16:colId xmlns:a16="http://schemas.microsoft.com/office/drawing/2014/main" xmlns="" val="20000"/>
+                      <a16:colId xmlns:a16="http://schemas.microsoft.com/office/drawing/2014/main" val="20000"/>
                     </a:ext>
                   </a:extLst>
                 </a:gridCol>
                 <a:gridCol w="875899">
                   <a:extLst>
                     <a:ext uri="{9D8B030D-6E8A-4147-A177-3AD203B41FA5}">
-                      <a16:colId xmlns:a16="http://schemas.microsoft.com/office/drawing/2014/main" xmlns="" val="20001"/>
+                      <a16:colId xmlns:a16="http://schemas.microsoft.com/office/drawing/2014/main" val="20001"/>
                     </a:ext>
                   </a:extLst>
                 </a:gridCol>
                 <a:gridCol w="875899">
                   <a:extLst>
                     <a:ext uri="{9D8B030D-6E8A-4147-A177-3AD203B41FA5}">
-                      <a16:colId xmlns:a16="http://schemas.microsoft.com/office/drawing/2014/main" xmlns="" val="20002"/>
+                      <a16:colId xmlns:a16="http://schemas.microsoft.com/office/drawing/2014/main" val="20002"/>
                     </a:ext>
                   </a:extLst>
                 </a:gridCol>
                 <a:gridCol w="875899">
                   <a:extLst>
                     <a:ext uri="{9D8B030D-6E8A-4147-A177-3AD203B41FA5}">
-                      <a16:colId xmlns:a16="http://schemas.microsoft.com/office/drawing/2014/main" xmlns="" val="20003"/>
+                      <a16:colId xmlns:a16="http://schemas.microsoft.com/office/drawing/2014/main" val="20003"/>
                     </a:ext>
                   </a:extLst>
                 </a:gridCol>
@@ -17633,12 +17540,12 @@
                         <a:t>m</a:t>
                       </a:r>
                       <a:r>
-                        <a:rPr lang="el-GR" sz="1200" b="0" i="0" baseline="-25000" dirty="0" smtClean="0">
+                        <a:rPr lang="en-US" sz="1200" b="0" i="0" baseline="-25000" dirty="0" smtClean="0">
                           <a:latin typeface="Times New Roman" pitchFamily="18" charset="0"/>
                           <a:ea typeface="Times New Roman"/>
                           <a:cs typeface="Times New Roman" pitchFamily="18" charset="0"/>
                         </a:rPr>
-                        <a:t>Σ</a:t>
+                        <a:t>0</a:t>
                       </a:r>
                       <a:r>
                         <a:rPr lang="ru-RU" sz="1200" b="0" dirty="0" smtClean="0">
@@ -17646,7 +17553,15 @@
                           <a:ea typeface="Times New Roman"/>
                           <a:cs typeface="Times New Roman" pitchFamily="18" charset="0"/>
                         </a:rPr>
-                        <a:t>, кг</a:t>
+                        <a:t>, </a:t>
+                      </a:r>
+                      <a:r>
+                        <a:rPr lang="ru-RU" sz="1200" b="0" dirty="0" smtClean="0">
+                          <a:latin typeface="Times New Roman" pitchFamily="18" charset="0"/>
+                          <a:ea typeface="Times New Roman"/>
+                          <a:cs typeface="Times New Roman" pitchFamily="18" charset="0"/>
+                        </a:rPr>
+                        <a:t>кг</a:t>
                       </a:r>
                       <a:endParaRPr lang="ru-RU" sz="1200" b="0" dirty="0">
                         <a:latin typeface="Times New Roman" pitchFamily="18" charset="0"/>
@@ -17917,7 +17832,7 @@
                 </a:tc>
                 <a:extLst>
                   <a:ext uri="{0D108BD9-81ED-4DB2-BD59-A6C34878D82A}">
-                    <a16:rowId xmlns:a16="http://schemas.microsoft.com/office/drawing/2014/main" xmlns="" val="10000"/>
+                    <a16:rowId xmlns:a16="http://schemas.microsoft.com/office/drawing/2014/main" val="10000"/>
                   </a:ext>
                 </a:extLst>
               </a:tr>
@@ -18202,7 +18117,7 @@
                 </a:tc>
                 <a:extLst>
                   <a:ext uri="{0D108BD9-81ED-4DB2-BD59-A6C34878D82A}">
-                    <a16:rowId xmlns:a16="http://schemas.microsoft.com/office/drawing/2014/main" xmlns="" val="10001"/>
+                    <a16:rowId xmlns:a16="http://schemas.microsoft.com/office/drawing/2014/main" val="10001"/>
                   </a:ext>
                 </a:extLst>
               </a:tr>
@@ -18226,7 +18141,7 @@
         </p:blipFill>
         <p:spPr>
           <a:xfrm>
-            <a:off x="4613855" y="1976284"/>
+            <a:off x="4613855" y="1897231"/>
             <a:ext cx="4023362" cy="2613390"/>
           </a:xfrm>
           <a:prstGeom prst="rect">
@@ -18255,7 +18170,7 @@
         </p:blipFill>
         <p:spPr bwMode="auto">
           <a:xfrm>
-            <a:off x="81600" y="1976284"/>
+            <a:off x="81600" y="1808454"/>
             <a:ext cx="4464518" cy="2523257"/>
           </a:xfrm>
           <a:prstGeom prst="rect">
@@ -18428,8 +18343,8 @@
         </p:nvSpPr>
         <p:spPr bwMode="auto">
           <a:xfrm>
-            <a:off x="8377336" y="4892920"/>
-            <a:ext cx="766664" cy="249242"/>
+            <a:off x="8395130" y="4891170"/>
+            <a:ext cx="748870" cy="249242"/>
           </a:xfrm>
           <a:prstGeom prst="rect">
             <a:avLst/>
@@ -19002,8 +18917,8 @@
         </p:nvSpPr>
         <p:spPr>
           <a:xfrm>
-            <a:off x="64980" y="4505058"/>
-            <a:ext cx="8610600" cy="261610"/>
+            <a:off x="64980" y="4318373"/>
+            <a:ext cx="8610600" cy="430887"/>
           </a:xfrm>
           <a:prstGeom prst="rect">
             <a:avLst/>
@@ -19022,11 +18937,145 @@
                 <a:latin typeface="Times New Roman" pitchFamily="18" charset="0"/>
                 <a:cs typeface="Times New Roman" pitchFamily="18" charset="0"/>
               </a:rPr>
-              <a:t>Рисунок – 19  График траектории полёта снаряда при различных параметрах</a:t>
+              <a:t>Рисунок – 19  График траектории полёта снаряда при различных </a:t>
+            </a:r>
+            <a:r>
+              <a:rPr lang="ru-RU" sz="1100" dirty="0" smtClean="0">
+                <a:latin typeface="Times New Roman" pitchFamily="18" charset="0"/>
+                <a:cs typeface="Times New Roman" pitchFamily="18" charset="0"/>
+              </a:rPr>
+              <a:t>параметрах</a:t>
+            </a:r>
+          </a:p>
+          <a:p>
+            <a:pPr lvl="0" algn="ctr"/>
+            <a:r>
+              <a:rPr lang="ru-RU" sz="1100" dirty="0">
+                <a:latin typeface="Times New Roman" pitchFamily="18" charset="0"/>
+                <a:cs typeface="Times New Roman" pitchFamily="18" charset="0"/>
+              </a:rPr>
+              <a:t>1 – </a:t>
+            </a:r>
+            <a:r>
+              <a:rPr lang="ru-RU" sz="1100" dirty="0" smtClean="0">
+                <a:solidFill>
+                  <a:prstClr val="black"/>
+                </a:solidFill>
+                <a:latin typeface="Times New Roman" pitchFamily="18" charset="0"/>
+                <a:cs typeface="Times New Roman" pitchFamily="18" charset="0"/>
+              </a:rPr>
+              <a:t>время старта РД </a:t>
+            </a:r>
+            <a:r>
+              <a:rPr lang="ru-RU" sz="1100" dirty="0" smtClean="0">
+                <a:latin typeface="Times New Roman" pitchFamily="18" charset="0"/>
+                <a:cs typeface="Times New Roman" pitchFamily="18" charset="0"/>
+              </a:rPr>
+              <a:t>= 5 с, </a:t>
+            </a:r>
+            <a:r>
+              <a:rPr lang="ru-RU" sz="1100" dirty="0">
+                <a:latin typeface="Times New Roman" pitchFamily="18" charset="0"/>
+                <a:cs typeface="Times New Roman" pitchFamily="18" charset="0"/>
+              </a:rPr>
+              <a:t>2 – </a:t>
+            </a:r>
+            <a:r>
+              <a:rPr lang="ru-RU" sz="1100" dirty="0">
+                <a:solidFill>
+                  <a:prstClr val="black"/>
+                </a:solidFill>
+                <a:latin typeface="Times New Roman" pitchFamily="18" charset="0"/>
+                <a:cs typeface="Times New Roman" pitchFamily="18" charset="0"/>
+              </a:rPr>
+              <a:t>время старта РД </a:t>
+            </a:r>
+            <a:r>
+              <a:rPr lang="ru-RU" sz="1100" dirty="0">
+                <a:latin typeface="Times New Roman" pitchFamily="18" charset="0"/>
+                <a:cs typeface="Times New Roman" pitchFamily="18" charset="0"/>
+              </a:rPr>
+              <a:t>= </a:t>
+            </a:r>
+            <a:r>
+              <a:rPr lang="ru-RU" sz="1100" dirty="0" smtClean="0">
+                <a:latin typeface="Times New Roman" pitchFamily="18" charset="0"/>
+                <a:cs typeface="Times New Roman" pitchFamily="18" charset="0"/>
+              </a:rPr>
+              <a:t>41 с, </a:t>
+            </a:r>
+            <a:r>
+              <a:rPr lang="ru-RU" sz="1100" dirty="0">
+                <a:latin typeface="Times New Roman" pitchFamily="18" charset="0"/>
+                <a:cs typeface="Times New Roman" pitchFamily="18" charset="0"/>
+              </a:rPr>
+              <a:t>3 –</a:t>
+            </a:r>
+            <a:r>
+              <a:rPr lang="ru-RU" sz="1100" dirty="0" smtClean="0">
+                <a:latin typeface="Times New Roman" pitchFamily="18" charset="0"/>
+                <a:cs typeface="Times New Roman" pitchFamily="18" charset="0"/>
+              </a:rPr>
+              <a:t> </a:t>
+            </a:r>
+            <a:r>
+              <a:rPr lang="ru-RU" sz="1100" dirty="0">
+                <a:solidFill>
+                  <a:prstClr val="black"/>
+                </a:solidFill>
+                <a:latin typeface="Times New Roman" pitchFamily="18" charset="0"/>
+                <a:cs typeface="Times New Roman" pitchFamily="18" charset="0"/>
+              </a:rPr>
+              <a:t>время старта РД </a:t>
+            </a:r>
+            <a:r>
+              <a:rPr lang="ru-RU" sz="1100" dirty="0">
+                <a:latin typeface="Times New Roman" pitchFamily="18" charset="0"/>
+                <a:cs typeface="Times New Roman" pitchFamily="18" charset="0"/>
+              </a:rPr>
+              <a:t>= </a:t>
+            </a:r>
+            <a:r>
+              <a:rPr lang="ru-RU" sz="1100" dirty="0" smtClean="0">
+                <a:latin typeface="Times New Roman" pitchFamily="18" charset="0"/>
+                <a:cs typeface="Times New Roman" pitchFamily="18" charset="0"/>
+              </a:rPr>
+              <a:t>20 с, 4 – </a:t>
+            </a:r>
+            <a:r>
+              <a:rPr lang="ru-RU" sz="1100" dirty="0">
+                <a:solidFill>
+                  <a:prstClr val="black"/>
+                </a:solidFill>
+                <a:latin typeface="Times New Roman" pitchFamily="18" charset="0"/>
+                <a:cs typeface="Times New Roman" pitchFamily="18" charset="0"/>
+              </a:rPr>
+              <a:t>время старта РД </a:t>
+            </a:r>
+            <a:r>
+              <a:rPr lang="ru-RU" sz="1100" dirty="0">
+                <a:latin typeface="Times New Roman" pitchFamily="18" charset="0"/>
+                <a:cs typeface="Times New Roman" pitchFamily="18" charset="0"/>
+              </a:rPr>
+              <a:t>= </a:t>
+            </a:r>
+            <a:r>
+              <a:rPr lang="ru-RU" sz="1100" dirty="0" smtClean="0">
+                <a:latin typeface="Times New Roman" pitchFamily="18" charset="0"/>
+                <a:cs typeface="Times New Roman" pitchFamily="18" charset="0"/>
+              </a:rPr>
+              <a:t>22 </a:t>
+            </a:r>
+            <a:r>
+              <a:rPr lang="ru-RU" sz="1100" dirty="0">
+                <a:latin typeface="Times New Roman" pitchFamily="18" charset="0"/>
+                <a:cs typeface="Times New Roman" pitchFamily="18" charset="0"/>
+              </a:rPr>
+              <a:t>с</a:t>
             </a:r>
             <a:endParaRPr lang="ru-RU" sz="1100" dirty="0">
-              <a:latin typeface="Times New Roman" pitchFamily="18" charset="0"/>
-              <a:cs typeface="Times New Roman" pitchFamily="18" charset="0"/>
+              <a:latin typeface="Arial" pitchFamily="34" charset="0"/>
+              <a:cs typeface="Arial" pitchFamily="34" charset="0"/>
             </a:endParaRPr>
           </a:p>
         </p:txBody>
@@ -19040,7 +19089,7 @@
           <p:nvPr>
             <p:extLst>
               <p:ext uri="{D42A27DB-BD31-4B8C-83A1-F6EECF244321}">
-                <p14:modId xmlns:p14="http://schemas.microsoft.com/office/powerpoint/2010/main" val="2127655692"/>
+                <p14:modId xmlns:p14="http://schemas.microsoft.com/office/powerpoint/2010/main" val="4109700292"/>
               </p:ext>
             </p:extLst>
           </p:nvPr>
@@ -19059,35 +19108,35 @@
                 <a:gridCol w="766125">
                   <a:extLst>
                     <a:ext uri="{9D8B030D-6E8A-4147-A177-3AD203B41FA5}">
-                      <a16:colId xmlns:a16="http://schemas.microsoft.com/office/drawing/2014/main" xmlns="" val="20000"/>
+                      <a16:colId xmlns:a16="http://schemas.microsoft.com/office/drawing/2014/main" val="20000"/>
                     </a:ext>
                   </a:extLst>
                 </a:gridCol>
                 <a:gridCol w="766125">
                   <a:extLst>
                     <a:ext uri="{9D8B030D-6E8A-4147-A177-3AD203B41FA5}">
-                      <a16:colId xmlns:a16="http://schemas.microsoft.com/office/drawing/2014/main" xmlns="" val="20001"/>
+                      <a16:colId xmlns:a16="http://schemas.microsoft.com/office/drawing/2014/main" val="20001"/>
                     </a:ext>
                   </a:extLst>
                 </a:gridCol>
                 <a:gridCol w="766125">
                   <a:extLst>
                     <a:ext uri="{9D8B030D-6E8A-4147-A177-3AD203B41FA5}">
-                      <a16:colId xmlns:a16="http://schemas.microsoft.com/office/drawing/2014/main" xmlns="" val="20002"/>
+                      <a16:colId xmlns:a16="http://schemas.microsoft.com/office/drawing/2014/main" val="20002"/>
                     </a:ext>
                   </a:extLst>
                 </a:gridCol>
                 <a:gridCol w="766125">
                   <a:extLst>
                     <a:ext uri="{9D8B030D-6E8A-4147-A177-3AD203B41FA5}">
-                      <a16:colId xmlns:a16="http://schemas.microsoft.com/office/drawing/2014/main" xmlns="" val="20004"/>
+                      <a16:colId xmlns:a16="http://schemas.microsoft.com/office/drawing/2014/main" val="20004"/>
                     </a:ext>
                   </a:extLst>
                 </a:gridCol>
                 <a:gridCol w="766125">
                   <a:extLst>
                     <a:ext uri="{9D8B030D-6E8A-4147-A177-3AD203B41FA5}">
-                      <a16:colId xmlns:a16="http://schemas.microsoft.com/office/drawing/2014/main" xmlns="" val="20003"/>
+                      <a16:colId xmlns:a16="http://schemas.microsoft.com/office/drawing/2014/main" val="20003"/>
                     </a:ext>
                   </a:extLst>
                 </a:gridCol>
@@ -19099,7 +19148,35 @@
                     <a:lstStyle/>
                     <a:p>
                       <a:pPr algn="ctr"/>
-                      <a:endParaRPr lang="ru-RU" sz="1000" dirty="0">
+                      <a:r>
+                        <a:rPr lang="en-US" sz="1400" b="0" i="1" dirty="0" smtClean="0">
+                          <a:latin typeface="Times New Roman" pitchFamily="18" charset="0"/>
+                          <a:cs typeface="Times New Roman" pitchFamily="18" charset="0"/>
+                        </a:rPr>
+                        <a:t>t</a:t>
+                      </a:r>
+                      <a:r>
+                        <a:rPr lang="en-US" sz="1100" b="0" i="0" baseline="-25000" dirty="0" smtClean="0">
+                          <a:latin typeface="Times New Roman" pitchFamily="18" charset="0"/>
+                          <a:cs typeface="Times New Roman" pitchFamily="18" charset="0"/>
+                        </a:rPr>
+                        <a:t>0</a:t>
+                      </a:r>
+                      <a:r>
+                        <a:rPr lang="en-US" sz="1100" b="0" i="0" baseline="0" dirty="0" smtClean="0">
+                          <a:latin typeface="Times New Roman" pitchFamily="18" charset="0"/>
+                          <a:cs typeface="Times New Roman" pitchFamily="18" charset="0"/>
+                        </a:rPr>
+                        <a:t> </a:t>
+                      </a:r>
+                      <a:r>
+                        <a:rPr lang="ru-RU" sz="1100" b="0" i="0" baseline="0" dirty="0" smtClean="0">
+                          <a:latin typeface="Times New Roman" pitchFamily="18" charset="0"/>
+                          <a:cs typeface="Times New Roman" pitchFamily="18" charset="0"/>
+                        </a:rPr>
+                        <a:t>, с</a:t>
+                      </a:r>
+                      <a:endParaRPr lang="ru-RU" sz="1100" b="0" i="0" dirty="0">
                         <a:latin typeface="Times New Roman" pitchFamily="18" charset="0"/>
                         <a:cs typeface="Times New Roman" pitchFamily="18" charset="0"/>
                       </a:endParaRPr>
@@ -19227,7 +19304,7 @@
                 </a:tc>
                 <a:extLst>
                   <a:ext uri="{0D108BD9-81ED-4DB2-BD59-A6C34878D82A}">
-                    <a16:rowId xmlns:a16="http://schemas.microsoft.com/office/drawing/2014/main" xmlns="" val="3277355946"/>
+                    <a16:rowId xmlns:a16="http://schemas.microsoft.com/office/drawing/2014/main" val="3277355946"/>
                   </a:ext>
                 </a:extLst>
               </a:tr>
@@ -19237,8 +19314,45 @@
                     <a:bodyPr/>
                     <a:lstStyle/>
                     <a:p>
-                      <a:pPr algn="ctr"/>
-                      <a:endParaRPr lang="ru-RU" sz="1000" dirty="0">
+                      <a:pPr marL="0" marR="0" indent="0" algn="ctr" defTabSz="685800" rtl="0" eaLnBrk="1" fontAlgn="auto" latinLnBrk="0" hangingPunct="1">
+                        <a:lnSpc>
+                          <a:spcPct val="100000"/>
+                        </a:lnSpc>
+                        <a:spcBef>
+                          <a:spcPts val="0"/>
+                        </a:spcBef>
+                        <a:spcAft>
+                          <a:spcPts val="0"/>
+                        </a:spcAft>
+                        <a:buClrTx/>
+                        <a:buSzTx/>
+                        <a:buFontTx/>
+                        <a:buNone/>
+                        <a:tabLst/>
+                        <a:defRPr/>
+                      </a:pPr>
+                      <a:r>
+                        <a:rPr lang="el-GR" sz="1200" dirty="0" smtClean="0">
+                          <a:latin typeface="Times New Roman" panose="02020603050405020304" pitchFamily="18" charset="0"/>
+                          <a:cs typeface="Times New Roman" panose="02020603050405020304" pitchFamily="18" charset="0"/>
+                        </a:rPr>
+                        <a:t>θ</a:t>
+                      </a:r>
+                      <a:r>
+                        <a:rPr lang="ru-RU" sz="1200" baseline="-25000" dirty="0" smtClean="0">
+                          <a:latin typeface="Times New Roman" panose="02020603050405020304" pitchFamily="18" charset="0"/>
+                          <a:cs typeface="Times New Roman" panose="02020603050405020304" pitchFamily="18" charset="0"/>
+                        </a:rPr>
+                        <a:t>0</a:t>
+                      </a:r>
+                      <a:r>
+                        <a:rPr lang="ru-RU" sz="1200" dirty="0" smtClean="0">
+                          <a:latin typeface="Times New Roman" panose="02020603050405020304" pitchFamily="18" charset="0"/>
+                          <a:cs typeface="Times New Roman" panose="02020603050405020304" pitchFamily="18" charset="0"/>
+                        </a:rPr>
+                        <a:t>, град</a:t>
+                      </a:r>
+                      <a:endParaRPr lang="en-US" sz="1200" b="0" i="0" dirty="0" smtClean="0">
                         <a:latin typeface="Times New Roman" pitchFamily="18" charset="0"/>
                         <a:cs typeface="Times New Roman" pitchFamily="18" charset="0"/>
                       </a:endParaRPr>
@@ -19366,7 +19480,7 @@
                 </a:tc>
                 <a:extLst>
                   <a:ext uri="{0D108BD9-81ED-4DB2-BD59-A6C34878D82A}">
-                    <a16:rowId xmlns:a16="http://schemas.microsoft.com/office/drawing/2014/main" xmlns="" val="10000"/>
+                    <a16:rowId xmlns:a16="http://schemas.microsoft.com/office/drawing/2014/main" val="10000"/>
                   </a:ext>
                 </a:extLst>
               </a:tr>
@@ -19377,7 +19491,28 @@
                     <a:lstStyle/>
                     <a:p>
                       <a:pPr algn="ctr"/>
-                      <a:endParaRPr lang="ru-RU" sz="1000" dirty="0">
+                      <a:r>
+                        <a:rPr lang="en-US" sz="1200" i="1" dirty="0" smtClean="0">
+                          <a:latin typeface="Times New Roman" pitchFamily="18" charset="0"/>
+                          <a:cs typeface="Times New Roman" pitchFamily="18" charset="0"/>
+                        </a:rPr>
+                        <a:t>X</a:t>
+                      </a:r>
+                      <a:r>
+                        <a:rPr lang="en-US" sz="1200" dirty="0" smtClean="0">
+                          <a:latin typeface="Times New Roman" pitchFamily="18" charset="0"/>
+                          <a:cs typeface="Times New Roman" pitchFamily="18" charset="0"/>
+                        </a:rPr>
+                        <a:t>, </a:t>
+                      </a:r>
+                      <a:r>
+                        <a:rPr lang="ru-RU" sz="1200" dirty="0" smtClean="0">
+                          <a:latin typeface="Times New Roman" pitchFamily="18" charset="0"/>
+                          <a:cs typeface="Times New Roman" pitchFamily="18" charset="0"/>
+                        </a:rPr>
+                        <a:t>м</a:t>
+                      </a:r>
+                      <a:endParaRPr lang="ru-RU" sz="1200" dirty="0">
                         <a:latin typeface="Times New Roman" pitchFamily="18" charset="0"/>
                         <a:cs typeface="Times New Roman" pitchFamily="18" charset="0"/>
                       </a:endParaRPr>
@@ -19493,7 +19628,7 @@
                 </a:tc>
                 <a:extLst>
                   <a:ext uri="{0D108BD9-81ED-4DB2-BD59-A6C34878D82A}">
-                    <a16:rowId xmlns:a16="http://schemas.microsoft.com/office/drawing/2014/main" xmlns="" val="10001"/>
+                    <a16:rowId xmlns:a16="http://schemas.microsoft.com/office/drawing/2014/main" val="10001"/>
                   </a:ext>
                 </a:extLst>
               </a:tr>
@@ -19559,7 +19694,7 @@
           <p:nvPr>
             <p:extLst>
               <p:ext uri="{D42A27DB-BD31-4B8C-83A1-F6EECF244321}">
-                <p14:modId xmlns:p14="http://schemas.microsoft.com/office/powerpoint/2010/main" val="3608402013"/>
+                <p14:modId xmlns:p14="http://schemas.microsoft.com/office/powerpoint/2010/main" val="3025518688"/>
               </p:ext>
             </p:extLst>
           </p:nvPr>
@@ -19578,35 +19713,35 @@
                 <a:gridCol w="875899">
                   <a:extLst>
                     <a:ext uri="{9D8B030D-6E8A-4147-A177-3AD203B41FA5}">
-                      <a16:colId xmlns:a16="http://schemas.microsoft.com/office/drawing/2014/main" xmlns="" val="20000"/>
+                      <a16:colId xmlns:a16="http://schemas.microsoft.com/office/drawing/2014/main" val="20000"/>
                     </a:ext>
                   </a:extLst>
                 </a:gridCol>
                 <a:gridCol w="752776">
                   <a:extLst>
                     <a:ext uri="{9D8B030D-6E8A-4147-A177-3AD203B41FA5}">
-                      <a16:colId xmlns:a16="http://schemas.microsoft.com/office/drawing/2014/main" xmlns="" val="20001"/>
+                      <a16:colId xmlns:a16="http://schemas.microsoft.com/office/drawing/2014/main" val="20001"/>
                     </a:ext>
                   </a:extLst>
                 </a:gridCol>
                 <a:gridCol w="861060">
                   <a:extLst>
                     <a:ext uri="{9D8B030D-6E8A-4147-A177-3AD203B41FA5}">
-                      <a16:colId xmlns:a16="http://schemas.microsoft.com/office/drawing/2014/main" xmlns="" val="20002"/>
+                      <a16:colId xmlns:a16="http://schemas.microsoft.com/office/drawing/2014/main" val="20002"/>
                     </a:ext>
                   </a:extLst>
                 </a:gridCol>
                 <a:gridCol w="899160">
                   <a:extLst>
                     <a:ext uri="{9D8B030D-6E8A-4147-A177-3AD203B41FA5}">
-                      <a16:colId xmlns:a16="http://schemas.microsoft.com/office/drawing/2014/main" xmlns="" val="20003"/>
+                      <a16:colId xmlns:a16="http://schemas.microsoft.com/office/drawing/2014/main" val="20003"/>
                     </a:ext>
                   </a:extLst>
                 </a:gridCol>
                 <a:gridCol w="990600">
                   <a:extLst>
                     <a:ext uri="{9D8B030D-6E8A-4147-A177-3AD203B41FA5}">
-                      <a16:colId xmlns:a16="http://schemas.microsoft.com/office/drawing/2014/main" xmlns="" val="20004"/>
+                      <a16:colId xmlns:a16="http://schemas.microsoft.com/office/drawing/2014/main" val="20004"/>
                     </a:ext>
                   </a:extLst>
                 </a:gridCol>
@@ -19619,34 +19754,34 @@
                     <a:p>
                       <a:pPr algn="ctr"/>
                       <a:r>
-                        <a:rPr lang="en-US" sz="1100" i="1" dirty="0" smtClean="0">
+                        <a:rPr lang="en-US" sz="1200" i="1" dirty="0" smtClean="0">
                           <a:latin typeface="Times New Roman" panose="02020603050405020304" pitchFamily="18" charset="0"/>
                           <a:cs typeface="Times New Roman" panose="02020603050405020304" pitchFamily="18" charset="0"/>
                         </a:rPr>
                         <a:t>m</a:t>
                       </a:r>
                       <a:r>
-                        <a:rPr lang="en-US" sz="1100" i="0" baseline="-25000" dirty="0" smtClean="0">
+                        <a:rPr lang="en-US" sz="1200" i="0" baseline="-25000" dirty="0" smtClean="0">
                           <a:latin typeface="Times New Roman" panose="02020603050405020304" pitchFamily="18" charset="0"/>
                           <a:cs typeface="Times New Roman" panose="02020603050405020304" pitchFamily="18" charset="0"/>
                         </a:rPr>
                         <a:t>T</a:t>
                       </a:r>
                       <a:r>
-                        <a:rPr lang="en-US" sz="1100" dirty="0" smtClean="0">
+                        <a:rPr lang="en-US" sz="1200" dirty="0" smtClean="0">
                           <a:latin typeface="Times New Roman" panose="02020603050405020304" pitchFamily="18" charset="0"/>
                           <a:cs typeface="Times New Roman" panose="02020603050405020304" pitchFamily="18" charset="0"/>
                         </a:rPr>
                         <a:t>, </a:t>
                       </a:r>
                       <a:r>
-                        <a:rPr lang="ru-RU" sz="1100" dirty="0" smtClean="0">
+                        <a:rPr lang="ru-RU" sz="1200" dirty="0" smtClean="0">
                           <a:latin typeface="Times New Roman" panose="02020603050405020304" pitchFamily="18" charset="0"/>
                           <a:cs typeface="Times New Roman" panose="02020603050405020304" pitchFamily="18" charset="0"/>
                         </a:rPr>
                         <a:t>кг</a:t>
                       </a:r>
-                      <a:endParaRPr lang="en-US" sz="1100" b="0" i="0" dirty="0" smtClean="0">
+                      <a:endParaRPr lang="en-US" sz="1200" b="0" i="0" dirty="0" smtClean="0">
                         <a:latin typeface="Times New Roman" pitchFamily="18" charset="0"/>
                         <a:cs typeface="Times New Roman" pitchFamily="18" charset="0"/>
                       </a:endParaRPr>
@@ -19854,7 +19989,7 @@
                 </a:tc>
                 <a:extLst>
                   <a:ext uri="{0D108BD9-81ED-4DB2-BD59-A6C34878D82A}">
-                    <a16:rowId xmlns:a16="http://schemas.microsoft.com/office/drawing/2014/main" xmlns="" val="2278183065"/>
+                    <a16:rowId xmlns:a16="http://schemas.microsoft.com/office/drawing/2014/main" val="2278183065"/>
                   </a:ext>
                 </a:extLst>
               </a:tr>
@@ -19902,7 +20037,7 @@
                           <a:latin typeface="Times New Roman" panose="02020603050405020304" pitchFamily="18" charset="0"/>
                           <a:cs typeface="Times New Roman" panose="02020603050405020304" pitchFamily="18" charset="0"/>
                         </a:rPr>
-                        <a:t>885</a:t>
+                        <a:t>851</a:t>
                       </a:r>
                       <a:endParaRPr lang="ru-RU" sz="1000" dirty="0">
                         <a:latin typeface="Times New Roman" pitchFamily="18" charset="0"/>
@@ -20001,203 +20136,11 @@
                 </a:tc>
                 <a:extLst>
                   <a:ext uri="{0D108BD9-81ED-4DB2-BD59-A6C34878D82A}">
-                    <a16:rowId xmlns:a16="http://schemas.microsoft.com/office/drawing/2014/main" xmlns="" val="10001"/>
+                    <a16:rowId xmlns:a16="http://schemas.microsoft.com/office/drawing/2014/main" val="10001"/>
                   </a:ext>
                 </a:extLst>
               </a:tr>
             </a:tbl>
-          </a:graphicData>
-        </a:graphic>
-      </p:graphicFrame>
-      <p:graphicFrame>
-        <p:nvGraphicFramePr>
-          <p:cNvPr id="36871" name="Object 7"/>
-          <p:cNvGraphicFramePr>
-            <a:graphicFrameLocks noChangeAspect="1"/>
-          </p:cNvGraphicFramePr>
-          <p:nvPr>
-            <p:extLst>
-              <p:ext uri="{D42A27DB-BD31-4B8C-83A1-F6EECF244321}">
-                <p14:modId xmlns:p14="http://schemas.microsoft.com/office/powerpoint/2010/main" val="3629735303"/>
-              </p:ext>
-            </p:extLst>
-          </p:nvPr>
-        </p:nvGraphicFramePr>
-        <p:xfrm>
-          <a:off x="4861412" y="886209"/>
-          <a:ext cx="409658" cy="261937"/>
-        </p:xfrm>
-        <a:graphic>
-          <a:graphicData uri="http://schemas.openxmlformats.org/presentationml/2006/ole">
-            <mc:AlternateContent xmlns:mc="http://schemas.openxmlformats.org/markup-compatibility/2006">
-              <mc:Choice xmlns:v="urn:schemas-microsoft-com:vml" Requires="v">
-                <p:oleObj spid="_x0000_s52414" name="Формула" r:id="rId3" imgW="266400" imgH="228600" progId="Equation.3">
-                  <p:embed/>
-                </p:oleObj>
-              </mc:Choice>
-              <mc:Fallback>
-                <p:oleObj name="Формула" r:id="rId3" imgW="266400" imgH="228600" progId="Equation.3">
-                  <p:embed/>
-                  <p:pic>
-                    <p:nvPicPr>
-                      <p:cNvPr id="0" name="Picture 35"/>
-                      <p:cNvPicPr>
-                        <a:picLocks noChangeAspect="1" noChangeArrowheads="1"/>
-                      </p:cNvPicPr>
-                      <p:nvPr/>
-                    </p:nvPicPr>
-                    <p:blipFill>
-                      <a:blip r:embed="rId4"/>
-                      <a:srcRect/>
-                      <a:stretch>
-                        <a:fillRect/>
-                      </a:stretch>
-                    </p:blipFill>
-                    <p:spPr bwMode="auto">
-                      <a:xfrm>
-                        <a:off x="4861412" y="886209"/>
-                        <a:ext cx="409658" cy="261937"/>
-                      </a:xfrm>
-                      <a:prstGeom prst="rect">
-                        <a:avLst/>
-                      </a:prstGeom>
-                      <a:noFill/>
-                      <a:extLst/>
-                    </p:spPr>
-                  </p:pic>
-                </p:oleObj>
-              </mc:Fallback>
-            </mc:AlternateContent>
-          </a:graphicData>
-        </a:graphic>
-      </p:graphicFrame>
-      <p:graphicFrame>
-        <p:nvGraphicFramePr>
-          <p:cNvPr id="36872" name="Object 8"/>
-          <p:cNvGraphicFramePr>
-            <a:graphicFrameLocks noChangeAspect="1"/>
-          </p:cNvGraphicFramePr>
-          <p:nvPr>
-            <p:extLst>
-              <p:ext uri="{D42A27DB-BD31-4B8C-83A1-F6EECF244321}">
-                <p14:modId xmlns:p14="http://schemas.microsoft.com/office/powerpoint/2010/main" val="2907322972"/>
-              </p:ext>
-            </p:extLst>
-          </p:nvPr>
-        </p:nvGraphicFramePr>
-        <p:xfrm>
-          <a:off x="4855178" y="1226331"/>
-          <a:ext cx="727075" cy="207963"/>
-        </p:xfrm>
-        <a:graphic>
-          <a:graphicData uri="http://schemas.openxmlformats.org/presentationml/2006/ole">
-            <mc:AlternateContent xmlns:mc="http://schemas.openxmlformats.org/markup-compatibility/2006">
-              <mc:Choice xmlns:v="urn:schemas-microsoft-com:vml" Requires="v">
-                <p:oleObj spid="_x0000_s52415" name="Формула" r:id="rId5" imgW="558720" imgH="228600" progId="Equation.3">
-                  <p:embed/>
-                </p:oleObj>
-              </mc:Choice>
-              <mc:Fallback>
-                <p:oleObj name="Формула" r:id="rId5" imgW="558720" imgH="228600" progId="Equation.3">
-                  <p:embed/>
-                  <p:pic>
-                    <p:nvPicPr>
-                      <p:cNvPr id="0" name="Picture 36"/>
-                      <p:cNvPicPr>
-                        <a:picLocks noChangeAspect="1" noChangeArrowheads="1"/>
-                      </p:cNvPicPr>
-                      <p:nvPr/>
-                    </p:nvPicPr>
-                    <p:blipFill>
-                      <a:blip r:embed="rId6"/>
-                      <a:srcRect/>
-                      <a:stretch>
-                        <a:fillRect/>
-                      </a:stretch>
-                    </p:blipFill>
-                    <p:spPr bwMode="auto">
-                      <a:xfrm>
-                        <a:off x="4855178" y="1226331"/>
-                        <a:ext cx="727075" cy="207963"/>
-                      </a:xfrm>
-                      <a:prstGeom prst="rect">
-                        <a:avLst/>
-                      </a:prstGeom>
-                      <a:noFill/>
-                      <a:extLst/>
-                    </p:spPr>
-                  </p:pic>
-                </p:oleObj>
-              </mc:Fallback>
-            </mc:AlternateContent>
-          </a:graphicData>
-        </a:graphic>
-      </p:graphicFrame>
-      <p:graphicFrame>
-        <p:nvGraphicFramePr>
-          <p:cNvPr id="36873" name="Object 9"/>
-          <p:cNvGraphicFramePr>
-            <a:graphicFrameLocks noChangeAspect="1"/>
-          </p:cNvGraphicFramePr>
-          <p:nvPr>
-            <p:extLst>
-              <p:ext uri="{D42A27DB-BD31-4B8C-83A1-F6EECF244321}">
-                <p14:modId xmlns:p14="http://schemas.microsoft.com/office/powerpoint/2010/main" val="4117632236"/>
-              </p:ext>
-            </p:extLst>
-          </p:nvPr>
-        </p:nvGraphicFramePr>
-        <p:xfrm>
-          <a:off x="4855178" y="1547094"/>
-          <a:ext cx="454317" cy="197033"/>
-        </p:xfrm>
-        <a:graphic>
-          <a:graphicData uri="http://schemas.openxmlformats.org/presentationml/2006/ole">
-            <mc:AlternateContent xmlns:mc="http://schemas.openxmlformats.org/markup-compatibility/2006">
-              <mc:Choice xmlns:v="urn:schemas-microsoft-com:vml" Requires="v">
-                <p:oleObj spid="_x0000_s52416" name="Формула" r:id="rId7" imgW="330057" imgH="203112" progId="">
-                  <p:embed/>
-                </p:oleObj>
-              </mc:Choice>
-              <mc:Fallback>
-                <p:oleObj name="Формула" r:id="rId7" imgW="330057" imgH="203112" progId="">
-                  <p:embed/>
-                  <p:pic>
-                    <p:nvPicPr>
-                      <p:cNvPr id="0" name="Picture 37"/>
-                      <p:cNvPicPr>
-                        <a:picLocks noChangeAspect="1" noChangeArrowheads="1"/>
-                      </p:cNvPicPr>
-                      <p:nvPr/>
-                    </p:nvPicPr>
-                    <p:blipFill>
-                      <a:blip r:embed="rId8">
-                        <a:extLst>
-                          <a:ext uri="{28A0092B-C50C-407E-A947-70E740481C1C}">
-                            <a14:useLocalDpi xmlns:a14="http://schemas.microsoft.com/office/drawing/2010/main" val="0"/>
-                          </a:ext>
-                        </a:extLst>
-                      </a:blip>
-                      <a:srcRect/>
-                      <a:stretch>
-                        <a:fillRect/>
-                      </a:stretch>
-                    </p:blipFill>
-                    <p:spPr bwMode="auto">
-                      <a:xfrm>
-                        <a:off x="4855178" y="1547094"/>
-                        <a:ext cx="454317" cy="197033"/>
-                      </a:xfrm>
-                      <a:prstGeom prst="rect">
-                        <a:avLst/>
-                      </a:prstGeom>
-                      <a:noFill/>
-                      <a:extLst/>
-                    </p:spPr>
-                  </p:pic>
-                </p:oleObj>
-              </mc:Fallback>
-            </mc:AlternateContent>
           </a:graphicData>
         </a:graphic>
       </p:graphicFrame>
@@ -20259,14 +20202,14 @@
           <p:nvPr/>
         </p:nvPicPr>
         <p:blipFill>
-          <a:blip r:embed="rId9"/>
+          <a:blip r:embed="rId2"/>
           <a:stretch>
             <a:fillRect/>
           </a:stretch>
         </p:blipFill>
         <p:spPr>
           <a:xfrm>
-            <a:off x="1344863" y="1979510"/>
+            <a:off x="1452087" y="1804437"/>
             <a:ext cx="5836386" cy="2522462"/>
           </a:xfrm>
           <a:prstGeom prst="rect">
@@ -20438,8 +20381,8 @@
         </p:nvSpPr>
         <p:spPr bwMode="auto">
           <a:xfrm>
-            <a:off x="8372670" y="4891676"/>
-            <a:ext cx="766664" cy="249242"/>
+            <a:off x="8377334" y="4887831"/>
+            <a:ext cx="766664" cy="253161"/>
           </a:xfrm>
           <a:prstGeom prst="rect">
             <a:avLst/>
@@ -20723,7 +20666,7 @@
         </p:nvSpPr>
         <p:spPr bwMode="auto">
           <a:xfrm>
-            <a:off x="-1" y="4891676"/>
+            <a:off x="0" y="4886400"/>
             <a:ext cx="8377335" cy="1244"/>
           </a:xfrm>
           <a:prstGeom prst="line">
@@ -20772,8 +20715,8 @@
         </p:nvSpPr>
         <p:spPr bwMode="auto">
           <a:xfrm>
-            <a:off x="0" y="4903214"/>
-            <a:ext cx="8395130" cy="238527"/>
+            <a:off x="0" y="4897445"/>
+            <a:ext cx="8377332" cy="238527"/>
           </a:xfrm>
           <a:prstGeom prst="rect">
             <a:avLst/>
@@ -22782,49 +22725,49 @@
                 <a:gridCol w="885562">
                   <a:extLst>
                     <a:ext uri="{9D8B030D-6E8A-4147-A177-3AD203B41FA5}">
-                      <a16:colId xmlns:a16="http://schemas.microsoft.com/office/drawing/2014/main" xmlns="" val="20000"/>
+                      <a16:colId xmlns:a16="http://schemas.microsoft.com/office/drawing/2014/main" val="20000"/>
                     </a:ext>
                   </a:extLst>
                 </a:gridCol>
                 <a:gridCol w="1016848">
                   <a:extLst>
                     <a:ext uri="{9D8B030D-6E8A-4147-A177-3AD203B41FA5}">
-                      <a16:colId xmlns:a16="http://schemas.microsoft.com/office/drawing/2014/main" xmlns="" val="20001"/>
+                      <a16:colId xmlns:a16="http://schemas.microsoft.com/office/drawing/2014/main" val="20001"/>
                     </a:ext>
                   </a:extLst>
                 </a:gridCol>
                 <a:gridCol w="844766">
                   <a:extLst>
                     <a:ext uri="{9D8B030D-6E8A-4147-A177-3AD203B41FA5}">
-                      <a16:colId xmlns:a16="http://schemas.microsoft.com/office/drawing/2014/main" xmlns="" val="20002"/>
+                      <a16:colId xmlns:a16="http://schemas.microsoft.com/office/drawing/2014/main" val="20002"/>
                     </a:ext>
                   </a:extLst>
                 </a:gridCol>
                 <a:gridCol w="790012">
                   <a:extLst>
                     <a:ext uri="{9D8B030D-6E8A-4147-A177-3AD203B41FA5}">
-                      <a16:colId xmlns:a16="http://schemas.microsoft.com/office/drawing/2014/main" xmlns="" val="20003"/>
+                      <a16:colId xmlns:a16="http://schemas.microsoft.com/office/drawing/2014/main" val="20003"/>
                     </a:ext>
                   </a:extLst>
                 </a:gridCol>
                 <a:gridCol w="915163">
                   <a:extLst>
                     <a:ext uri="{9D8B030D-6E8A-4147-A177-3AD203B41FA5}">
-                      <a16:colId xmlns:a16="http://schemas.microsoft.com/office/drawing/2014/main" xmlns="" val="20004"/>
+                      <a16:colId xmlns:a16="http://schemas.microsoft.com/office/drawing/2014/main" val="20004"/>
                     </a:ext>
                   </a:extLst>
                 </a:gridCol>
                 <a:gridCol w="797834">
                   <a:extLst>
                     <a:ext uri="{9D8B030D-6E8A-4147-A177-3AD203B41FA5}">
-                      <a16:colId xmlns:a16="http://schemas.microsoft.com/office/drawing/2014/main" xmlns="" val="20006"/>
+                      <a16:colId xmlns:a16="http://schemas.microsoft.com/office/drawing/2014/main" val="20006"/>
                     </a:ext>
                   </a:extLst>
                 </a:gridCol>
                 <a:gridCol w="841243">
                   <a:extLst>
                     <a:ext uri="{9D8B030D-6E8A-4147-A177-3AD203B41FA5}">
-                      <a16:colId xmlns:a16="http://schemas.microsoft.com/office/drawing/2014/main" xmlns="" val="20005"/>
+                      <a16:colId xmlns:a16="http://schemas.microsoft.com/office/drawing/2014/main" val="20005"/>
                     </a:ext>
                   </a:extLst>
                 </a:gridCol>
@@ -23051,7 +22994,7 @@
                 </a:tc>
                 <a:extLst>
                   <a:ext uri="{0D108BD9-81ED-4DB2-BD59-A6C34878D82A}">
-                    <a16:rowId xmlns:a16="http://schemas.microsoft.com/office/drawing/2014/main" xmlns="" val="10000"/>
+                    <a16:rowId xmlns:a16="http://schemas.microsoft.com/office/drawing/2014/main" val="10000"/>
                   </a:ext>
                 </a:extLst>
               </a:tr>
@@ -23236,7 +23179,7 @@
                 </a:tc>
                 <a:extLst>
                   <a:ext uri="{0D108BD9-81ED-4DB2-BD59-A6C34878D82A}">
-                    <a16:rowId xmlns:a16="http://schemas.microsoft.com/office/drawing/2014/main" xmlns="" val="10001"/>
+                    <a16:rowId xmlns:a16="http://schemas.microsoft.com/office/drawing/2014/main" val="10001"/>
                   </a:ext>
                 </a:extLst>
               </a:tr>
@@ -23381,7 +23324,7 @@
                 </a:tc>
                 <a:extLst>
                   <a:ext uri="{0D108BD9-81ED-4DB2-BD59-A6C34878D82A}">
-                    <a16:rowId xmlns:a16="http://schemas.microsoft.com/office/drawing/2014/main" xmlns="" val="10002"/>
+                    <a16:rowId xmlns:a16="http://schemas.microsoft.com/office/drawing/2014/main" val="10002"/>
                   </a:ext>
                 </a:extLst>
               </a:tr>
@@ -23614,7 +23557,7 @@
                 </a:tc>
                 <a:extLst>
                   <a:ext uri="{0D108BD9-81ED-4DB2-BD59-A6C34878D82A}">
-                    <a16:rowId xmlns:a16="http://schemas.microsoft.com/office/drawing/2014/main" xmlns="" val="10004"/>
+                    <a16:rowId xmlns:a16="http://schemas.microsoft.com/office/drawing/2014/main" val="10004"/>
                   </a:ext>
                 </a:extLst>
               </a:tr>
@@ -23818,7 +23761,7 @@
                 </a:tc>
                 <a:extLst>
                   <a:ext uri="{0D108BD9-81ED-4DB2-BD59-A6C34878D82A}">
-                    <a16:rowId xmlns:a16="http://schemas.microsoft.com/office/drawing/2014/main" xmlns="" val="10005"/>
+                    <a16:rowId xmlns:a16="http://schemas.microsoft.com/office/drawing/2014/main" val="10005"/>
                   </a:ext>
                 </a:extLst>
               </a:tr>
@@ -24003,7 +23946,7 @@
                 </a:tc>
                 <a:extLst>
                   <a:ext uri="{0D108BD9-81ED-4DB2-BD59-A6C34878D82A}">
-                    <a16:rowId xmlns:a16="http://schemas.microsoft.com/office/drawing/2014/main" xmlns="" val="10007"/>
+                    <a16:rowId xmlns:a16="http://schemas.microsoft.com/office/drawing/2014/main" val="10007"/>
                   </a:ext>
                 </a:extLst>
               </a:tr>
@@ -24167,7 +24110,7 @@
                 </a:tc>
                 <a:extLst>
                   <a:ext uri="{0D108BD9-81ED-4DB2-BD59-A6C34878D82A}">
-                    <a16:rowId xmlns:a16="http://schemas.microsoft.com/office/drawing/2014/main" xmlns="" val="10008"/>
+                    <a16:rowId xmlns:a16="http://schemas.microsoft.com/office/drawing/2014/main" val="10008"/>
                   </a:ext>
                 </a:extLst>
               </a:tr>
@@ -24400,7 +24343,7 @@
         </p:nvSpPr>
         <p:spPr>
           <a:xfrm>
-            <a:off x="6356581" y="4194519"/>
+            <a:off x="6212603" y="4194519"/>
             <a:ext cx="2317606" cy="246221"/>
           </a:xfrm>
           <a:prstGeom prst="rect">
@@ -25003,7 +24946,7 @@
         </p:nvSpPr>
         <p:spPr bwMode="auto">
           <a:xfrm>
-            <a:off x="0" y="4891170"/>
+            <a:off x="0" y="4887928"/>
             <a:ext cx="8395130" cy="0"/>
           </a:xfrm>
           <a:prstGeom prst="line">
@@ -25226,8 +25169,8 @@
         </p:nvSpPr>
         <p:spPr>
           <a:xfrm>
-            <a:off x="8377335" y="4891169"/>
-            <a:ext cx="766665" cy="241300"/>
+            <a:off x="8365331" y="4887928"/>
+            <a:ext cx="778670" cy="255572"/>
           </a:xfrm>
           <a:ln w="9525">
             <a:solidFill>
@@ -27105,7 +27048,7 @@
         </p:nvSpPr>
         <p:spPr>
           <a:xfrm>
-            <a:off x="8373590" y="4886606"/>
+            <a:off x="8373590" y="4891228"/>
             <a:ext cx="766665" cy="249243"/>
           </a:xfrm>
           <a:ln w="9525">
@@ -27433,7 +27376,7 @@
           <a:graphicData uri="http://schemas.openxmlformats.org/presentationml/2006/ole">
             <mc:AlternateContent xmlns:mc="http://schemas.openxmlformats.org/markup-compatibility/2006">
               <mc:Choice xmlns:v="urn:schemas-microsoft-com:vml" Requires="v">
-                <p:oleObj spid="_x0000_s50778" name="Формула" r:id="rId3" imgW="317160" imgH="164880" progId="Equation.3">
+                <p:oleObj spid="_x0000_s50810" name="Формула" r:id="rId3" imgW="317160" imgH="164880" progId="Equation.3">
                   <p:embed/>
                 </p:oleObj>
               </mc:Choice>
@@ -27503,7 +27446,7 @@
           <a:graphicData uri="http://schemas.openxmlformats.org/presentationml/2006/ole">
             <mc:AlternateContent xmlns:mc="http://schemas.openxmlformats.org/markup-compatibility/2006">
               <mc:Choice xmlns:v="urn:schemas-microsoft-com:vml" Requires="v">
-                <p:oleObj spid="_x0000_s50779" name="Формула" r:id="rId5" imgW="1307880" imgH="241200" progId="Equation.3">
+                <p:oleObj spid="_x0000_s50811" name="Формула" r:id="rId5" imgW="1307880" imgH="241200" progId="Equation.3">
                   <p:embed/>
                 </p:oleObj>
               </mc:Choice>
@@ -27573,7 +27516,7 @@
           <a:graphicData uri="http://schemas.openxmlformats.org/presentationml/2006/ole">
             <mc:AlternateContent xmlns:mc="http://schemas.openxmlformats.org/markup-compatibility/2006">
               <mc:Choice xmlns:v="urn:schemas-microsoft-com:vml" Requires="v">
-                <p:oleObj spid="_x0000_s50780" name="Формула" r:id="rId7" imgW="596880" imgH="431640" progId="Equation.3">
+                <p:oleObj spid="_x0000_s50812" name="Формула" r:id="rId7" imgW="596880" imgH="431640" progId="Equation.3">
                   <p:embed/>
                 </p:oleObj>
               </mc:Choice>
@@ -27643,7 +27586,7 @@
           <a:graphicData uri="http://schemas.openxmlformats.org/presentationml/2006/ole">
             <mc:AlternateContent xmlns:mc="http://schemas.openxmlformats.org/markup-compatibility/2006">
               <mc:Choice xmlns:v="urn:schemas-microsoft-com:vml" Requires="v">
-                <p:oleObj spid="_x0000_s50781" name="Формула" r:id="rId9" imgW="1028520" imgH="431640" progId="Equation.3">
+                <p:oleObj spid="_x0000_s50813" name="Формула" r:id="rId9" imgW="1028520" imgH="431640" progId="Equation.3">
                   <p:embed/>
                 </p:oleObj>
               </mc:Choice>
@@ -27713,7 +27656,7 @@
           <a:graphicData uri="http://schemas.openxmlformats.org/presentationml/2006/ole">
             <mc:AlternateContent xmlns:mc="http://schemas.openxmlformats.org/markup-compatibility/2006">
               <mc:Choice xmlns:v="urn:schemas-microsoft-com:vml" Requires="v">
-                <p:oleObj spid="_x0000_s50782" name="Формула" r:id="rId11" imgW="1282680" imgH="228600" progId="Equation.3">
+                <p:oleObj spid="_x0000_s50814" name="Формула" r:id="rId11" imgW="1282680" imgH="228600" progId="Equation.3">
                   <p:embed/>
                 </p:oleObj>
               </mc:Choice>
@@ -27783,7 +27726,7 @@
           <a:graphicData uri="http://schemas.openxmlformats.org/presentationml/2006/ole">
             <mc:AlternateContent xmlns:mc="http://schemas.openxmlformats.org/markup-compatibility/2006">
               <mc:Choice xmlns:v="urn:schemas-microsoft-com:vml" Requires="v">
-                <p:oleObj spid="_x0000_s50783" name="Формула" r:id="rId13" imgW="1130040" imgH="431640" progId="Equation.3">
+                <p:oleObj spid="_x0000_s50815" name="Формула" r:id="rId13" imgW="1130040" imgH="431640" progId="Equation.3">
                   <p:embed/>
                 </p:oleObj>
               </mc:Choice>
@@ -27853,7 +27796,7 @@
           <a:graphicData uri="http://schemas.openxmlformats.org/presentationml/2006/ole">
             <mc:AlternateContent xmlns:mc="http://schemas.openxmlformats.org/markup-compatibility/2006">
               <mc:Choice xmlns:v="urn:schemas-microsoft-com:vml" Requires="v">
-                <p:oleObj spid="_x0000_s50784" name="Формула" r:id="rId15" imgW="1447560" imgH="495000" progId="Equation.3">
+                <p:oleObj spid="_x0000_s50816" name="Формула" r:id="rId15" imgW="1447560" imgH="495000" progId="Equation.3">
                   <p:embed/>
                 </p:oleObj>
               </mc:Choice>
@@ -27923,7 +27866,7 @@
           <a:graphicData uri="http://schemas.openxmlformats.org/presentationml/2006/ole">
             <mc:AlternateContent xmlns:mc="http://schemas.openxmlformats.org/markup-compatibility/2006">
               <mc:Choice xmlns:v="urn:schemas-microsoft-com:vml" Requires="v">
-                <p:oleObj spid="_x0000_s50785" name="Формула" r:id="rId17" imgW="749160" imgH="241200" progId="Equation.3">
+                <p:oleObj spid="_x0000_s50817" name="Формула" r:id="rId17" imgW="749160" imgH="241200" progId="Equation.3">
                   <p:embed/>
                 </p:oleObj>
               </mc:Choice>
@@ -27993,7 +27936,7 @@
           <a:graphicData uri="http://schemas.openxmlformats.org/presentationml/2006/ole">
             <mc:AlternateContent xmlns:mc="http://schemas.openxmlformats.org/markup-compatibility/2006">
               <mc:Choice xmlns:v="urn:schemas-microsoft-com:vml" Requires="v">
-                <p:oleObj spid="_x0000_s50786" name="Формула" r:id="rId19" imgW="1206360" imgH="241200" progId="Equation.3">
+                <p:oleObj spid="_x0000_s50818" name="Формула" r:id="rId19" imgW="1206360" imgH="241200" progId="Equation.3">
                   <p:embed/>
                 </p:oleObj>
               </mc:Choice>
@@ -28063,7 +28006,7 @@
           <a:graphicData uri="http://schemas.openxmlformats.org/presentationml/2006/ole">
             <mc:AlternateContent xmlns:mc="http://schemas.openxmlformats.org/markup-compatibility/2006">
               <mc:Choice xmlns:v="urn:schemas-microsoft-com:vml" Requires="v">
-                <p:oleObj spid="_x0000_s50787" name="Формула" r:id="rId21" imgW="634680" imgH="393480" progId="Equation.3">
+                <p:oleObj spid="_x0000_s50819" name="Формула" r:id="rId21" imgW="634680" imgH="393480" progId="Equation.3">
                   <p:embed/>
                 </p:oleObj>
               </mc:Choice>
@@ -28133,7 +28076,7 @@
           <a:graphicData uri="http://schemas.openxmlformats.org/presentationml/2006/ole">
             <mc:AlternateContent xmlns:mc="http://schemas.openxmlformats.org/markup-compatibility/2006">
               <mc:Choice xmlns:v="urn:schemas-microsoft-com:vml" Requires="v">
-                <p:oleObj spid="_x0000_s50788" name="Уравнение" r:id="rId23" imgW="4356000" imgH="482400" progId="Equation.3">
+                <p:oleObj spid="_x0000_s50820" name="Уравнение" r:id="rId23" imgW="4356000" imgH="482400" progId="Equation.3">
                   <p:embed/>
                 </p:oleObj>
               </mc:Choice>
@@ -28203,7 +28146,7 @@
           <a:graphicData uri="http://schemas.openxmlformats.org/presentationml/2006/ole">
             <mc:AlternateContent xmlns:mc="http://schemas.openxmlformats.org/markup-compatibility/2006">
               <mc:Choice xmlns:v="urn:schemas-microsoft-com:vml" Requires="v">
-                <p:oleObj spid="_x0000_s50789" name="Формула" r:id="rId25" imgW="2946240" imgH="431640" progId="Equation.3">
+                <p:oleObj spid="_x0000_s50821" name="Формула" r:id="rId25" imgW="2946240" imgH="431640" progId="Equation.3">
                   <p:embed/>
                 </p:oleObj>
               </mc:Choice>
@@ -29358,7 +29301,7 @@
           <a:graphicData uri="http://schemas.openxmlformats.org/presentationml/2006/ole">
             <mc:AlternateContent xmlns:mc="http://schemas.openxmlformats.org/markup-compatibility/2006">
               <mc:Choice xmlns:v="urn:schemas-microsoft-com:vml" Requires="v">
-                <p:oleObj spid="_x0000_s50790" name="Picture" r:id="rId27" imgW="5861465" imgH="2543447" progId="Word.Picture.8">
+                <p:oleObj spid="_x0000_s50822" name="Picture" r:id="rId27" imgW="5861465" imgH="2543447" progId="Word.Picture.8">
                   <p:embed/>
                 </p:oleObj>
               </mc:Choice>
@@ -29590,7 +29533,7 @@
           <a:graphicData uri="http://schemas.openxmlformats.org/presentationml/2006/ole">
             <mc:AlternateContent xmlns:mc="http://schemas.openxmlformats.org/markup-compatibility/2006">
               <mc:Choice xmlns:v="urn:schemas-microsoft-com:vml" Requires="v">
-                <p:oleObj spid="_x0000_s50791" name="Уравнение" r:id="rId29" imgW="3593880" imgH="965160" progId="Equation.3">
+                <p:oleObj spid="_x0000_s50823" name="Уравнение" r:id="rId29" imgW="3593880" imgH="965160" progId="Equation.3">
                   <p:embed/>
                 </p:oleObj>
               </mc:Choice>
@@ -29660,7 +29603,7 @@
           <a:graphicData uri="http://schemas.openxmlformats.org/presentationml/2006/ole">
             <mc:AlternateContent xmlns:mc="http://schemas.openxmlformats.org/markup-compatibility/2006">
               <mc:Choice xmlns:v="urn:schemas-microsoft-com:vml" Requires="v">
-                <p:oleObj spid="_x0000_s50792" name="Уравнение" r:id="rId31" imgW="1739880" imgH="241200" progId="Equation.3">
+                <p:oleObj spid="_x0000_s50824" name="Уравнение" r:id="rId31" imgW="1739880" imgH="241200" progId="Equation.3">
                   <p:embed/>
                 </p:oleObj>
               </mc:Choice>
@@ -29730,7 +29673,7 @@
           <a:graphicData uri="http://schemas.openxmlformats.org/presentationml/2006/ole">
             <mc:AlternateContent xmlns:mc="http://schemas.openxmlformats.org/markup-compatibility/2006">
               <mc:Choice xmlns:v="urn:schemas-microsoft-com:vml" Requires="v">
-                <p:oleObj spid="_x0000_s50793" name="Уравнение" r:id="rId33" imgW="1130040" imgH="393480" progId="Equation.3">
+                <p:oleObj spid="_x0000_s50825" name="Уравнение" r:id="rId33" imgW="1130040" imgH="393480" progId="Equation.3">
                   <p:embed/>
                 </p:oleObj>
               </mc:Choice>
@@ -31028,7 +30971,7 @@
         </p:nvSpPr>
         <p:spPr bwMode="auto">
           <a:xfrm>
-            <a:off x="0" y="4891170"/>
+            <a:off x="0" y="4892483"/>
             <a:ext cx="8395130" cy="0"/>
           </a:xfrm>
           <a:prstGeom prst="line">
@@ -31676,7 +31619,7 @@
           <a:graphicData uri="http://schemas.openxmlformats.org/presentationml/2006/ole">
             <mc:AlternateContent xmlns:mc="http://schemas.openxmlformats.org/markup-compatibility/2006">
               <mc:Choice xmlns:v="urn:schemas-microsoft-com:vml" Requires="v">
-                <p:oleObj spid="_x0000_s51610" name="Формула" r:id="rId3" imgW="545760" imgH="241200" progId="Equation.3">
+                <p:oleObj spid="_x0000_s51630" name="Формула" r:id="rId3" imgW="545760" imgH="241200" progId="Equation.3">
                   <p:embed/>
                 </p:oleObj>
               </mc:Choice>
@@ -31971,7 +31914,7 @@
           <a:graphicData uri="http://schemas.openxmlformats.org/presentationml/2006/ole">
             <mc:AlternateContent xmlns:mc="http://schemas.openxmlformats.org/markup-compatibility/2006">
               <mc:Choice xmlns:v="urn:schemas-microsoft-com:vml" Requires="v">
-                <p:oleObj spid="_x0000_s51611" name="Формула" r:id="rId5" imgW="1485720" imgH="609480" progId="Equation.3">
+                <p:oleObj spid="_x0000_s51631" name="Формула" r:id="rId5" imgW="1485720" imgH="609480" progId="Equation.3">
                   <p:embed/>
                 </p:oleObj>
               </mc:Choice>
@@ -32041,7 +31984,7 @@
           <a:graphicData uri="http://schemas.openxmlformats.org/presentationml/2006/ole">
             <mc:AlternateContent xmlns:mc="http://schemas.openxmlformats.org/markup-compatibility/2006">
               <mc:Choice xmlns:v="urn:schemas-microsoft-com:vml" Requires="v">
-                <p:oleObj spid="_x0000_s51612" name="Документ" r:id="rId7" imgW="5046662" imgH="2540557" progId="Word.Document.12">
+                <p:oleObj spid="_x0000_s51632" name="Документ" r:id="rId7" imgW="5046662" imgH="2540557" progId="Word.Document.12">
                   <p:embed/>
                 </p:oleObj>
               </mc:Choice>
@@ -32165,7 +32108,7 @@
           <a:graphicData uri="http://schemas.openxmlformats.org/presentationml/2006/ole">
             <mc:AlternateContent xmlns:mc="http://schemas.openxmlformats.org/markup-compatibility/2006">
               <mc:Choice xmlns:v="urn:schemas-microsoft-com:vml" Requires="v">
-                <p:oleObj spid="_x0000_s51613" name="Формула" r:id="rId9" imgW="1307880" imgH="482400" progId="Equation.3">
+                <p:oleObj spid="_x0000_s51633" name="Формула" r:id="rId9" imgW="1307880" imgH="482400" progId="Equation.3">
                   <p:embed/>
                 </p:oleObj>
               </mc:Choice>
@@ -32339,7 +32282,7 @@
           <a:graphicData uri="http://schemas.openxmlformats.org/presentationml/2006/ole">
             <mc:AlternateContent xmlns:mc="http://schemas.openxmlformats.org/markup-compatibility/2006">
               <mc:Choice xmlns:v="urn:schemas-microsoft-com:vml" Requires="v">
-                <p:oleObj spid="_x0000_s51614" name="Формула" r:id="rId11" imgW="1726920" imgH="266400" progId="Equation.3">
+                <p:oleObj spid="_x0000_s51634" name="Формула" r:id="rId11" imgW="1726920" imgH="266400" progId="Equation.3">
                   <p:embed/>
                 </p:oleObj>
               </mc:Choice>
@@ -32409,7 +32352,7 @@
           <a:graphicData uri="http://schemas.openxmlformats.org/presentationml/2006/ole">
             <mc:AlternateContent xmlns:mc="http://schemas.openxmlformats.org/markup-compatibility/2006">
               <mc:Choice xmlns:v="urn:schemas-microsoft-com:vml" Requires="v">
-                <p:oleObj spid="_x0000_s51615" name="Формула" r:id="rId13" imgW="2044440" imgH="520560" progId="Equation.3">
+                <p:oleObj spid="_x0000_s51635" name="Формула" r:id="rId13" imgW="2044440" imgH="520560" progId="Equation.3">
                   <p:embed/>
                 </p:oleObj>
               </mc:Choice>
@@ -32479,7 +32422,7 @@
           <a:graphicData uri="http://schemas.openxmlformats.org/presentationml/2006/ole">
             <mc:AlternateContent xmlns:mc="http://schemas.openxmlformats.org/markup-compatibility/2006">
               <mc:Choice xmlns:v="urn:schemas-microsoft-com:vml" Requires="v">
-                <p:oleObj spid="_x0000_s51616" name="Формула" r:id="rId15" imgW="1041120" imgH="444240" progId="Equation.3">
+                <p:oleObj spid="_x0000_s51636" name="Формула" r:id="rId15" imgW="1041120" imgH="444240" progId="Equation.3">
                   <p:embed/>
                 </p:oleObj>
               </mc:Choice>
@@ -32549,7 +32492,7 @@
           <a:graphicData uri="http://schemas.openxmlformats.org/presentationml/2006/ole">
             <mc:AlternateContent xmlns:mc="http://schemas.openxmlformats.org/markup-compatibility/2006">
               <mc:Choice xmlns:v="urn:schemas-microsoft-com:vml" Requires="v">
-                <p:oleObj spid="_x0000_s51617" name="Формула" r:id="rId17" imgW="2501640" imgH="533160" progId="Equation.3">
+                <p:oleObj spid="_x0000_s51637" name="Формула" r:id="rId17" imgW="2501640" imgH="533160" progId="Equation.3">
                   <p:embed/>
                 </p:oleObj>
               </mc:Choice>
@@ -33470,7 +33413,7 @@
           <a:graphicData uri="http://schemas.openxmlformats.org/presentationml/2006/ole">
             <mc:AlternateContent xmlns:mc="http://schemas.openxmlformats.org/markup-compatibility/2006">
               <mc:Choice xmlns:v="urn:schemas-microsoft-com:vml" Requires="v">
-                <p:oleObj spid="_x0000_s51618" name="Формула" r:id="rId19" imgW="698400" imgH="241200" progId="Equation.3">
+                <p:oleObj spid="_x0000_s51638" name="Формула" r:id="rId19" imgW="698400" imgH="241200" progId="Equation.3">
                   <p:embed/>
                 </p:oleObj>
               </mc:Choice>
@@ -33540,7 +33483,7 @@
           <a:graphicData uri="http://schemas.openxmlformats.org/presentationml/2006/ole">
             <mc:AlternateContent xmlns:mc="http://schemas.openxmlformats.org/markup-compatibility/2006">
               <mc:Choice xmlns:v="urn:schemas-microsoft-com:vml" Requires="v">
-                <p:oleObj spid="_x0000_s51619" name="Формула" r:id="rId21" imgW="825480" imgH="330120" progId="Equation.3">
+                <p:oleObj spid="_x0000_s51639" name="Формула" r:id="rId21" imgW="825480" imgH="330120" progId="Equation.3">
                   <p:embed/>
                 </p:oleObj>
               </mc:Choice>
@@ -34656,7 +34599,7 @@
           <a:graphicData uri="http://schemas.openxmlformats.org/presentationml/2006/ole">
             <mc:AlternateContent xmlns:mc="http://schemas.openxmlformats.org/markup-compatibility/2006">
               <mc:Choice xmlns:v="urn:schemas-microsoft-com:vml" Requires="v">
-                <p:oleObj spid="_x0000_s45799" name="Формула" r:id="rId3" imgW="1409400" imgH="215640" progId="Equation.3">
+                <p:oleObj spid="_x0000_s45803" name="Формула" r:id="rId3" imgW="1409400" imgH="215640" progId="Equation.3">
                   <p:embed/>
                 </p:oleObj>
               </mc:Choice>
@@ -34713,7 +34656,7 @@
           <a:graphicData uri="http://schemas.openxmlformats.org/presentationml/2006/ole">
             <mc:AlternateContent xmlns:mc="http://schemas.openxmlformats.org/markup-compatibility/2006">
               <mc:Choice xmlns:v="urn:schemas-microsoft-com:vml" Requires="v">
-                <p:oleObj spid="_x0000_s45800" name="Уравнение" r:id="rId5" imgW="1079280" imgH="241200" progId="Equation.3">
+                <p:oleObj spid="_x0000_s45804" name="Уравнение" r:id="rId5" imgW="1079280" imgH="241200" progId="Equation.3">
                   <p:embed/>
                 </p:oleObj>
               </mc:Choice>
@@ -35237,14 +35180,14 @@
                     <a:gridCol w="2307912">
                       <a:extLst>
                         <a:ext uri="{9D8B030D-6E8A-4147-A177-3AD203B41FA5}">
-                          <a16:colId xmlns:a16="http://schemas.microsoft.com/office/drawing/2014/main" xmlns="" val="20000"/>
+                          <a16:colId xmlns:a16="http://schemas.microsoft.com/office/drawing/2014/main" val="20000"/>
                         </a:ext>
                       </a:extLst>
                     </a:gridCol>
                     <a:gridCol w="1391700">
                       <a:extLst>
                         <a:ext uri="{9D8B030D-6E8A-4147-A177-3AD203B41FA5}">
-                          <a16:colId xmlns:a16="http://schemas.microsoft.com/office/drawing/2014/main" xmlns="" val="20001"/>
+                          <a16:colId xmlns:a16="http://schemas.microsoft.com/office/drawing/2014/main" val="20001"/>
                         </a:ext>
                       </a:extLst>
                     </a:gridCol>
@@ -35294,7 +35237,7 @@
                     </a:tc>
                     <a:extLst>
                       <a:ext uri="{0D108BD9-81ED-4DB2-BD59-A6C34878D82A}">
-                        <a16:rowId xmlns:a16="http://schemas.microsoft.com/office/drawing/2014/main" xmlns="" val="10000"/>
+                        <a16:rowId xmlns:a16="http://schemas.microsoft.com/office/drawing/2014/main" val="10000"/>
                       </a:ext>
                     </a:extLst>
                   </a:tr>
@@ -35369,7 +35312,7 @@
                     </a:tc>
                     <a:extLst>
                       <a:ext uri="{0D108BD9-81ED-4DB2-BD59-A6C34878D82A}">
-                        <a16:rowId xmlns:a16="http://schemas.microsoft.com/office/drawing/2014/main" xmlns="" val="10001"/>
+                        <a16:rowId xmlns:a16="http://schemas.microsoft.com/office/drawing/2014/main" val="10001"/>
                       </a:ext>
                     </a:extLst>
                   </a:tr>
@@ -35454,7 +35397,7 @@
                     </a:tc>
                     <a:extLst>
                       <a:ext uri="{0D108BD9-81ED-4DB2-BD59-A6C34878D82A}">
-                        <a16:rowId xmlns:a16="http://schemas.microsoft.com/office/drawing/2014/main" xmlns="" val="10002"/>
+                        <a16:rowId xmlns:a16="http://schemas.microsoft.com/office/drawing/2014/main" val="10002"/>
                       </a:ext>
                     </a:extLst>
                   </a:tr>
@@ -35555,7 +35498,7 @@
                     </a:tc>
                     <a:extLst>
                       <a:ext uri="{0D108BD9-81ED-4DB2-BD59-A6C34878D82A}">
-                        <a16:rowId xmlns:a16="http://schemas.microsoft.com/office/drawing/2014/main" xmlns="" val="10003"/>
+                        <a16:rowId xmlns:a16="http://schemas.microsoft.com/office/drawing/2014/main" val="10003"/>
                       </a:ext>
                     </a:extLst>
                   </a:tr>
@@ -35613,7 +35556,7 @@
                     </a:tc>
                     <a:extLst>
                       <a:ext uri="{0D108BD9-81ED-4DB2-BD59-A6C34878D82A}">
-                        <a16:rowId xmlns:a16="http://schemas.microsoft.com/office/drawing/2014/main" xmlns="" val="10004"/>
+                        <a16:rowId xmlns:a16="http://schemas.microsoft.com/office/drawing/2014/main" val="10004"/>
                       </a:ext>
                     </a:extLst>
                   </a:tr>
@@ -35727,7 +35670,7 @@
                     </a:tc>
                     <a:extLst>
                       <a:ext uri="{0D108BD9-81ED-4DB2-BD59-A6C34878D82A}">
-                        <a16:rowId xmlns:a16="http://schemas.microsoft.com/office/drawing/2014/main" xmlns="" val="10005"/>
+                        <a16:rowId xmlns:a16="http://schemas.microsoft.com/office/drawing/2014/main" val="10005"/>
                       </a:ext>
                     </a:extLst>
                   </a:tr>
@@ -35783,7 +35726,7 @@
                     </a:tc>
                     <a:extLst>
                       <a:ext uri="{0D108BD9-81ED-4DB2-BD59-A6C34878D82A}">
-                        <a16:rowId xmlns:a16="http://schemas.microsoft.com/office/drawing/2014/main" xmlns="" val="10006"/>
+                        <a16:rowId xmlns:a16="http://schemas.microsoft.com/office/drawing/2014/main" val="10006"/>
                       </a:ext>
                     </a:extLst>
                   </a:tr>
@@ -36747,7 +36690,7 @@
         </p:nvSpPr>
         <p:spPr>
           <a:xfrm>
-            <a:off x="8377335" y="4894257"/>
+            <a:off x="8377335" y="4891170"/>
             <a:ext cx="766665" cy="249243"/>
           </a:xfrm>
           <a:ln w="9525">
@@ -36886,7 +36829,7 @@
           <a:graphicData uri="http://schemas.openxmlformats.org/presentationml/2006/ole">
             <mc:AlternateContent xmlns:mc="http://schemas.openxmlformats.org/markup-compatibility/2006">
               <mc:Choice xmlns:v="urn:schemas-microsoft-com:vml" Requires="v">
-                <p:oleObj spid="_x0000_s53428" name="Формула" r:id="rId3" imgW="2095200" imgH="228600" progId="Equation.3">
+                <p:oleObj spid="_x0000_s53464" name="Формула" r:id="rId3" imgW="2095200" imgH="228600" progId="Equation.3">
                   <p:embed/>
                 </p:oleObj>
               </mc:Choice>
@@ -36956,7 +36899,7 @@
           <a:graphicData uri="http://schemas.openxmlformats.org/presentationml/2006/ole">
             <mc:AlternateContent xmlns:mc="http://schemas.openxmlformats.org/markup-compatibility/2006">
               <mc:Choice xmlns:v="urn:schemas-microsoft-com:vml" Requires="v">
-                <p:oleObj spid="_x0000_s53429" name="Формула" r:id="rId5" imgW="736560" imgH="228600" progId="Equation.3">
+                <p:oleObj spid="_x0000_s53465" name="Формула" r:id="rId5" imgW="736560" imgH="228600" progId="Equation.3">
                   <p:embed/>
                 </p:oleObj>
               </mc:Choice>
@@ -37463,7 +37406,7 @@
           <a:graphicData uri="http://schemas.openxmlformats.org/presentationml/2006/ole">
             <mc:AlternateContent xmlns:mc="http://schemas.openxmlformats.org/markup-compatibility/2006">
               <mc:Choice xmlns:v="urn:schemas-microsoft-com:vml" Requires="v">
-                <p:oleObj spid="_x0000_s53430" name="Формула" r:id="rId7" imgW="1143000" imgH="228600" progId="Equation.3">
+                <p:oleObj spid="_x0000_s53466" name="Формула" r:id="rId7" imgW="1143000" imgH="228600" progId="Equation.3">
                   <p:embed/>
                 </p:oleObj>
               </mc:Choice>
@@ -37533,7 +37476,7 @@
           <a:graphicData uri="http://schemas.openxmlformats.org/presentationml/2006/ole">
             <mc:AlternateContent xmlns:mc="http://schemas.openxmlformats.org/markup-compatibility/2006">
               <mc:Choice xmlns:v="urn:schemas-microsoft-com:vml" Requires="v">
-                <p:oleObj spid="_x0000_s53431" name="Формула" r:id="rId9" imgW="812520" imgH="228600" progId="Equation.3">
+                <p:oleObj spid="_x0000_s53467" name="Формула" r:id="rId9" imgW="812520" imgH="228600" progId="Equation.3">
                   <p:embed/>
                 </p:oleObj>
               </mc:Choice>
@@ -37603,7 +37546,7 @@
           <a:graphicData uri="http://schemas.openxmlformats.org/presentationml/2006/ole">
             <mc:AlternateContent xmlns:mc="http://schemas.openxmlformats.org/markup-compatibility/2006">
               <mc:Choice xmlns:v="urn:schemas-microsoft-com:vml" Requires="v">
-                <p:oleObj spid="_x0000_s53432" name="Формула" r:id="rId11" imgW="253800" imgH="228600" progId="Equation.3">
+                <p:oleObj spid="_x0000_s53468" name="Формула" r:id="rId11" imgW="253800" imgH="228600" progId="Equation.3">
                   <p:embed/>
                 </p:oleObj>
               </mc:Choice>
@@ -37726,7 +37669,7 @@
           <a:graphicData uri="http://schemas.openxmlformats.org/presentationml/2006/ole">
             <mc:AlternateContent xmlns:mc="http://schemas.openxmlformats.org/markup-compatibility/2006">
               <mc:Choice xmlns:v="urn:schemas-microsoft-com:vml" Requires="v">
-                <p:oleObj spid="_x0000_s53433" name="Формула" r:id="rId13" imgW="241200" imgH="228600" progId="Equation.3">
+                <p:oleObj spid="_x0000_s53469" name="Формула" r:id="rId13" imgW="241200" imgH="228600" progId="Equation.3">
                   <p:embed/>
                 </p:oleObj>
               </mc:Choice>
@@ -37796,7 +37739,7 @@
           <a:graphicData uri="http://schemas.openxmlformats.org/presentationml/2006/ole">
             <mc:AlternateContent xmlns:mc="http://schemas.openxmlformats.org/markup-compatibility/2006">
               <mc:Choice xmlns:v="urn:schemas-microsoft-com:vml" Requires="v">
-                <p:oleObj spid="_x0000_s53434" name="Формула" r:id="rId15" imgW="1447560" imgH="482400" progId="Equation.3">
+                <p:oleObj spid="_x0000_s53470" name="Формула" r:id="rId15" imgW="1447560" imgH="482400" progId="Equation.3">
                   <p:embed/>
                 </p:oleObj>
               </mc:Choice>
@@ -38022,7 +37965,7 @@
           <a:graphicData uri="http://schemas.openxmlformats.org/presentationml/2006/ole">
             <mc:AlternateContent xmlns:mc="http://schemas.openxmlformats.org/markup-compatibility/2006">
               <mc:Choice xmlns:v="urn:schemas-microsoft-com:vml" Requires="v">
-                <p:oleObj spid="_x0000_s53435" name="Уравнение" r:id="rId17" imgW="1422360" imgH="241200" progId="Equation.3">
+                <p:oleObj spid="_x0000_s53471" name="Уравнение" r:id="rId17" imgW="1422360" imgH="241200" progId="Equation.3">
                   <p:embed/>
                 </p:oleObj>
               </mc:Choice>
@@ -38092,7 +38035,7 @@
           <a:graphicData uri="http://schemas.openxmlformats.org/presentationml/2006/ole">
             <mc:AlternateContent xmlns:mc="http://schemas.openxmlformats.org/markup-compatibility/2006">
               <mc:Choice xmlns:v="urn:schemas-microsoft-com:vml" Requires="v">
-                <p:oleObj spid="_x0000_s53436" name="Формула" r:id="rId19" imgW="1168200" imgH="266400" progId="Equation.3">
+                <p:oleObj spid="_x0000_s53472" name="Формула" r:id="rId19" imgW="1168200" imgH="266400" progId="Equation.3">
                   <p:embed/>
                 </p:oleObj>
               </mc:Choice>
@@ -38162,7 +38105,7 @@
           <a:graphicData uri="http://schemas.openxmlformats.org/presentationml/2006/ole">
             <mc:AlternateContent xmlns:mc="http://schemas.openxmlformats.org/markup-compatibility/2006">
               <mc:Choice xmlns:v="urn:schemas-microsoft-com:vml" Requires="v">
-                <p:oleObj spid="_x0000_s53437" name="Уравнение" r:id="rId21" imgW="330120" imgH="241200" progId="Equation.3">
+                <p:oleObj spid="_x0000_s53473" name="Уравнение" r:id="rId21" imgW="330120" imgH="241200" progId="Equation.3">
                   <p:embed/>
                 </p:oleObj>
               </mc:Choice>
@@ -38232,7 +38175,7 @@
           <a:graphicData uri="http://schemas.openxmlformats.org/presentationml/2006/ole">
             <mc:AlternateContent xmlns:mc="http://schemas.openxmlformats.org/markup-compatibility/2006">
               <mc:Choice xmlns:v="urn:schemas-microsoft-com:vml" Requires="v">
-                <p:oleObj spid="_x0000_s53438" name="Формула" r:id="rId23" imgW="850680" imgH="241200" progId="Equation.3">
+                <p:oleObj spid="_x0000_s53474" name="Формула" r:id="rId23" imgW="850680" imgH="241200" progId="Equation.3">
                   <p:embed/>
                 </p:oleObj>
               </mc:Choice>
@@ -38450,7 +38393,7 @@
           <a:graphicData uri="http://schemas.openxmlformats.org/presentationml/2006/ole">
             <mc:AlternateContent xmlns:mc="http://schemas.openxmlformats.org/markup-compatibility/2006">
               <mc:Choice xmlns:v="urn:schemas-microsoft-com:vml" Requires="v">
-                <p:oleObj spid="_x0000_s53439" name="Формула" r:id="rId25" imgW="3454200" imgH="253800" progId="Equation.3">
+                <p:oleObj spid="_x0000_s53475" name="Формула" r:id="rId25" imgW="3454200" imgH="253800" progId="Equation.3">
                   <p:embed/>
                 </p:oleObj>
               </mc:Choice>
@@ -38700,7 +38643,7 @@
           <a:graphicData uri="http://schemas.openxmlformats.org/presentationml/2006/ole">
             <mc:AlternateContent xmlns:mc="http://schemas.openxmlformats.org/markup-compatibility/2006">
               <mc:Choice xmlns:v="urn:schemas-microsoft-com:vml" Requires="v">
-                <p:oleObj spid="_x0000_s53440" name="Уравнение" r:id="rId27" imgW="1307880" imgH="431640" progId="Equation.3">
+                <p:oleObj spid="_x0000_s53476" name="Уравнение" r:id="rId27" imgW="1307880" imgH="431640" progId="Equation.3">
                   <p:embed/>
                 </p:oleObj>
               </mc:Choice>
@@ -38818,7 +38761,7 @@
           <a:graphicData uri="http://schemas.openxmlformats.org/presentationml/2006/ole">
             <mc:AlternateContent xmlns:mc="http://schemas.openxmlformats.org/markup-compatibility/2006">
               <mc:Choice xmlns:v="urn:schemas-microsoft-com:vml" Requires="v">
-                <p:oleObj spid="_x0000_s53441" name="Формула" r:id="rId29" imgW="1955520" imgH="393480" progId="Equation.3">
+                <p:oleObj spid="_x0000_s53477" name="Формула" r:id="rId29" imgW="1955520" imgH="393480" progId="Equation.3">
                   <p:embed/>
                 </p:oleObj>
               </mc:Choice>
@@ -38888,7 +38831,7 @@
           <a:graphicData uri="http://schemas.openxmlformats.org/presentationml/2006/ole">
             <mc:AlternateContent xmlns:mc="http://schemas.openxmlformats.org/markup-compatibility/2006">
               <mc:Choice xmlns:v="urn:schemas-microsoft-com:vml" Requires="v">
-                <p:oleObj spid="_x0000_s53442" name="Формула" r:id="rId31" imgW="2844720" imgH="393480" progId="Equation.3">
+                <p:oleObj spid="_x0000_s53478" name="Формула" r:id="rId31" imgW="2844720" imgH="393480" progId="Equation.3">
                   <p:embed/>
                 </p:oleObj>
               </mc:Choice>
@@ -38958,7 +38901,7 @@
           <a:graphicData uri="http://schemas.openxmlformats.org/presentationml/2006/ole">
             <mc:AlternateContent xmlns:mc="http://schemas.openxmlformats.org/markup-compatibility/2006">
               <mc:Choice xmlns:v="urn:schemas-microsoft-com:vml" Requires="v">
-                <p:oleObj spid="_x0000_s53443" name="Уравнение" r:id="rId33" imgW="1460160" imgH="393480" progId="Equation.3">
+                <p:oleObj spid="_x0000_s53479" name="Уравнение" r:id="rId33" imgW="1460160" imgH="393480" progId="Equation.3">
                   <p:embed/>
                 </p:oleObj>
               </mc:Choice>
@@ -39028,7 +38971,7 @@
           <a:graphicData uri="http://schemas.openxmlformats.org/presentationml/2006/ole">
             <mc:AlternateContent xmlns:mc="http://schemas.openxmlformats.org/markup-compatibility/2006">
               <mc:Choice xmlns:v="urn:schemas-microsoft-com:vml" Requires="v">
-                <p:oleObj spid="_x0000_s53444" name="Формула" r:id="rId35" imgW="1346040" imgH="393480" progId="Equation.3">
+                <p:oleObj spid="_x0000_s53480" name="Формула" r:id="rId35" imgW="1346040" imgH="393480" progId="Equation.3">
                   <p:embed/>
                 </p:oleObj>
               </mc:Choice>
@@ -39098,7 +39041,7 @@
           <a:graphicData uri="http://schemas.openxmlformats.org/presentationml/2006/ole">
             <mc:AlternateContent xmlns:mc="http://schemas.openxmlformats.org/markup-compatibility/2006">
               <mc:Choice xmlns:v="urn:schemas-microsoft-com:vml" Requires="v">
-                <p:oleObj spid="_x0000_s53445" name="Формула" r:id="rId37" imgW="647640" imgH="228600" progId="Equation.3">
+                <p:oleObj spid="_x0000_s53481" name="Формула" r:id="rId37" imgW="647640" imgH="228600" progId="Equation.3">
                   <p:embed/>
                 </p:oleObj>
               </mc:Choice>
@@ -40080,7 +40023,7 @@
           <a:graphicData uri="http://schemas.openxmlformats.org/presentationml/2006/ole">
             <mc:AlternateContent xmlns:mc="http://schemas.openxmlformats.org/markup-compatibility/2006">
               <mc:Choice xmlns:v="urn:schemas-microsoft-com:vml" Requires="v">
-                <p:oleObj spid="_x0000_s49899" name="Формула" r:id="rId3" imgW="1422360" imgH="393480" progId="Equation.3">
+                <p:oleObj spid="_x0000_s49929" name="Формула" r:id="rId3" imgW="1422360" imgH="393480" progId="Equation.3">
                   <p:embed/>
                 </p:oleObj>
               </mc:Choice>
@@ -40150,7 +40093,7 @@
           <a:graphicData uri="http://schemas.openxmlformats.org/presentationml/2006/ole">
             <mc:AlternateContent xmlns:mc="http://schemas.openxmlformats.org/markup-compatibility/2006">
               <mc:Choice xmlns:v="urn:schemas-microsoft-com:vml" Requires="v">
-                <p:oleObj spid="_x0000_s49900" name="Формула" r:id="rId5" imgW="1015920" imgH="393480" progId="Equation.3">
+                <p:oleObj spid="_x0000_s49930" name="Формула" r:id="rId5" imgW="1015920" imgH="393480" progId="Equation.3">
                   <p:embed/>
                 </p:oleObj>
               </mc:Choice>
@@ -40220,7 +40163,7 @@
           <a:graphicData uri="http://schemas.openxmlformats.org/presentationml/2006/ole">
             <mc:AlternateContent xmlns:mc="http://schemas.openxmlformats.org/markup-compatibility/2006">
               <mc:Choice xmlns:v="urn:schemas-microsoft-com:vml" Requires="v">
-                <p:oleObj spid="_x0000_s49901" name="Формула" r:id="rId7" imgW="1384200" imgH="393480" progId="Equation.3">
+                <p:oleObj spid="_x0000_s49931" name="Формула" r:id="rId7" imgW="1384200" imgH="393480" progId="Equation.3">
                   <p:embed/>
                 </p:oleObj>
               </mc:Choice>
@@ -40353,7 +40296,7 @@
           <a:graphicData uri="http://schemas.openxmlformats.org/presentationml/2006/ole">
             <mc:AlternateContent xmlns:mc="http://schemas.openxmlformats.org/markup-compatibility/2006">
               <mc:Choice xmlns:v="urn:schemas-microsoft-com:vml" Requires="v">
-                <p:oleObj spid="_x0000_s49902" name="Формула" r:id="rId9" imgW="1866600" imgH="469800" progId="Equation.3">
+                <p:oleObj spid="_x0000_s49932" name="Формула" r:id="rId9" imgW="1866600" imgH="469800" progId="Equation.3">
                   <p:embed/>
                 </p:oleObj>
               </mc:Choice>
@@ -40478,7 +40421,7 @@
           <a:graphicData uri="http://schemas.openxmlformats.org/presentationml/2006/ole">
             <mc:AlternateContent xmlns:mc="http://schemas.openxmlformats.org/markup-compatibility/2006">
               <mc:Choice xmlns:v="urn:schemas-microsoft-com:vml" Requires="v">
-                <p:oleObj spid="_x0000_s49903" name="Формула" r:id="rId11" imgW="1574640" imgH="457200" progId="Equation.3">
+                <p:oleObj spid="_x0000_s49933" name="Формула" r:id="rId11" imgW="1574640" imgH="457200" progId="Equation.3">
                   <p:embed/>
                 </p:oleObj>
               </mc:Choice>
@@ -40611,7 +40554,7 @@
           <a:graphicData uri="http://schemas.openxmlformats.org/presentationml/2006/ole">
             <mc:AlternateContent xmlns:mc="http://schemas.openxmlformats.org/markup-compatibility/2006">
               <mc:Choice xmlns:v="urn:schemas-microsoft-com:vml" Requires="v">
-                <p:oleObj spid="_x0000_s49904" name="Формула" r:id="rId13" imgW="1282680" imgH="495000" progId="Equation.3">
+                <p:oleObj spid="_x0000_s49934" name="Формула" r:id="rId13" imgW="1282680" imgH="495000" progId="Equation.3">
                   <p:embed/>
                 </p:oleObj>
               </mc:Choice>
@@ -40681,7 +40624,7 @@
           <a:graphicData uri="http://schemas.openxmlformats.org/presentationml/2006/ole">
             <mc:AlternateContent xmlns:mc="http://schemas.openxmlformats.org/markup-compatibility/2006">
               <mc:Choice xmlns:v="urn:schemas-microsoft-com:vml" Requires="v">
-                <p:oleObj spid="_x0000_s49905" name="Формула" r:id="rId15" imgW="1485720" imgH="457200" progId="Equation.3">
+                <p:oleObj spid="_x0000_s49935" name="Формула" r:id="rId15" imgW="1485720" imgH="457200" progId="Equation.3">
                   <p:embed/>
                 </p:oleObj>
               </mc:Choice>
@@ -41631,7 +41574,7 @@
           <a:graphicData uri="http://schemas.openxmlformats.org/presentationml/2006/ole">
             <mc:AlternateContent xmlns:mc="http://schemas.openxmlformats.org/markup-compatibility/2006">
               <mc:Choice xmlns:v="urn:schemas-microsoft-com:vml" Requires="v">
-                <p:oleObj spid="_x0000_s49906" name="Формула" r:id="rId17" imgW="863280" imgH="266400" progId="Equation.3">
+                <p:oleObj spid="_x0000_s49936" name="Формула" r:id="rId17" imgW="863280" imgH="266400" progId="Equation.3">
                   <p:embed/>
                 </p:oleObj>
               </mc:Choice>
@@ -41961,7 +41904,7 @@
           <a:graphicData uri="http://schemas.openxmlformats.org/presentationml/2006/ole">
             <mc:AlternateContent xmlns:mc="http://schemas.openxmlformats.org/markup-compatibility/2006">
               <mc:Choice xmlns:v="urn:schemas-microsoft-com:vml" Requires="v">
-                <p:oleObj spid="_x0000_s49907" name="Уравнение" r:id="rId19" imgW="1879560" imgH="228600" progId="Equation.3">
+                <p:oleObj spid="_x0000_s49937" name="Уравнение" r:id="rId19" imgW="1879560" imgH="228600" progId="Equation.3">
                   <p:embed/>
                 </p:oleObj>
               </mc:Choice>
@@ -42031,7 +41974,7 @@
           <a:graphicData uri="http://schemas.openxmlformats.org/presentationml/2006/ole">
             <mc:AlternateContent xmlns:mc="http://schemas.openxmlformats.org/markup-compatibility/2006">
               <mc:Choice xmlns:v="urn:schemas-microsoft-com:vml" Requires="v">
-                <p:oleObj spid="_x0000_s49908" name="Формула" r:id="rId21" imgW="2019240" imgH="228600" progId="Equation.3">
+                <p:oleObj spid="_x0000_s49938" name="Формула" r:id="rId21" imgW="2019240" imgH="228600" progId="Equation.3">
                   <p:embed/>
                 </p:oleObj>
               </mc:Choice>
@@ -42101,7 +42044,7 @@
           <a:graphicData uri="http://schemas.openxmlformats.org/presentationml/2006/ole">
             <mc:AlternateContent xmlns:mc="http://schemas.openxmlformats.org/markup-compatibility/2006">
               <mc:Choice xmlns:v="urn:schemas-microsoft-com:vml" Requires="v">
-                <p:oleObj spid="_x0000_s49909" name="Формула" r:id="rId23" imgW="812520" imgH="393480" progId="Equation.3">
+                <p:oleObj spid="_x0000_s49939" name="Формула" r:id="rId23" imgW="812520" imgH="393480" progId="Equation.3">
                   <p:embed/>
                 </p:oleObj>
               </mc:Choice>
@@ -42320,7 +42263,7 @@
           <a:graphicData uri="http://schemas.openxmlformats.org/presentationml/2006/ole">
             <mc:AlternateContent xmlns:mc="http://schemas.openxmlformats.org/markup-compatibility/2006">
               <mc:Choice xmlns:v="urn:schemas-microsoft-com:vml" Requires="v">
-                <p:oleObj spid="_x0000_s49910" name="Уравнение" r:id="rId25" imgW="685800" imgH="431640" progId="Equation.3">
+                <p:oleObj spid="_x0000_s49940" name="Уравнение" r:id="rId25" imgW="685800" imgH="431640" progId="Equation.3">
                   <p:embed/>
                 </p:oleObj>
               </mc:Choice>
@@ -42525,7 +42468,7 @@
           <a:graphicData uri="http://schemas.openxmlformats.org/presentationml/2006/ole">
             <mc:AlternateContent xmlns:mc="http://schemas.openxmlformats.org/markup-compatibility/2006">
               <mc:Choice xmlns:v="urn:schemas-microsoft-com:vml" Requires="v">
-                <p:oleObj spid="_x0000_s49911" name="Уравнение" r:id="rId27" imgW="164880" imgH="228600" progId="Equation.3">
+                <p:oleObj spid="_x0000_s49941" name="Уравнение" r:id="rId27" imgW="164880" imgH="228600" progId="Equation.3">
                   <p:embed/>
                 </p:oleObj>
               </mc:Choice>
@@ -42709,7 +42652,7 @@
           <a:graphicData uri="http://schemas.openxmlformats.org/presentationml/2006/ole">
             <mc:AlternateContent xmlns:mc="http://schemas.openxmlformats.org/markup-compatibility/2006">
               <mc:Choice xmlns:v="urn:schemas-microsoft-com:vml" Requires="v">
-                <p:oleObj spid="_x0000_s49912" name="Формула" r:id="rId29" imgW="393480" imgH="228600" progId="Equation.3">
+                <p:oleObj spid="_x0000_s49942" name="Формула" r:id="rId29" imgW="393480" imgH="228600" progId="Equation.3">
                   <p:embed/>
                 </p:oleObj>
               </mc:Choice>
@@ -42893,7 +42836,7 @@
           <a:graphicData uri="http://schemas.openxmlformats.org/presentationml/2006/ole">
             <mc:AlternateContent xmlns:mc="http://schemas.openxmlformats.org/markup-compatibility/2006">
               <mc:Choice xmlns:v="urn:schemas-microsoft-com:vml" Requires="v">
-                <p:oleObj spid="_x0000_s49913" name="Picture" r:id="rId31" imgW="3970895" imgH="2272490" progId="Word.Picture.8">
+                <p:oleObj spid="_x0000_s49943" name="Picture" r:id="rId31" imgW="3970895" imgH="2272490" progId="Word.Picture.8">
                   <p:embed/>
                 </p:oleObj>
               </mc:Choice>

--- a/ВКР_Мансуров_РР_01.04.04.pptx
+++ b/ВКР_Мансуров_РР_01.04.04.pptx
@@ -234,7 +234,7 @@
             <a:fld id="{8A2956D5-2046-4B16-B158-28749009537F}" type="datetimeFigureOut">
               <a:rPr lang="ru-RU" smtClean="0"/>
               <a:pPr/>
-              <a:t>22.06.2023</a:t>
+              <a:t>23.06.2023</a:t>
             </a:fld>
             <a:endParaRPr lang="ru-RU"/>
           </a:p>
@@ -725,7 +725,7 @@
             <a:fld id="{668F77C6-B837-4C28-B069-E60D1A7F8F4C}" type="datetime1">
               <a:rPr lang="ru-RU" smtClean="0"/>
               <a:pPr/>
-              <a:t>22.06.2023</a:t>
+              <a:t>23.06.2023</a:t>
             </a:fld>
             <a:endParaRPr lang="ru-RU"/>
           </a:p>
@@ -897,7 +897,7 @@
             <a:fld id="{E15233C2-C826-421D-8751-732F81C941BB}" type="datetime1">
               <a:rPr lang="ru-RU" smtClean="0"/>
               <a:pPr/>
-              <a:t>22.06.2023</a:t>
+              <a:t>23.06.2023</a:t>
             </a:fld>
             <a:endParaRPr lang="ru-RU"/>
           </a:p>
@@ -1079,7 +1079,7 @@
             <a:fld id="{F047989F-906F-40DE-BA90-D14E94A416BA}" type="datetime1">
               <a:rPr lang="ru-RU" smtClean="0"/>
               <a:pPr/>
-              <a:t>22.06.2023</a:t>
+              <a:t>23.06.2023</a:t>
             </a:fld>
             <a:endParaRPr lang="ru-RU"/>
           </a:p>
@@ -1251,7 +1251,7 @@
             <a:fld id="{D56CFF60-0E50-453A-81B9-424AB7DE66CD}" type="datetime1">
               <a:rPr lang="ru-RU" smtClean="0"/>
               <a:pPr/>
-              <a:t>22.06.2023</a:t>
+              <a:t>23.06.2023</a:t>
             </a:fld>
             <a:endParaRPr lang="ru-RU"/>
           </a:p>
@@ -1503,7 +1503,7 @@
             <a:fld id="{1EADCEAB-127F-4906-8280-7B6697A13E33}" type="datetime1">
               <a:rPr lang="ru-RU" smtClean="0"/>
               <a:pPr/>
-              <a:t>22.06.2023</a:t>
+              <a:t>23.06.2023</a:t>
             </a:fld>
             <a:endParaRPr lang="ru-RU"/>
           </a:p>
@@ -1737,7 +1737,7 @@
             <a:fld id="{772B70F3-DD83-40E6-8787-116CC1402285}" type="datetime1">
               <a:rPr lang="ru-RU" smtClean="0"/>
               <a:pPr/>
-              <a:t>22.06.2023</a:t>
+              <a:t>23.06.2023</a:t>
             </a:fld>
             <a:endParaRPr lang="ru-RU"/>
           </a:p>
@@ -2106,7 +2106,7 @@
             <a:fld id="{EFBC4BE1-28D4-4D8B-A423-5A2E1BA6934C}" type="datetime1">
               <a:rPr lang="ru-RU" smtClean="0"/>
               <a:pPr/>
-              <a:t>22.06.2023</a:t>
+              <a:t>23.06.2023</a:t>
             </a:fld>
             <a:endParaRPr lang="ru-RU"/>
           </a:p>
@@ -2226,7 +2226,7 @@
             <a:fld id="{6B7A375C-D316-441C-BBA4-36702FCEB310}" type="datetime1">
               <a:rPr lang="ru-RU" smtClean="0"/>
               <a:pPr/>
-              <a:t>22.06.2023</a:t>
+              <a:t>23.06.2023</a:t>
             </a:fld>
             <a:endParaRPr lang="ru-RU"/>
           </a:p>
@@ -2323,7 +2323,7 @@
             <a:fld id="{3EE6ABA4-7B05-4C08-9A73-CF8D6885218A}" type="datetime1">
               <a:rPr lang="ru-RU" smtClean="0"/>
               <a:pPr/>
-              <a:t>22.06.2023</a:t>
+              <a:t>23.06.2023</a:t>
             </a:fld>
             <a:endParaRPr lang="ru-RU"/>
           </a:p>
@@ -2602,7 +2602,7 @@
             <a:fld id="{F7A499FF-A70C-4AC7-8F4A-A5151C1A7370}" type="datetime1">
               <a:rPr lang="ru-RU" smtClean="0"/>
               <a:pPr/>
-              <a:t>22.06.2023</a:t>
+              <a:t>23.06.2023</a:t>
             </a:fld>
             <a:endParaRPr lang="ru-RU"/>
           </a:p>
@@ -2857,7 +2857,7 @@
             <a:fld id="{52FB4F09-8D8A-4907-99B4-463641EA0A07}" type="datetime1">
               <a:rPr lang="ru-RU" smtClean="0"/>
               <a:pPr/>
-              <a:t>22.06.2023</a:t>
+              <a:t>23.06.2023</a:t>
             </a:fld>
             <a:endParaRPr lang="ru-RU"/>
           </a:p>
@@ -3072,7 +3072,7 @@
             <a:fld id="{96489DF9-334F-4539-8237-D412EE1173F0}" type="datetime1">
               <a:rPr lang="ru-RU" smtClean="0"/>
               <a:pPr/>
-              <a:t>22.06.2023</a:t>
+              <a:t>23.06.2023</a:t>
             </a:fld>
             <a:endParaRPr lang="ru-RU"/>
           </a:p>
@@ -5527,7 +5527,7 @@
           <a:graphicData uri="http://schemas.openxmlformats.org/presentationml/2006/ole">
             <mc:AlternateContent xmlns:mc="http://schemas.openxmlformats.org/markup-compatibility/2006">
               <mc:Choice xmlns:v="urn:schemas-microsoft-com:vml" Requires="v">
-                <p:oleObj spid="_x0000_s54328" name="Формула" r:id="rId4" imgW="1688760" imgH="228600" progId="Equation.3">
+                <p:oleObj spid="_x0000_s54343" name="Формула" r:id="rId4" imgW="1688760" imgH="228600" progId="Equation.3">
                   <p:embed/>
                 </p:oleObj>
               </mc:Choice>
@@ -6458,7 +6458,7 @@
           <a:graphicData uri="http://schemas.openxmlformats.org/presentationml/2006/ole">
             <mc:AlternateContent xmlns:mc="http://schemas.openxmlformats.org/markup-compatibility/2006">
               <mc:Choice xmlns:v="urn:schemas-microsoft-com:vml" Requires="v">
-                <p:oleObj spid="_x0000_s54329" name="Уравнение" r:id="rId6" imgW="406080" imgH="190440" progId="Equation.3">
+                <p:oleObj spid="_x0000_s54344" name="Уравнение" r:id="rId6" imgW="406080" imgH="190440" progId="Equation.3">
                   <p:embed/>
                 </p:oleObj>
               </mc:Choice>
@@ -6528,7 +6528,7 @@
           <a:graphicData uri="http://schemas.openxmlformats.org/presentationml/2006/ole">
             <mc:AlternateContent xmlns:mc="http://schemas.openxmlformats.org/markup-compatibility/2006">
               <mc:Choice xmlns:v="urn:schemas-microsoft-com:vml" Requires="v">
-                <p:oleObj spid="_x0000_s54330" name="Уравнение" r:id="rId8" imgW="419040" imgH="215640" progId="Equation.3">
+                <p:oleObj spid="_x0000_s54345" name="Уравнение" r:id="rId8" imgW="419040" imgH="215640" progId="Equation.3">
                   <p:embed/>
                 </p:oleObj>
               </mc:Choice>
@@ -6598,7 +6598,7 @@
           <a:graphicData uri="http://schemas.openxmlformats.org/presentationml/2006/ole">
             <mc:AlternateContent xmlns:mc="http://schemas.openxmlformats.org/markup-compatibility/2006">
               <mc:Choice xmlns:v="urn:schemas-microsoft-com:vml" Requires="v">
-                <p:oleObj spid="_x0000_s54331" name="Формула" r:id="rId10" imgW="419040" imgH="215640" progId="Equation.3">
+                <p:oleObj spid="_x0000_s54346" name="Формула" r:id="rId10" imgW="419040" imgH="215640" progId="Equation.3">
                   <p:embed/>
                 </p:oleObj>
               </mc:Choice>
@@ -6668,7 +6668,7 @@
           <a:graphicData uri="http://schemas.openxmlformats.org/presentationml/2006/ole">
             <mc:AlternateContent xmlns:mc="http://schemas.openxmlformats.org/markup-compatibility/2006">
               <mc:Choice xmlns:v="urn:schemas-microsoft-com:vml" Requires="v">
-                <p:oleObj spid="_x0000_s54332" name="Формула" r:id="rId12" imgW="304560" imgH="215640" progId="Equation.3">
+                <p:oleObj spid="_x0000_s54347" name="Формула" r:id="rId12" imgW="304560" imgH="215640" progId="Equation.3">
                   <p:embed/>
                 </p:oleObj>
               </mc:Choice>
@@ -6829,7 +6829,7 @@
           <a:graphicData uri="http://schemas.openxmlformats.org/presentationml/2006/ole">
             <mc:AlternateContent xmlns:mc="http://schemas.openxmlformats.org/markup-compatibility/2006">
               <mc:Choice xmlns:v="urn:schemas-microsoft-com:vml" Requires="v">
-                <p:oleObj spid="_x0000_s54333" name="Формула" r:id="rId14" imgW="799920" imgH="228600" progId="Equation.3">
+                <p:oleObj spid="_x0000_s54348" name="Формула" r:id="rId14" imgW="799920" imgH="228600" progId="Equation.3">
                   <p:embed/>
                 </p:oleObj>
               </mc:Choice>
@@ -6886,7 +6886,7 @@
           <a:graphicData uri="http://schemas.openxmlformats.org/presentationml/2006/ole">
             <mc:AlternateContent xmlns:mc="http://schemas.openxmlformats.org/markup-compatibility/2006">
               <mc:Choice xmlns:v="urn:schemas-microsoft-com:vml" Requires="v">
-                <p:oleObj spid="_x0000_s54334" name="Equation" r:id="rId16" imgW="838080" imgH="215640" progId="Equation.3">
+                <p:oleObj spid="_x0000_s54349" name="Equation" r:id="rId16" imgW="838080" imgH="215640" progId="Equation.3">
                   <p:embed/>
                 </p:oleObj>
               </mc:Choice>
@@ -6971,7 +6971,7 @@
               <a:graphicData uri="http://schemas.openxmlformats.org/presentationml/2006/ole">
                 <mc:AlternateContent xmlns:mc="http://schemas.openxmlformats.org/markup-compatibility/2006">
                   <mc:Choice xmlns:v="urn:schemas-microsoft-com:vml" Requires="v">
-                    <p:oleObj spid="_x0000_s54335" name="Уравнение" r:id="rId18" imgW="228600" imgH="228600" progId="Equation.3">
+                    <p:oleObj spid="_x0000_s54350" name="Уравнение" r:id="rId18" imgW="228600" imgH="228600" progId="Equation.3">
                       <p:embed/>
                     </p:oleObj>
                   </mc:Choice>
@@ -7041,7 +7041,7 @@
               <a:graphicData uri="http://schemas.openxmlformats.org/presentationml/2006/ole">
                 <mc:AlternateContent xmlns:mc="http://schemas.openxmlformats.org/markup-compatibility/2006">
                   <mc:Choice xmlns:v="urn:schemas-microsoft-com:vml" Requires="v">
-                    <p:oleObj spid="_x0000_s54336" name="Формула" r:id="rId20" imgW="164885" imgH="164885" progId="Equation.3">
+                    <p:oleObj spid="_x0000_s54351" name="Формула" r:id="rId20" imgW="164885" imgH="164885" progId="Equation.3">
                       <p:embed/>
                     </p:oleObj>
                   </mc:Choice>
@@ -7228,7 +7228,7 @@
                     <a:graphicData uri="http://schemas.openxmlformats.org/presentationml/2006/ole">
                       <mc:AlternateContent xmlns:mc="http://schemas.openxmlformats.org/markup-compatibility/2006">
                         <mc:Choice xmlns:v="urn:schemas-microsoft-com:vml" Requires="v">
-                          <p:oleObj spid="_x0000_s54337" name="Уравнение" r:id="rId22" imgW="177480" imgH="228600" progId="Equation.3">
+                          <p:oleObj spid="_x0000_s54352" name="Уравнение" r:id="rId22" imgW="177480" imgH="228600" progId="Equation.3">
                             <p:embed/>
                           </p:oleObj>
                         </mc:Choice>
@@ -7298,7 +7298,7 @@
                     <a:graphicData uri="http://schemas.openxmlformats.org/presentationml/2006/ole">
                       <mc:AlternateContent xmlns:mc="http://schemas.openxmlformats.org/markup-compatibility/2006">
                         <mc:Choice xmlns:v="urn:schemas-microsoft-com:vml" Requires="v">
-                          <p:oleObj spid="_x0000_s54338" name="Equation" r:id="rId24" imgW="228600" imgH="228600" progId="Equation.3">
+                          <p:oleObj spid="_x0000_s54353" name="Equation" r:id="rId24" imgW="228600" imgH="228600" progId="Equation.3">
                             <p:embed/>
                           </p:oleObj>
                         </mc:Choice>
@@ -7368,7 +7368,7 @@
                     <a:graphicData uri="http://schemas.openxmlformats.org/presentationml/2006/ole">
                       <mc:AlternateContent xmlns:mc="http://schemas.openxmlformats.org/markup-compatibility/2006">
                         <mc:Choice xmlns:v="urn:schemas-microsoft-com:vml" Requires="v">
-                          <p:oleObj spid="_x0000_s54339" name="Equation" r:id="rId26" imgW="215640" imgH="228600" progId="Equation.3">
+                          <p:oleObj spid="_x0000_s54354" name="Equation" r:id="rId26" imgW="215640" imgH="228600" progId="Equation.3">
                             <p:embed/>
                           </p:oleObj>
                         </mc:Choice>
@@ -7959,7 +7959,7 @@
                       <a:graphicData uri="http://schemas.openxmlformats.org/presentationml/2006/ole">
                         <mc:AlternateContent xmlns:mc="http://schemas.openxmlformats.org/markup-compatibility/2006">
                           <mc:Choice xmlns:v="urn:schemas-microsoft-com:vml" Requires="v">
-                            <p:oleObj spid="_x0000_s54340" name="Уравнение" r:id="rId28" imgW="203040" imgH="215640" progId="Equation.3">
+                            <p:oleObj spid="_x0000_s54355" name="Уравнение" r:id="rId28" imgW="203040" imgH="215640" progId="Equation.3">
                               <p:embed/>
                             </p:oleObj>
                           </mc:Choice>
@@ -8381,7 +8381,7 @@
           <a:graphicData uri="http://schemas.openxmlformats.org/presentationml/2006/ole">
             <mc:AlternateContent xmlns:mc="http://schemas.openxmlformats.org/markup-compatibility/2006">
               <mc:Choice xmlns:v="urn:schemas-microsoft-com:vml" Requires="v">
-                <p:oleObj spid="_x0000_s54341" name="Формула" r:id="rId30" imgW="1091880" imgH="228600" progId="Equation.3">
+                <p:oleObj spid="_x0000_s54356" name="Формула" r:id="rId30" imgW="1091880" imgH="228600" progId="Equation.3">
                   <p:embed/>
                 </p:oleObj>
               </mc:Choice>
@@ -8451,7 +8451,7 @@
           <a:graphicData uri="http://schemas.openxmlformats.org/presentationml/2006/ole">
             <mc:AlternateContent xmlns:mc="http://schemas.openxmlformats.org/markup-compatibility/2006">
               <mc:Choice xmlns:v="urn:schemas-microsoft-com:vml" Requires="v">
-                <p:oleObj spid="_x0000_s54342" name="Уравнение" r:id="rId32" imgW="1904760" imgH="228600" progId="Equation.3">
+                <p:oleObj spid="_x0000_s54357" name="Уравнение" r:id="rId32" imgW="1904760" imgH="228600" progId="Equation.3">
                   <p:embed/>
                 </p:oleObj>
               </mc:Choice>
@@ -8499,8 +8499,8 @@
           </a:graphicData>
         </a:graphic>
       </p:graphicFrame>
-      <mc:AlternateContent xmlns:mc="http://schemas.openxmlformats.org/markup-compatibility/2006">
-        <mc:Choice xmlns:a14="http://schemas.microsoft.com/office/drawing/2010/main" Requires="a14">
+      <mc:AlternateContent xmlns:mc="http://schemas.openxmlformats.org/markup-compatibility/2006" xmlns:a14="http://schemas.microsoft.com/office/drawing/2010/main">
+        <mc:Choice Requires="a14">
           <p:sp>
             <p:nvSpPr>
               <p:cNvPr id="89" name="Прямоугольник 88"/>
@@ -8688,15 +8688,7 @@
                     <a:ea typeface="Cambria Math"/>
                     <a:cs typeface="Times New Roman" pitchFamily="18" charset="0"/>
                   </a:rPr>
-                  <a:t>дульная </a:t>
-                </a:r>
-                <a:r>
-                  <a:rPr lang="ru-RU" sz="1100" dirty="0" smtClean="0">
-                    <a:latin typeface="Times New Roman" pitchFamily="18" charset="0"/>
-                    <a:ea typeface="Cambria Math"/>
-                    <a:cs typeface="Times New Roman" pitchFamily="18" charset="0"/>
-                  </a:rPr>
-                  <a:t>скорость снаряда; </a:t>
+                  <a:t>дульная скорость снаряда; </a:t>
                 </a:r>
                 <a14:m>
                   <m:oMath xmlns:m="http://schemas.openxmlformats.org/officeDocument/2006/math">
@@ -8829,23 +8821,7 @@
                     <a:ea typeface="Cambria Math"/>
                     <a:cs typeface="Times New Roman" pitchFamily="18" charset="0"/>
                   </a:rPr>
-                  <a:t>время старта </a:t>
-                </a:r>
-                <a:r>
-                  <a:rPr lang="ru-RU" sz="1100" dirty="0" smtClean="0">
-                    <a:latin typeface="Times New Roman" pitchFamily="18" charset="0"/>
-                    <a:ea typeface="Cambria Math"/>
-                    <a:cs typeface="Times New Roman" pitchFamily="18" charset="0"/>
-                  </a:rPr>
-                  <a:t>РД</a:t>
-                </a:r>
-                <a:r>
-                  <a:rPr lang="ru-RU" sz="1100" dirty="0" smtClean="0">
-                    <a:latin typeface="Times New Roman" pitchFamily="18" charset="0"/>
-                    <a:ea typeface="Cambria Math"/>
-                    <a:cs typeface="Times New Roman" pitchFamily="18" charset="0"/>
-                  </a:rPr>
-                  <a:t>.;</a:t>
+                  <a:t>время старта РД.;</a:t>
                 </a:r>
                 <a:r>
                   <a:rPr lang="en-US" sz="1100" dirty="0" smtClean="0">
@@ -8906,7 +8882,7 @@
             </p:txBody>
           </p:sp>
         </mc:Choice>
-        <mc:Fallback>
+        <mc:Fallback xmlns="">
           <p:sp>
             <p:nvSpPr>
               <p:cNvPr id="89" name="Прямоугольник 88"/>
@@ -9819,7 +9795,7 @@
           <p:nvPr>
             <p:extLst>
               <p:ext uri="{D42A27DB-BD31-4B8C-83A1-F6EECF244321}">
-                <p14:modId xmlns:p14="http://schemas.microsoft.com/office/powerpoint/2010/main" val="3080400622"/>
+                <p14:modId xmlns:p14="http://schemas.microsoft.com/office/powerpoint/2010/main" val="2285444324"/>
               </p:ext>
             </p:extLst>
           </p:nvPr>
@@ -10110,7 +10086,7 @@
                           <a:latin typeface="Times New Roman" panose="02020603050405020304" pitchFamily="18" charset="0"/>
                           <a:cs typeface="Times New Roman" panose="02020603050405020304" pitchFamily="18" charset="0"/>
                         </a:rPr>
-                        <a:t>19</a:t>
+                        <a:t>кг</a:t>
                       </a:r>
                       <a:endParaRPr lang="ru-RU" sz="1000" dirty="0">
                         <a:effectLst/>
@@ -10145,12 +10121,12 @@
                         <a:defRPr/>
                       </a:pPr>
                       <a:r>
-                        <a:rPr lang="ru-RU" sz="1000" dirty="0" smtClean="0">
+                        <a:rPr lang="ru-RU" sz="1000" smtClean="0">
                           <a:effectLst/>
                           <a:latin typeface="Times New Roman" panose="02020603050405020304" pitchFamily="18" charset="0"/>
                           <a:cs typeface="Times New Roman" panose="02020603050405020304" pitchFamily="18" charset="0"/>
                         </a:rPr>
-                        <a:t>кг</a:t>
+                        <a:t>19</a:t>
                       </a:r>
                       <a:endParaRPr lang="ru-RU" sz="1000" dirty="0" smtClean="0">
                         <a:effectLst/>
@@ -12772,7 +12748,7 @@
         </p:nvGraphicFramePr>
         <p:xfrm>
           <a:off x="4673737" y="3665254"/>
-          <a:ext cx="4010836" cy="1090041"/>
+          <a:ext cx="4010836" cy="1188720"/>
         </p:xfrm>
         <a:graphic>
           <a:graphicData uri="http://schemas.openxmlformats.org/drawingml/2006/table">
@@ -13448,7 +13424,7 @@
         </p:nvGraphicFramePr>
         <p:xfrm>
           <a:off x="161188" y="641857"/>
-          <a:ext cx="4010836" cy="1090041"/>
+          <a:ext cx="4010836" cy="1188720"/>
         </p:xfrm>
         <a:graphic>
           <a:graphicData uri="http://schemas.openxmlformats.org/drawingml/2006/table">
@@ -14859,7 +14835,7 @@
           <a:graphicData uri="http://schemas.openxmlformats.org/presentationml/2006/ole">
             <mc:AlternateContent xmlns:mc="http://schemas.openxmlformats.org/markup-compatibility/2006">
               <mc:Choice xmlns:v="urn:schemas-microsoft-com:vml" Requires="v">
-                <p:oleObj spid="_x0000_s42429" name="Уравнение" r:id="rId3" imgW="812520" imgH="482400" progId="Equation.3">
+                <p:oleObj spid="_x0000_s42433" name="Уравнение" r:id="rId3" imgW="812520" imgH="482400" progId="Equation.3">
                   <p:embed/>
                 </p:oleObj>
               </mc:Choice>
@@ -14935,21 +14911,7 @@
                 <a:latin typeface="Times New Roman" pitchFamily="18" charset="0"/>
                 <a:cs typeface="Times New Roman" pitchFamily="18" charset="0"/>
               </a:rPr>
-              <a:t>Рисунок 16 – Изменение условия устойчивости </a:t>
-            </a:r>
-            <a:r>
-              <a:rPr lang="ru-RU" sz="1100" dirty="0" smtClean="0">
-                <a:latin typeface="Times New Roman" pitchFamily="18" charset="0"/>
-                <a:cs typeface="Times New Roman" pitchFamily="18" charset="0"/>
-              </a:rPr>
-              <a:t>при </a:t>
-            </a:r>
-            <a:r>
-              <a:rPr lang="ru-RU" sz="1100" dirty="0" smtClean="0">
-                <a:latin typeface="Times New Roman" pitchFamily="18" charset="0"/>
-                <a:cs typeface="Times New Roman" pitchFamily="18" charset="0"/>
-              </a:rPr>
-              <a:t>раскручивающимся двигателе</a:t>
+              <a:t>Рисунок 16 – Изменение условия устойчивости при раскручивающимся двигателе</a:t>
             </a:r>
             <a:endParaRPr lang="ru-RU" sz="1100" dirty="0"/>
           </a:p>
@@ -15053,7 +15015,7 @@
           <a:graphicData uri="http://schemas.openxmlformats.org/presentationml/2006/ole">
             <mc:AlternateContent xmlns:mc="http://schemas.openxmlformats.org/markup-compatibility/2006">
               <mc:Choice xmlns:v="urn:schemas-microsoft-com:vml" Requires="v">
-                <p:oleObj spid="_x0000_s42430" name="Уравнение" r:id="rId5" imgW="787320" imgH="507960" progId="Equation.3">
+                <p:oleObj spid="_x0000_s42434" name="Уравнение" r:id="rId5" imgW="787320" imgH="507960" progId="Equation.3">
                   <p:embed/>
                 </p:oleObj>
               </mc:Choice>
@@ -15110,7 +15072,7 @@
           <a:graphicData uri="http://schemas.openxmlformats.org/presentationml/2006/ole">
             <mc:AlternateContent xmlns:mc="http://schemas.openxmlformats.org/markup-compatibility/2006">
               <mc:Choice xmlns:v="urn:schemas-microsoft-com:vml" Requires="v">
-                <p:oleObj spid="_x0000_s42431" name="Уравнение" r:id="rId7" imgW="977760" imgH="520560" progId="Equation.3">
+                <p:oleObj spid="_x0000_s42435" name="Уравнение" r:id="rId7" imgW="977760" imgH="520560" progId="Equation.3">
                   <p:embed/>
                 </p:oleObj>
               </mc:Choice>
@@ -15297,7 +15259,7 @@
           <a:graphicData uri="http://schemas.openxmlformats.org/presentationml/2006/ole">
             <mc:AlternateContent xmlns:mc="http://schemas.openxmlformats.org/markup-compatibility/2006">
               <mc:Choice xmlns:v="urn:schemas-microsoft-com:vml" Requires="v">
-                <p:oleObj spid="_x0000_s42432" name="Уравнение" r:id="rId9" imgW="812520" imgH="203040" progId="Equation.3">
+                <p:oleObj spid="_x0000_s42436" name="Уравнение" r:id="rId9" imgW="812520" imgH="203040" progId="Equation.3">
                   <p:embed/>
                 </p:oleObj>
               </mc:Choice>
@@ -16270,22 +16232,7 @@
                 <a:ea typeface="Calibri" pitchFamily="34" charset="0"/>
                 <a:cs typeface="Times New Roman" pitchFamily="18" charset="0"/>
               </a:rPr>
-              <a:t>ть дальности от массы </a:t>
-            </a:r>
-            <a:r>
-              <a:rPr kumimoji="0" lang="ru-RU" sz="1100" b="0" i="0" u="none" strike="noStrike" cap="none" normalizeH="0" baseline="0" dirty="0" smtClean="0">
-                <a:ln>
-                  <a:noFill/>
-                </a:ln>
-                <a:solidFill>
-                  <a:schemeClr val="tx1"/>
-                </a:solidFill>
-                <a:effectLst/>
-                <a:latin typeface="Times New Roman" pitchFamily="18" charset="0"/>
-                <a:ea typeface="Calibri" pitchFamily="34" charset="0"/>
-                <a:cs typeface="Times New Roman" pitchFamily="18" charset="0"/>
-              </a:rPr>
-              <a:t>топлива</a:t>
+              <a:t>ть дальности от массы топлива</a:t>
             </a:r>
           </a:p>
           <a:p>
@@ -16465,15 +16412,7 @@
                 <a:ea typeface="Times New Roman" pitchFamily="18" charset="0"/>
                 <a:cs typeface="Times New Roman" pitchFamily="18" charset="0"/>
               </a:rPr>
-              <a:t>. </a:t>
-            </a:r>
-            <a:r>
-              <a:rPr lang="ru-RU" sz="1100" dirty="0" smtClean="0">
-                <a:latin typeface="Times New Roman" pitchFamily="18" charset="0"/>
-                <a:ea typeface="Times New Roman" pitchFamily="18" charset="0"/>
-                <a:cs typeface="Times New Roman" pitchFamily="18" charset="0"/>
-              </a:rPr>
-              <a:t>Зависимость начальной скорости от массы снаряда</a:t>
+              <a:t>. Зависимость начальной скорости от массы снаряда</a:t>
             </a:r>
             <a:endParaRPr lang="ru-RU" sz="1100" dirty="0"/>
           </a:p>
@@ -16566,15 +16505,7 @@
                           <a:ea typeface="Times New Roman"/>
                           <a:cs typeface="Times New Roman" pitchFamily="18" charset="0"/>
                         </a:rPr>
-                        <a:t>, </a:t>
-                      </a:r>
-                      <a:r>
-                        <a:rPr lang="ru-RU" sz="1200" b="0" dirty="0" smtClean="0">
-                          <a:latin typeface="Times New Roman" pitchFamily="18" charset="0"/>
-                          <a:ea typeface="Times New Roman"/>
-                          <a:cs typeface="Times New Roman" pitchFamily="18" charset="0"/>
-                        </a:rPr>
-                        <a:t>кг</a:t>
+                        <a:t>, кг</a:t>
                       </a:r>
                       <a:endParaRPr lang="ru-RU" sz="1200" b="0" dirty="0">
                         <a:latin typeface="Times New Roman" pitchFamily="18" charset="0"/>
@@ -17553,15 +17484,7 @@
                           <a:ea typeface="Times New Roman"/>
                           <a:cs typeface="Times New Roman" pitchFamily="18" charset="0"/>
                         </a:rPr>
-                        <a:t>, </a:t>
-                      </a:r>
-                      <a:r>
-                        <a:rPr lang="ru-RU" sz="1200" b="0" dirty="0" smtClean="0">
-                          <a:latin typeface="Times New Roman" pitchFamily="18" charset="0"/>
-                          <a:ea typeface="Times New Roman"/>
-                          <a:cs typeface="Times New Roman" pitchFamily="18" charset="0"/>
-                        </a:rPr>
-                        <a:t>кг</a:t>
+                        <a:t>, кг</a:t>
                       </a:r>
                       <a:endParaRPr lang="ru-RU" sz="1200" b="0" dirty="0">
                         <a:latin typeface="Times New Roman" pitchFamily="18" charset="0"/>
@@ -18937,14 +18860,7 @@
                 <a:latin typeface="Times New Roman" pitchFamily="18" charset="0"/>
                 <a:cs typeface="Times New Roman" pitchFamily="18" charset="0"/>
               </a:rPr>
-              <a:t>Рисунок – 19  График траектории полёта снаряда при различных </a:t>
-            </a:r>
-            <a:r>
-              <a:rPr lang="ru-RU" sz="1100" dirty="0" smtClean="0">
-                <a:latin typeface="Times New Roman" pitchFamily="18" charset="0"/>
-                <a:cs typeface="Times New Roman" pitchFamily="18" charset="0"/>
-              </a:rPr>
-              <a:t>параметрах</a:t>
+              <a:t>Рисунок – 19  График траектории полёта снаряда при различных параметрах</a:t>
             </a:r>
           </a:p>
           <a:p>
@@ -27376,7 +27292,7 @@
           <a:graphicData uri="http://schemas.openxmlformats.org/presentationml/2006/ole">
             <mc:AlternateContent xmlns:mc="http://schemas.openxmlformats.org/markup-compatibility/2006">
               <mc:Choice xmlns:v="urn:schemas-microsoft-com:vml" Requires="v">
-                <p:oleObj spid="_x0000_s50810" name="Формула" r:id="rId3" imgW="317160" imgH="164880" progId="Equation.3">
+                <p:oleObj spid="_x0000_s50826" name="Формула" r:id="rId3" imgW="317160" imgH="164880" progId="Equation.3">
                   <p:embed/>
                 </p:oleObj>
               </mc:Choice>
@@ -27446,7 +27362,7 @@
           <a:graphicData uri="http://schemas.openxmlformats.org/presentationml/2006/ole">
             <mc:AlternateContent xmlns:mc="http://schemas.openxmlformats.org/markup-compatibility/2006">
               <mc:Choice xmlns:v="urn:schemas-microsoft-com:vml" Requires="v">
-                <p:oleObj spid="_x0000_s50811" name="Формула" r:id="rId5" imgW="1307880" imgH="241200" progId="Equation.3">
+                <p:oleObj spid="_x0000_s50827" name="Формула" r:id="rId5" imgW="1307880" imgH="241200" progId="Equation.3">
                   <p:embed/>
                 </p:oleObj>
               </mc:Choice>
@@ -27516,7 +27432,7 @@
           <a:graphicData uri="http://schemas.openxmlformats.org/presentationml/2006/ole">
             <mc:AlternateContent xmlns:mc="http://schemas.openxmlformats.org/markup-compatibility/2006">
               <mc:Choice xmlns:v="urn:schemas-microsoft-com:vml" Requires="v">
-                <p:oleObj spid="_x0000_s50812" name="Формула" r:id="rId7" imgW="596880" imgH="431640" progId="Equation.3">
+                <p:oleObj spid="_x0000_s50828" name="Формула" r:id="rId7" imgW="596880" imgH="431640" progId="Equation.3">
                   <p:embed/>
                 </p:oleObj>
               </mc:Choice>
@@ -27586,7 +27502,7 @@
           <a:graphicData uri="http://schemas.openxmlformats.org/presentationml/2006/ole">
             <mc:AlternateContent xmlns:mc="http://schemas.openxmlformats.org/markup-compatibility/2006">
               <mc:Choice xmlns:v="urn:schemas-microsoft-com:vml" Requires="v">
-                <p:oleObj spid="_x0000_s50813" name="Формула" r:id="rId9" imgW="1028520" imgH="431640" progId="Equation.3">
+                <p:oleObj spid="_x0000_s50829" name="Формула" r:id="rId9" imgW="1028520" imgH="431640" progId="Equation.3">
                   <p:embed/>
                 </p:oleObj>
               </mc:Choice>
@@ -27656,7 +27572,7 @@
           <a:graphicData uri="http://schemas.openxmlformats.org/presentationml/2006/ole">
             <mc:AlternateContent xmlns:mc="http://schemas.openxmlformats.org/markup-compatibility/2006">
               <mc:Choice xmlns:v="urn:schemas-microsoft-com:vml" Requires="v">
-                <p:oleObj spid="_x0000_s50814" name="Формула" r:id="rId11" imgW="1282680" imgH="228600" progId="Equation.3">
+                <p:oleObj spid="_x0000_s50830" name="Формула" r:id="rId11" imgW="1282680" imgH="228600" progId="Equation.3">
                   <p:embed/>
                 </p:oleObj>
               </mc:Choice>
@@ -27726,7 +27642,7 @@
           <a:graphicData uri="http://schemas.openxmlformats.org/presentationml/2006/ole">
             <mc:AlternateContent xmlns:mc="http://schemas.openxmlformats.org/markup-compatibility/2006">
               <mc:Choice xmlns:v="urn:schemas-microsoft-com:vml" Requires="v">
-                <p:oleObj spid="_x0000_s50815" name="Формула" r:id="rId13" imgW="1130040" imgH="431640" progId="Equation.3">
+                <p:oleObj spid="_x0000_s50831" name="Формула" r:id="rId13" imgW="1130040" imgH="431640" progId="Equation.3">
                   <p:embed/>
                 </p:oleObj>
               </mc:Choice>
@@ -27796,7 +27712,7 @@
           <a:graphicData uri="http://schemas.openxmlformats.org/presentationml/2006/ole">
             <mc:AlternateContent xmlns:mc="http://schemas.openxmlformats.org/markup-compatibility/2006">
               <mc:Choice xmlns:v="urn:schemas-microsoft-com:vml" Requires="v">
-                <p:oleObj spid="_x0000_s50816" name="Формула" r:id="rId15" imgW="1447560" imgH="495000" progId="Equation.3">
+                <p:oleObj spid="_x0000_s50832" name="Формула" r:id="rId15" imgW="1447560" imgH="495000" progId="Equation.3">
                   <p:embed/>
                 </p:oleObj>
               </mc:Choice>
@@ -27866,7 +27782,7 @@
           <a:graphicData uri="http://schemas.openxmlformats.org/presentationml/2006/ole">
             <mc:AlternateContent xmlns:mc="http://schemas.openxmlformats.org/markup-compatibility/2006">
               <mc:Choice xmlns:v="urn:schemas-microsoft-com:vml" Requires="v">
-                <p:oleObj spid="_x0000_s50817" name="Формула" r:id="rId17" imgW="749160" imgH="241200" progId="Equation.3">
+                <p:oleObj spid="_x0000_s50833" name="Формула" r:id="rId17" imgW="749160" imgH="241200" progId="Equation.3">
                   <p:embed/>
                 </p:oleObj>
               </mc:Choice>
@@ -27936,7 +27852,7 @@
           <a:graphicData uri="http://schemas.openxmlformats.org/presentationml/2006/ole">
             <mc:AlternateContent xmlns:mc="http://schemas.openxmlformats.org/markup-compatibility/2006">
               <mc:Choice xmlns:v="urn:schemas-microsoft-com:vml" Requires="v">
-                <p:oleObj spid="_x0000_s50818" name="Формула" r:id="rId19" imgW="1206360" imgH="241200" progId="Equation.3">
+                <p:oleObj spid="_x0000_s50834" name="Формула" r:id="rId19" imgW="1206360" imgH="241200" progId="Equation.3">
                   <p:embed/>
                 </p:oleObj>
               </mc:Choice>
@@ -28006,7 +27922,7 @@
           <a:graphicData uri="http://schemas.openxmlformats.org/presentationml/2006/ole">
             <mc:AlternateContent xmlns:mc="http://schemas.openxmlformats.org/markup-compatibility/2006">
               <mc:Choice xmlns:v="urn:schemas-microsoft-com:vml" Requires="v">
-                <p:oleObj spid="_x0000_s50819" name="Формула" r:id="rId21" imgW="634680" imgH="393480" progId="Equation.3">
+                <p:oleObj spid="_x0000_s50835" name="Формула" r:id="rId21" imgW="634680" imgH="393480" progId="Equation.3">
                   <p:embed/>
                 </p:oleObj>
               </mc:Choice>
@@ -28076,7 +27992,7 @@
           <a:graphicData uri="http://schemas.openxmlformats.org/presentationml/2006/ole">
             <mc:AlternateContent xmlns:mc="http://schemas.openxmlformats.org/markup-compatibility/2006">
               <mc:Choice xmlns:v="urn:schemas-microsoft-com:vml" Requires="v">
-                <p:oleObj spid="_x0000_s50820" name="Уравнение" r:id="rId23" imgW="4356000" imgH="482400" progId="Equation.3">
+                <p:oleObj spid="_x0000_s50836" name="Уравнение" r:id="rId23" imgW="4356000" imgH="482400" progId="Equation.3">
                   <p:embed/>
                 </p:oleObj>
               </mc:Choice>
@@ -28146,7 +28062,7 @@
           <a:graphicData uri="http://schemas.openxmlformats.org/presentationml/2006/ole">
             <mc:AlternateContent xmlns:mc="http://schemas.openxmlformats.org/markup-compatibility/2006">
               <mc:Choice xmlns:v="urn:schemas-microsoft-com:vml" Requires="v">
-                <p:oleObj spid="_x0000_s50821" name="Формула" r:id="rId25" imgW="2946240" imgH="431640" progId="Equation.3">
+                <p:oleObj spid="_x0000_s50837" name="Формула" r:id="rId25" imgW="2946240" imgH="431640" progId="Equation.3">
                   <p:embed/>
                 </p:oleObj>
               </mc:Choice>
@@ -29301,7 +29217,7 @@
           <a:graphicData uri="http://schemas.openxmlformats.org/presentationml/2006/ole">
             <mc:AlternateContent xmlns:mc="http://schemas.openxmlformats.org/markup-compatibility/2006">
               <mc:Choice xmlns:v="urn:schemas-microsoft-com:vml" Requires="v">
-                <p:oleObj spid="_x0000_s50822" name="Picture" r:id="rId27" imgW="5861465" imgH="2543447" progId="Word.Picture.8">
+                <p:oleObj spid="_x0000_s50838" name="Picture" r:id="rId27" imgW="5861465" imgH="2543447" progId="Word.Picture.8">
                   <p:embed/>
                 </p:oleObj>
               </mc:Choice>
@@ -29533,7 +29449,7 @@
           <a:graphicData uri="http://schemas.openxmlformats.org/presentationml/2006/ole">
             <mc:AlternateContent xmlns:mc="http://schemas.openxmlformats.org/markup-compatibility/2006">
               <mc:Choice xmlns:v="urn:schemas-microsoft-com:vml" Requires="v">
-                <p:oleObj spid="_x0000_s50823" name="Уравнение" r:id="rId29" imgW="3593880" imgH="965160" progId="Equation.3">
+                <p:oleObj spid="_x0000_s50839" name="Уравнение" r:id="rId29" imgW="3593880" imgH="965160" progId="Equation.3">
                   <p:embed/>
                 </p:oleObj>
               </mc:Choice>
@@ -29603,7 +29519,7 @@
           <a:graphicData uri="http://schemas.openxmlformats.org/presentationml/2006/ole">
             <mc:AlternateContent xmlns:mc="http://schemas.openxmlformats.org/markup-compatibility/2006">
               <mc:Choice xmlns:v="urn:schemas-microsoft-com:vml" Requires="v">
-                <p:oleObj spid="_x0000_s50824" name="Уравнение" r:id="rId31" imgW="1739880" imgH="241200" progId="Equation.3">
+                <p:oleObj spid="_x0000_s50840" name="Уравнение" r:id="rId31" imgW="1739880" imgH="241200" progId="Equation.3">
                   <p:embed/>
                 </p:oleObj>
               </mc:Choice>
@@ -29673,7 +29589,7 @@
           <a:graphicData uri="http://schemas.openxmlformats.org/presentationml/2006/ole">
             <mc:AlternateContent xmlns:mc="http://schemas.openxmlformats.org/markup-compatibility/2006">
               <mc:Choice xmlns:v="urn:schemas-microsoft-com:vml" Requires="v">
-                <p:oleObj spid="_x0000_s50825" name="Уравнение" r:id="rId33" imgW="1130040" imgH="393480" progId="Equation.3">
+                <p:oleObj spid="_x0000_s50841" name="Уравнение" r:id="rId33" imgW="1130040" imgH="393480" progId="Equation.3">
                   <p:embed/>
                 </p:oleObj>
               </mc:Choice>
@@ -31619,7 +31535,7 @@
           <a:graphicData uri="http://schemas.openxmlformats.org/presentationml/2006/ole">
             <mc:AlternateContent xmlns:mc="http://schemas.openxmlformats.org/markup-compatibility/2006">
               <mc:Choice xmlns:v="urn:schemas-microsoft-com:vml" Requires="v">
-                <p:oleObj spid="_x0000_s51630" name="Формула" r:id="rId3" imgW="545760" imgH="241200" progId="Equation.3">
+                <p:oleObj spid="_x0000_s51640" name="Формула" r:id="rId3" imgW="545760" imgH="241200" progId="Equation.3">
                   <p:embed/>
                 </p:oleObj>
               </mc:Choice>
@@ -31914,7 +31830,7 @@
           <a:graphicData uri="http://schemas.openxmlformats.org/presentationml/2006/ole">
             <mc:AlternateContent xmlns:mc="http://schemas.openxmlformats.org/markup-compatibility/2006">
               <mc:Choice xmlns:v="urn:schemas-microsoft-com:vml" Requires="v">
-                <p:oleObj spid="_x0000_s51631" name="Формула" r:id="rId5" imgW="1485720" imgH="609480" progId="Equation.3">
+                <p:oleObj spid="_x0000_s51641" name="Формула" r:id="rId5" imgW="1485720" imgH="609480" progId="Equation.3">
                   <p:embed/>
                 </p:oleObj>
               </mc:Choice>
@@ -31984,7 +31900,7 @@
           <a:graphicData uri="http://schemas.openxmlformats.org/presentationml/2006/ole">
             <mc:AlternateContent xmlns:mc="http://schemas.openxmlformats.org/markup-compatibility/2006">
               <mc:Choice xmlns:v="urn:schemas-microsoft-com:vml" Requires="v">
-                <p:oleObj spid="_x0000_s51632" name="Документ" r:id="rId7" imgW="5046662" imgH="2540557" progId="Word.Document.12">
+                <p:oleObj spid="_x0000_s51642" name="Документ" r:id="rId7" imgW="5046662" imgH="2540557" progId="Word.Document.12">
                   <p:embed/>
                 </p:oleObj>
               </mc:Choice>
@@ -32108,7 +32024,7 @@
           <a:graphicData uri="http://schemas.openxmlformats.org/presentationml/2006/ole">
             <mc:AlternateContent xmlns:mc="http://schemas.openxmlformats.org/markup-compatibility/2006">
               <mc:Choice xmlns:v="urn:schemas-microsoft-com:vml" Requires="v">
-                <p:oleObj spid="_x0000_s51633" name="Формула" r:id="rId9" imgW="1307880" imgH="482400" progId="Equation.3">
+                <p:oleObj spid="_x0000_s51643" name="Формула" r:id="rId9" imgW="1307880" imgH="482400" progId="Equation.3">
                   <p:embed/>
                 </p:oleObj>
               </mc:Choice>
@@ -32282,7 +32198,7 @@
           <a:graphicData uri="http://schemas.openxmlformats.org/presentationml/2006/ole">
             <mc:AlternateContent xmlns:mc="http://schemas.openxmlformats.org/markup-compatibility/2006">
               <mc:Choice xmlns:v="urn:schemas-microsoft-com:vml" Requires="v">
-                <p:oleObj spid="_x0000_s51634" name="Формула" r:id="rId11" imgW="1726920" imgH="266400" progId="Equation.3">
+                <p:oleObj spid="_x0000_s51644" name="Формула" r:id="rId11" imgW="1726920" imgH="266400" progId="Equation.3">
                   <p:embed/>
                 </p:oleObj>
               </mc:Choice>
@@ -32352,7 +32268,7 @@
           <a:graphicData uri="http://schemas.openxmlformats.org/presentationml/2006/ole">
             <mc:AlternateContent xmlns:mc="http://schemas.openxmlformats.org/markup-compatibility/2006">
               <mc:Choice xmlns:v="urn:schemas-microsoft-com:vml" Requires="v">
-                <p:oleObj spid="_x0000_s51635" name="Формула" r:id="rId13" imgW="2044440" imgH="520560" progId="Equation.3">
+                <p:oleObj spid="_x0000_s51645" name="Формула" r:id="rId13" imgW="2044440" imgH="520560" progId="Equation.3">
                   <p:embed/>
                 </p:oleObj>
               </mc:Choice>
@@ -32422,7 +32338,7 @@
           <a:graphicData uri="http://schemas.openxmlformats.org/presentationml/2006/ole">
             <mc:AlternateContent xmlns:mc="http://schemas.openxmlformats.org/markup-compatibility/2006">
               <mc:Choice xmlns:v="urn:schemas-microsoft-com:vml" Requires="v">
-                <p:oleObj spid="_x0000_s51636" name="Формула" r:id="rId15" imgW="1041120" imgH="444240" progId="Equation.3">
+                <p:oleObj spid="_x0000_s51646" name="Формула" r:id="rId15" imgW="1041120" imgH="444240" progId="Equation.3">
                   <p:embed/>
                 </p:oleObj>
               </mc:Choice>
@@ -32492,7 +32408,7 @@
           <a:graphicData uri="http://schemas.openxmlformats.org/presentationml/2006/ole">
             <mc:AlternateContent xmlns:mc="http://schemas.openxmlformats.org/markup-compatibility/2006">
               <mc:Choice xmlns:v="urn:schemas-microsoft-com:vml" Requires="v">
-                <p:oleObj spid="_x0000_s51637" name="Формула" r:id="rId17" imgW="2501640" imgH="533160" progId="Equation.3">
+                <p:oleObj spid="_x0000_s51647" name="Формула" r:id="rId17" imgW="2501640" imgH="533160" progId="Equation.3">
                   <p:embed/>
                 </p:oleObj>
               </mc:Choice>
@@ -33413,7 +33329,7 @@
           <a:graphicData uri="http://schemas.openxmlformats.org/presentationml/2006/ole">
             <mc:AlternateContent xmlns:mc="http://schemas.openxmlformats.org/markup-compatibility/2006">
               <mc:Choice xmlns:v="urn:schemas-microsoft-com:vml" Requires="v">
-                <p:oleObj spid="_x0000_s51638" name="Формула" r:id="rId19" imgW="698400" imgH="241200" progId="Equation.3">
+                <p:oleObj spid="_x0000_s51648" name="Формула" r:id="rId19" imgW="698400" imgH="241200" progId="Equation.3">
                   <p:embed/>
                 </p:oleObj>
               </mc:Choice>
@@ -33470,25 +33386,25 @@
           <p:nvPr>
             <p:extLst>
               <p:ext uri="{D42A27DB-BD31-4B8C-83A1-F6EECF244321}">
-                <p14:modId xmlns:p14="http://schemas.microsoft.com/office/powerpoint/2010/main" val="3668482186"/>
+                <p14:modId xmlns:p14="http://schemas.microsoft.com/office/powerpoint/2010/main" val="3940890029"/>
               </p:ext>
             </p:extLst>
           </p:nvPr>
         </p:nvGraphicFramePr>
         <p:xfrm>
-          <a:off x="7341723" y="4467100"/>
-          <a:ext cx="825500" cy="330200"/>
+          <a:off x="7348073" y="4434668"/>
+          <a:ext cx="812800" cy="330200"/>
         </p:xfrm>
         <a:graphic>
           <a:graphicData uri="http://schemas.openxmlformats.org/presentationml/2006/ole">
             <mc:AlternateContent xmlns:mc="http://schemas.openxmlformats.org/markup-compatibility/2006">
               <mc:Choice xmlns:v="urn:schemas-microsoft-com:vml" Requires="v">
-                <p:oleObj spid="_x0000_s51639" name="Формула" r:id="rId21" imgW="825480" imgH="330120" progId="Equation.3">
+                <p:oleObj spid="_x0000_s51649" name="Уравнение" r:id="rId21" imgW="812520" imgH="330120" progId="Equation.3">
                   <p:embed/>
                 </p:oleObj>
               </mc:Choice>
               <mc:Fallback>
-                <p:oleObj name="Формула" r:id="rId21" imgW="825480" imgH="330120" progId="Equation.3">
+                <p:oleObj name="Уравнение" r:id="rId21" imgW="812520" imgH="330120" progId="Equation.3">
                   <p:embed/>
                   <p:pic>
                     <p:nvPicPr>
@@ -33507,8 +33423,8 @@
                     </p:blipFill>
                     <p:spPr bwMode="auto">
                       <a:xfrm>
-                        <a:off x="7341723" y="4467100"/>
-                        <a:ext cx="825500" cy="330200"/>
+                        <a:off x="7348073" y="4434668"/>
+                        <a:ext cx="812800" cy="330200"/>
                       </a:xfrm>
                       <a:prstGeom prst="rect">
                         <a:avLst/>
@@ -34599,7 +34515,7 @@
           <a:graphicData uri="http://schemas.openxmlformats.org/presentationml/2006/ole">
             <mc:AlternateContent xmlns:mc="http://schemas.openxmlformats.org/markup-compatibility/2006">
               <mc:Choice xmlns:v="urn:schemas-microsoft-com:vml" Requires="v">
-                <p:oleObj spid="_x0000_s45803" name="Формула" r:id="rId3" imgW="1409400" imgH="215640" progId="Equation.3">
+                <p:oleObj spid="_x0000_s45805" name="Формула" r:id="rId3" imgW="1409400" imgH="215640" progId="Equation.3">
                   <p:embed/>
                 </p:oleObj>
               </mc:Choice>
@@ -34656,7 +34572,7 @@
           <a:graphicData uri="http://schemas.openxmlformats.org/presentationml/2006/ole">
             <mc:AlternateContent xmlns:mc="http://schemas.openxmlformats.org/markup-compatibility/2006">
               <mc:Choice xmlns:v="urn:schemas-microsoft-com:vml" Requires="v">
-                <p:oleObj spid="_x0000_s45804" name="Уравнение" r:id="rId5" imgW="1079280" imgH="241200" progId="Equation.3">
+                <p:oleObj spid="_x0000_s45806" name="Уравнение" r:id="rId5" imgW="1079280" imgH="241200" progId="Equation.3">
                   <p:embed/>
                 </p:oleObj>
               </mc:Choice>
@@ -35150,8 +35066,8 @@
           </a:prstGeom>
         </p:spPr>
       </p:pic>
-      <mc:AlternateContent xmlns:mc="http://schemas.openxmlformats.org/markup-compatibility/2006" xmlns:a14="http://schemas.microsoft.com/office/drawing/2010/main">
-        <mc:Choice Requires="a14">
+      <mc:AlternateContent xmlns:mc="http://schemas.openxmlformats.org/markup-compatibility/2006">
+        <mc:Choice xmlns:a14="http://schemas.microsoft.com/office/drawing/2010/main" Requires="a14">
           <p:graphicFrame>
             <p:nvGraphicFramePr>
               <p:cNvPr id="11" name="Таблица 10"/>
@@ -35161,7 +35077,7 @@
               <p:nvPr>
                 <p:extLst>
                   <p:ext uri="{D42A27DB-BD31-4B8C-83A1-F6EECF244321}">
-                    <p14:modId xmlns:p14="http://schemas.microsoft.com/office/powerpoint/2010/main" val="2598232210"/>
+                    <p14:modId xmlns:p14="http://schemas.microsoft.com/office/powerpoint/2010/main" val="1092205347"/>
                   </p:ext>
                 </p:extLst>
               </p:nvPr>
@@ -35329,7 +35245,15 @@
                               <a:ea typeface="Cambria Math"/>
                               <a:cs typeface="Times New Roman" pitchFamily="18" charset="0"/>
                             </a:rPr>
-                            <a:t>диаметр выходного сечения сопла, </a:t>
+                            <a:t>Диаметр </a:t>
+                          </a:r>
+                          <a:r>
+                            <a:rPr lang="ru-RU" sz="1000" dirty="0" smtClean="0">
+                              <a:latin typeface="Times New Roman" pitchFamily="18" charset="0"/>
+                              <a:ea typeface="Cambria Math"/>
+                              <a:cs typeface="Times New Roman" pitchFamily="18" charset="0"/>
+                            </a:rPr>
+                            <a:t>выходного сечения сопла, </a:t>
                           </a:r>
                           <a14:m>
                             <m:oMath xmlns:m="http://schemas.openxmlformats.org/officeDocument/2006/math">
@@ -35735,7 +35659,7 @@
             </a:graphic>
           </p:graphicFrame>
         </mc:Choice>
-        <mc:Fallback xmlns="">
+        <mc:Fallback>
           <p:graphicFrame>
             <p:nvGraphicFramePr>
               <p:cNvPr id="11" name="Таблица 10"/>
@@ -35745,7 +35669,7 @@
               <p:nvPr>
                 <p:extLst>
                   <p:ext uri="{D42A27DB-BD31-4B8C-83A1-F6EECF244321}">
-                    <p14:modId xmlns:p14="http://schemas.microsoft.com/office/powerpoint/2010/main" val="2598232210"/>
+                    <p14:modId xmlns:p14="http://schemas.microsoft.com/office/powerpoint/2010/main" val="1092205347"/>
                   </p:ext>
                 </p:extLst>
               </p:nvPr>
@@ -36829,7 +36753,7 @@
           <a:graphicData uri="http://schemas.openxmlformats.org/presentationml/2006/ole">
             <mc:AlternateContent xmlns:mc="http://schemas.openxmlformats.org/markup-compatibility/2006">
               <mc:Choice xmlns:v="urn:schemas-microsoft-com:vml" Requires="v">
-                <p:oleObj spid="_x0000_s53464" name="Формула" r:id="rId3" imgW="2095200" imgH="228600" progId="Equation.3">
+                <p:oleObj spid="_x0000_s53482" name="Формула" r:id="rId3" imgW="2095200" imgH="228600" progId="Equation.3">
                   <p:embed/>
                 </p:oleObj>
               </mc:Choice>
@@ -36899,7 +36823,7 @@
           <a:graphicData uri="http://schemas.openxmlformats.org/presentationml/2006/ole">
             <mc:AlternateContent xmlns:mc="http://schemas.openxmlformats.org/markup-compatibility/2006">
               <mc:Choice xmlns:v="urn:schemas-microsoft-com:vml" Requires="v">
-                <p:oleObj spid="_x0000_s53465" name="Формула" r:id="rId5" imgW="736560" imgH="228600" progId="Equation.3">
+                <p:oleObj spid="_x0000_s53483" name="Формула" r:id="rId5" imgW="736560" imgH="228600" progId="Equation.3">
                   <p:embed/>
                 </p:oleObj>
               </mc:Choice>
@@ -37406,7 +37330,7 @@
           <a:graphicData uri="http://schemas.openxmlformats.org/presentationml/2006/ole">
             <mc:AlternateContent xmlns:mc="http://schemas.openxmlformats.org/markup-compatibility/2006">
               <mc:Choice xmlns:v="urn:schemas-microsoft-com:vml" Requires="v">
-                <p:oleObj spid="_x0000_s53466" name="Формула" r:id="rId7" imgW="1143000" imgH="228600" progId="Equation.3">
+                <p:oleObj spid="_x0000_s53484" name="Формула" r:id="rId7" imgW="1143000" imgH="228600" progId="Equation.3">
                   <p:embed/>
                 </p:oleObj>
               </mc:Choice>
@@ -37476,7 +37400,7 @@
           <a:graphicData uri="http://schemas.openxmlformats.org/presentationml/2006/ole">
             <mc:AlternateContent xmlns:mc="http://schemas.openxmlformats.org/markup-compatibility/2006">
               <mc:Choice xmlns:v="urn:schemas-microsoft-com:vml" Requires="v">
-                <p:oleObj spid="_x0000_s53467" name="Формула" r:id="rId9" imgW="812520" imgH="228600" progId="Equation.3">
+                <p:oleObj spid="_x0000_s53485" name="Формула" r:id="rId9" imgW="812520" imgH="228600" progId="Equation.3">
                   <p:embed/>
                 </p:oleObj>
               </mc:Choice>
@@ -37546,7 +37470,7 @@
           <a:graphicData uri="http://schemas.openxmlformats.org/presentationml/2006/ole">
             <mc:AlternateContent xmlns:mc="http://schemas.openxmlformats.org/markup-compatibility/2006">
               <mc:Choice xmlns:v="urn:schemas-microsoft-com:vml" Requires="v">
-                <p:oleObj spid="_x0000_s53468" name="Формула" r:id="rId11" imgW="253800" imgH="228600" progId="Equation.3">
+                <p:oleObj spid="_x0000_s53486" name="Формула" r:id="rId11" imgW="253800" imgH="228600" progId="Equation.3">
                   <p:embed/>
                 </p:oleObj>
               </mc:Choice>
@@ -37669,7 +37593,7 @@
           <a:graphicData uri="http://schemas.openxmlformats.org/presentationml/2006/ole">
             <mc:AlternateContent xmlns:mc="http://schemas.openxmlformats.org/markup-compatibility/2006">
               <mc:Choice xmlns:v="urn:schemas-microsoft-com:vml" Requires="v">
-                <p:oleObj spid="_x0000_s53469" name="Формула" r:id="rId13" imgW="241200" imgH="228600" progId="Equation.3">
+                <p:oleObj spid="_x0000_s53487" name="Формула" r:id="rId13" imgW="241200" imgH="228600" progId="Equation.3">
                   <p:embed/>
                 </p:oleObj>
               </mc:Choice>
@@ -37739,7 +37663,7 @@
           <a:graphicData uri="http://schemas.openxmlformats.org/presentationml/2006/ole">
             <mc:AlternateContent xmlns:mc="http://schemas.openxmlformats.org/markup-compatibility/2006">
               <mc:Choice xmlns:v="urn:schemas-microsoft-com:vml" Requires="v">
-                <p:oleObj spid="_x0000_s53470" name="Формула" r:id="rId15" imgW="1447560" imgH="482400" progId="Equation.3">
+                <p:oleObj spid="_x0000_s53488" name="Формула" r:id="rId15" imgW="1447560" imgH="482400" progId="Equation.3">
                   <p:embed/>
                 </p:oleObj>
               </mc:Choice>
@@ -37965,7 +37889,7 @@
           <a:graphicData uri="http://schemas.openxmlformats.org/presentationml/2006/ole">
             <mc:AlternateContent xmlns:mc="http://schemas.openxmlformats.org/markup-compatibility/2006">
               <mc:Choice xmlns:v="urn:schemas-microsoft-com:vml" Requires="v">
-                <p:oleObj spid="_x0000_s53471" name="Уравнение" r:id="rId17" imgW="1422360" imgH="241200" progId="Equation.3">
+                <p:oleObj spid="_x0000_s53489" name="Уравнение" r:id="rId17" imgW="1422360" imgH="241200" progId="Equation.3">
                   <p:embed/>
                 </p:oleObj>
               </mc:Choice>
@@ -38035,7 +37959,7 @@
           <a:graphicData uri="http://schemas.openxmlformats.org/presentationml/2006/ole">
             <mc:AlternateContent xmlns:mc="http://schemas.openxmlformats.org/markup-compatibility/2006">
               <mc:Choice xmlns:v="urn:schemas-microsoft-com:vml" Requires="v">
-                <p:oleObj spid="_x0000_s53472" name="Формула" r:id="rId19" imgW="1168200" imgH="266400" progId="Equation.3">
+                <p:oleObj spid="_x0000_s53490" name="Формула" r:id="rId19" imgW="1168200" imgH="266400" progId="Equation.3">
                   <p:embed/>
                 </p:oleObj>
               </mc:Choice>
@@ -38105,7 +38029,7 @@
           <a:graphicData uri="http://schemas.openxmlformats.org/presentationml/2006/ole">
             <mc:AlternateContent xmlns:mc="http://schemas.openxmlformats.org/markup-compatibility/2006">
               <mc:Choice xmlns:v="urn:schemas-microsoft-com:vml" Requires="v">
-                <p:oleObj spid="_x0000_s53473" name="Уравнение" r:id="rId21" imgW="330120" imgH="241200" progId="Equation.3">
+                <p:oleObj spid="_x0000_s53491" name="Уравнение" r:id="rId21" imgW="330120" imgH="241200" progId="Equation.3">
                   <p:embed/>
                 </p:oleObj>
               </mc:Choice>
@@ -38175,7 +38099,7 @@
           <a:graphicData uri="http://schemas.openxmlformats.org/presentationml/2006/ole">
             <mc:AlternateContent xmlns:mc="http://schemas.openxmlformats.org/markup-compatibility/2006">
               <mc:Choice xmlns:v="urn:schemas-microsoft-com:vml" Requires="v">
-                <p:oleObj spid="_x0000_s53474" name="Формула" r:id="rId23" imgW="850680" imgH="241200" progId="Equation.3">
+                <p:oleObj spid="_x0000_s53492" name="Формула" r:id="rId23" imgW="850680" imgH="241200" progId="Equation.3">
                   <p:embed/>
                 </p:oleObj>
               </mc:Choice>
@@ -38393,7 +38317,7 @@
           <a:graphicData uri="http://schemas.openxmlformats.org/presentationml/2006/ole">
             <mc:AlternateContent xmlns:mc="http://schemas.openxmlformats.org/markup-compatibility/2006">
               <mc:Choice xmlns:v="urn:schemas-microsoft-com:vml" Requires="v">
-                <p:oleObj spid="_x0000_s53475" name="Формула" r:id="rId25" imgW="3454200" imgH="253800" progId="Equation.3">
+                <p:oleObj spid="_x0000_s53493" name="Формула" r:id="rId25" imgW="3454200" imgH="253800" progId="Equation.3">
                   <p:embed/>
                 </p:oleObj>
               </mc:Choice>
@@ -38643,7 +38567,7 @@
           <a:graphicData uri="http://schemas.openxmlformats.org/presentationml/2006/ole">
             <mc:AlternateContent xmlns:mc="http://schemas.openxmlformats.org/markup-compatibility/2006">
               <mc:Choice xmlns:v="urn:schemas-microsoft-com:vml" Requires="v">
-                <p:oleObj spid="_x0000_s53476" name="Уравнение" r:id="rId27" imgW="1307880" imgH="431640" progId="Equation.3">
+                <p:oleObj spid="_x0000_s53494" name="Уравнение" r:id="rId27" imgW="1307880" imgH="431640" progId="Equation.3">
                   <p:embed/>
                 </p:oleObj>
               </mc:Choice>
@@ -38761,7 +38685,7 @@
           <a:graphicData uri="http://schemas.openxmlformats.org/presentationml/2006/ole">
             <mc:AlternateContent xmlns:mc="http://schemas.openxmlformats.org/markup-compatibility/2006">
               <mc:Choice xmlns:v="urn:schemas-microsoft-com:vml" Requires="v">
-                <p:oleObj spid="_x0000_s53477" name="Формула" r:id="rId29" imgW="1955520" imgH="393480" progId="Equation.3">
+                <p:oleObj spid="_x0000_s53495" name="Формула" r:id="rId29" imgW="1955520" imgH="393480" progId="Equation.3">
                   <p:embed/>
                 </p:oleObj>
               </mc:Choice>
@@ -38831,7 +38755,7 @@
           <a:graphicData uri="http://schemas.openxmlformats.org/presentationml/2006/ole">
             <mc:AlternateContent xmlns:mc="http://schemas.openxmlformats.org/markup-compatibility/2006">
               <mc:Choice xmlns:v="urn:schemas-microsoft-com:vml" Requires="v">
-                <p:oleObj spid="_x0000_s53478" name="Формула" r:id="rId31" imgW="2844720" imgH="393480" progId="Equation.3">
+                <p:oleObj spid="_x0000_s53496" name="Формула" r:id="rId31" imgW="2844720" imgH="393480" progId="Equation.3">
                   <p:embed/>
                 </p:oleObj>
               </mc:Choice>
@@ -38901,7 +38825,7 @@
           <a:graphicData uri="http://schemas.openxmlformats.org/presentationml/2006/ole">
             <mc:AlternateContent xmlns:mc="http://schemas.openxmlformats.org/markup-compatibility/2006">
               <mc:Choice xmlns:v="urn:schemas-microsoft-com:vml" Requires="v">
-                <p:oleObj spid="_x0000_s53479" name="Уравнение" r:id="rId33" imgW="1460160" imgH="393480" progId="Equation.3">
+                <p:oleObj spid="_x0000_s53497" name="Уравнение" r:id="rId33" imgW="1460160" imgH="393480" progId="Equation.3">
                   <p:embed/>
                 </p:oleObj>
               </mc:Choice>
@@ -38971,7 +38895,7 @@
           <a:graphicData uri="http://schemas.openxmlformats.org/presentationml/2006/ole">
             <mc:AlternateContent xmlns:mc="http://schemas.openxmlformats.org/markup-compatibility/2006">
               <mc:Choice xmlns:v="urn:schemas-microsoft-com:vml" Requires="v">
-                <p:oleObj spid="_x0000_s53480" name="Формула" r:id="rId35" imgW="1346040" imgH="393480" progId="Equation.3">
+                <p:oleObj spid="_x0000_s53498" name="Формула" r:id="rId35" imgW="1346040" imgH="393480" progId="Equation.3">
                   <p:embed/>
                 </p:oleObj>
               </mc:Choice>
@@ -39041,7 +38965,7 @@
           <a:graphicData uri="http://schemas.openxmlformats.org/presentationml/2006/ole">
             <mc:AlternateContent xmlns:mc="http://schemas.openxmlformats.org/markup-compatibility/2006">
               <mc:Choice xmlns:v="urn:schemas-microsoft-com:vml" Requires="v">
-                <p:oleObj spid="_x0000_s53481" name="Формула" r:id="rId37" imgW="647640" imgH="228600" progId="Equation.3">
+                <p:oleObj spid="_x0000_s53499" name="Формула" r:id="rId37" imgW="647640" imgH="228600" progId="Equation.3">
                   <p:embed/>
                 </p:oleObj>
               </mc:Choice>
@@ -40023,7 +39947,7 @@
           <a:graphicData uri="http://schemas.openxmlformats.org/presentationml/2006/ole">
             <mc:AlternateContent xmlns:mc="http://schemas.openxmlformats.org/markup-compatibility/2006">
               <mc:Choice xmlns:v="urn:schemas-microsoft-com:vml" Requires="v">
-                <p:oleObj spid="_x0000_s49929" name="Формула" r:id="rId3" imgW="1422360" imgH="393480" progId="Equation.3">
+                <p:oleObj spid="_x0000_s49944" name="Формула" r:id="rId3" imgW="1422360" imgH="393480" progId="Equation.3">
                   <p:embed/>
                 </p:oleObj>
               </mc:Choice>
@@ -40093,7 +40017,7 @@
           <a:graphicData uri="http://schemas.openxmlformats.org/presentationml/2006/ole">
             <mc:AlternateContent xmlns:mc="http://schemas.openxmlformats.org/markup-compatibility/2006">
               <mc:Choice xmlns:v="urn:schemas-microsoft-com:vml" Requires="v">
-                <p:oleObj spid="_x0000_s49930" name="Формула" r:id="rId5" imgW="1015920" imgH="393480" progId="Equation.3">
+                <p:oleObj spid="_x0000_s49945" name="Формула" r:id="rId5" imgW="1015920" imgH="393480" progId="Equation.3">
                   <p:embed/>
                 </p:oleObj>
               </mc:Choice>
@@ -40163,7 +40087,7 @@
           <a:graphicData uri="http://schemas.openxmlformats.org/presentationml/2006/ole">
             <mc:AlternateContent xmlns:mc="http://schemas.openxmlformats.org/markup-compatibility/2006">
               <mc:Choice xmlns:v="urn:schemas-microsoft-com:vml" Requires="v">
-                <p:oleObj spid="_x0000_s49931" name="Формула" r:id="rId7" imgW="1384200" imgH="393480" progId="Equation.3">
+                <p:oleObj spid="_x0000_s49946" name="Формула" r:id="rId7" imgW="1384200" imgH="393480" progId="Equation.3">
                   <p:embed/>
                 </p:oleObj>
               </mc:Choice>
@@ -40296,7 +40220,7 @@
           <a:graphicData uri="http://schemas.openxmlformats.org/presentationml/2006/ole">
             <mc:AlternateContent xmlns:mc="http://schemas.openxmlformats.org/markup-compatibility/2006">
               <mc:Choice xmlns:v="urn:schemas-microsoft-com:vml" Requires="v">
-                <p:oleObj spid="_x0000_s49932" name="Формула" r:id="rId9" imgW="1866600" imgH="469800" progId="Equation.3">
+                <p:oleObj spid="_x0000_s49947" name="Формула" r:id="rId9" imgW="1866600" imgH="469800" progId="Equation.3">
                   <p:embed/>
                 </p:oleObj>
               </mc:Choice>
@@ -40421,7 +40345,7 @@
           <a:graphicData uri="http://schemas.openxmlformats.org/presentationml/2006/ole">
             <mc:AlternateContent xmlns:mc="http://schemas.openxmlformats.org/markup-compatibility/2006">
               <mc:Choice xmlns:v="urn:schemas-microsoft-com:vml" Requires="v">
-                <p:oleObj spid="_x0000_s49933" name="Формула" r:id="rId11" imgW="1574640" imgH="457200" progId="Equation.3">
+                <p:oleObj spid="_x0000_s49948" name="Формула" r:id="rId11" imgW="1574640" imgH="457200" progId="Equation.3">
                   <p:embed/>
                 </p:oleObj>
               </mc:Choice>
@@ -40554,7 +40478,7 @@
           <a:graphicData uri="http://schemas.openxmlformats.org/presentationml/2006/ole">
             <mc:AlternateContent xmlns:mc="http://schemas.openxmlformats.org/markup-compatibility/2006">
               <mc:Choice xmlns:v="urn:schemas-microsoft-com:vml" Requires="v">
-                <p:oleObj spid="_x0000_s49934" name="Формула" r:id="rId13" imgW="1282680" imgH="495000" progId="Equation.3">
+                <p:oleObj spid="_x0000_s49949" name="Формула" r:id="rId13" imgW="1282680" imgH="495000" progId="Equation.3">
                   <p:embed/>
                 </p:oleObj>
               </mc:Choice>
@@ -40624,7 +40548,7 @@
           <a:graphicData uri="http://schemas.openxmlformats.org/presentationml/2006/ole">
             <mc:AlternateContent xmlns:mc="http://schemas.openxmlformats.org/markup-compatibility/2006">
               <mc:Choice xmlns:v="urn:schemas-microsoft-com:vml" Requires="v">
-                <p:oleObj spid="_x0000_s49935" name="Формула" r:id="rId15" imgW="1485720" imgH="457200" progId="Equation.3">
+                <p:oleObj spid="_x0000_s49950" name="Формула" r:id="rId15" imgW="1485720" imgH="457200" progId="Equation.3">
                   <p:embed/>
                 </p:oleObj>
               </mc:Choice>
@@ -41574,7 +41498,7 @@
           <a:graphicData uri="http://schemas.openxmlformats.org/presentationml/2006/ole">
             <mc:AlternateContent xmlns:mc="http://schemas.openxmlformats.org/markup-compatibility/2006">
               <mc:Choice xmlns:v="urn:schemas-microsoft-com:vml" Requires="v">
-                <p:oleObj spid="_x0000_s49936" name="Формула" r:id="rId17" imgW="863280" imgH="266400" progId="Equation.3">
+                <p:oleObj spid="_x0000_s49951" name="Формула" r:id="rId17" imgW="863280" imgH="266400" progId="Equation.3">
                   <p:embed/>
                 </p:oleObj>
               </mc:Choice>
@@ -41904,7 +41828,7 @@
           <a:graphicData uri="http://schemas.openxmlformats.org/presentationml/2006/ole">
             <mc:AlternateContent xmlns:mc="http://schemas.openxmlformats.org/markup-compatibility/2006">
               <mc:Choice xmlns:v="urn:schemas-microsoft-com:vml" Requires="v">
-                <p:oleObj spid="_x0000_s49937" name="Уравнение" r:id="rId19" imgW="1879560" imgH="228600" progId="Equation.3">
+                <p:oleObj spid="_x0000_s49952" name="Уравнение" r:id="rId19" imgW="1879560" imgH="228600" progId="Equation.3">
                   <p:embed/>
                 </p:oleObj>
               </mc:Choice>
@@ -41974,7 +41898,7 @@
           <a:graphicData uri="http://schemas.openxmlformats.org/presentationml/2006/ole">
             <mc:AlternateContent xmlns:mc="http://schemas.openxmlformats.org/markup-compatibility/2006">
               <mc:Choice xmlns:v="urn:schemas-microsoft-com:vml" Requires="v">
-                <p:oleObj spid="_x0000_s49938" name="Формула" r:id="rId21" imgW="2019240" imgH="228600" progId="Equation.3">
+                <p:oleObj spid="_x0000_s49953" name="Формула" r:id="rId21" imgW="2019240" imgH="228600" progId="Equation.3">
                   <p:embed/>
                 </p:oleObj>
               </mc:Choice>
@@ -42044,7 +41968,7 @@
           <a:graphicData uri="http://schemas.openxmlformats.org/presentationml/2006/ole">
             <mc:AlternateContent xmlns:mc="http://schemas.openxmlformats.org/markup-compatibility/2006">
               <mc:Choice xmlns:v="urn:schemas-microsoft-com:vml" Requires="v">
-                <p:oleObj spid="_x0000_s49939" name="Формула" r:id="rId23" imgW="812520" imgH="393480" progId="Equation.3">
+                <p:oleObj spid="_x0000_s49954" name="Формула" r:id="rId23" imgW="812520" imgH="393480" progId="Equation.3">
                   <p:embed/>
                 </p:oleObj>
               </mc:Choice>
@@ -42263,7 +42187,7 @@
           <a:graphicData uri="http://schemas.openxmlformats.org/presentationml/2006/ole">
             <mc:AlternateContent xmlns:mc="http://schemas.openxmlformats.org/markup-compatibility/2006">
               <mc:Choice xmlns:v="urn:schemas-microsoft-com:vml" Requires="v">
-                <p:oleObj spid="_x0000_s49940" name="Уравнение" r:id="rId25" imgW="685800" imgH="431640" progId="Equation.3">
+                <p:oleObj spid="_x0000_s49955" name="Уравнение" r:id="rId25" imgW="685800" imgH="431640" progId="Equation.3">
                   <p:embed/>
                 </p:oleObj>
               </mc:Choice>
@@ -42468,7 +42392,7 @@
           <a:graphicData uri="http://schemas.openxmlformats.org/presentationml/2006/ole">
             <mc:AlternateContent xmlns:mc="http://schemas.openxmlformats.org/markup-compatibility/2006">
               <mc:Choice xmlns:v="urn:schemas-microsoft-com:vml" Requires="v">
-                <p:oleObj spid="_x0000_s49941" name="Уравнение" r:id="rId27" imgW="164880" imgH="228600" progId="Equation.3">
+                <p:oleObj spid="_x0000_s49956" name="Уравнение" r:id="rId27" imgW="164880" imgH="228600" progId="Equation.3">
                   <p:embed/>
                 </p:oleObj>
               </mc:Choice>
@@ -42652,7 +42576,7 @@
           <a:graphicData uri="http://schemas.openxmlformats.org/presentationml/2006/ole">
             <mc:AlternateContent xmlns:mc="http://schemas.openxmlformats.org/markup-compatibility/2006">
               <mc:Choice xmlns:v="urn:schemas-microsoft-com:vml" Requires="v">
-                <p:oleObj spid="_x0000_s49942" name="Формула" r:id="rId29" imgW="393480" imgH="228600" progId="Equation.3">
+                <p:oleObj spid="_x0000_s49957" name="Формула" r:id="rId29" imgW="393480" imgH="228600" progId="Equation.3">
                   <p:embed/>
                 </p:oleObj>
               </mc:Choice>
@@ -42836,7 +42760,7 @@
           <a:graphicData uri="http://schemas.openxmlformats.org/presentationml/2006/ole">
             <mc:AlternateContent xmlns:mc="http://schemas.openxmlformats.org/markup-compatibility/2006">
               <mc:Choice xmlns:v="urn:schemas-microsoft-com:vml" Requires="v">
-                <p:oleObj spid="_x0000_s49943" name="Picture" r:id="rId31" imgW="3970895" imgH="2272490" progId="Word.Picture.8">
+                <p:oleObj spid="_x0000_s49958" name="Picture" r:id="rId31" imgW="3970895" imgH="2272490" progId="Word.Picture.8">
                   <p:embed/>
                 </p:oleObj>
               </mc:Choice>
